--- a/Docker/MY_DOCKERS.pptx
+++ b/Docker/MY_DOCKERS.pptx
@@ -5,10 +5,10 @@
     <p:sldMasterId id="2147483648" r:id="rId1"/>
   </p:sldMasterIdLst>
   <p:notesMasterIdLst>
-    <p:notesMasterId r:id="rId15"/>
+    <p:notesMasterId r:id="rId23"/>
   </p:notesMasterIdLst>
   <p:handoutMasterIdLst>
-    <p:handoutMasterId r:id="rId16"/>
+    <p:handoutMasterId r:id="rId24"/>
   </p:handoutMasterIdLst>
   <p:sldIdLst>
     <p:sldId id="256" r:id="rId2"/>
@@ -24,6 +24,14 @@
     <p:sldId id="265" r:id="rId12"/>
     <p:sldId id="266" r:id="rId13"/>
     <p:sldId id="267" r:id="rId14"/>
+    <p:sldId id="269" r:id="rId15"/>
+    <p:sldId id="270" r:id="rId16"/>
+    <p:sldId id="272" r:id="rId17"/>
+    <p:sldId id="273" r:id="rId18"/>
+    <p:sldId id="274" r:id="rId19"/>
+    <p:sldId id="275" r:id="rId20"/>
+    <p:sldId id="276" r:id="rId21"/>
+    <p:sldId id="277" r:id="rId22"/>
   </p:sldIdLst>
   <p:sldSz cx="10080625" cy="7559675"/>
   <p:notesSz cx="7559675" cy="10691813"/>
@@ -1257,6 +1265,618 @@
 </p:notes>
 </file>
 
+<file path=ppt/notesSlides/notesSlide14.xml><?xml version="1.0" encoding="utf-8"?>
+<p:notes xmlns:a="http://schemas.openxmlformats.org/drawingml/2006/main" xmlns:r="http://schemas.openxmlformats.org/officeDocument/2006/relationships" xmlns:p="http://schemas.openxmlformats.org/presentationml/2006/main">
+  <p:cSld>
+    <p:spTree>
+      <p:nvGrpSpPr>
+        <p:cNvPr id="1" name=""/>
+        <p:cNvGrpSpPr/>
+        <p:nvPr/>
+      </p:nvGrpSpPr>
+      <p:grpSpPr>
+        <a:xfrm>
+          <a:off x="0" y="0"/>
+          <a:ext cx="0" cy="0"/>
+          <a:chOff x="0" y="0"/>
+          <a:chExt cx="0" cy="0"/>
+        </a:xfrm>
+      </p:grpSpPr>
+      <p:sp>
+        <p:nvSpPr>
+          <p:cNvPr id="7" name="Slide Number Placeholder 6"/>
+          <p:cNvSpPr txBox="1">
+            <a:spLocks noGrp="1"/>
+          </p:cNvSpPr>
+          <p:nvPr>
+            <p:ph type="sldNum" sz="quarter" idx="5"/>
+          </p:nvPr>
+        </p:nvSpPr>
+        <p:spPr>
+          <a:ln/>
+        </p:spPr>
+        <p:txBody>
+          <a:bodyPr lIns="0" tIns="0" rIns="0" bIns="0" anchor="b" anchorCtr="0">
+            <a:noAutofit/>
+          </a:bodyPr>
+          <a:lstStyle/>
+          <a:p>
+            <a:pPr lvl="0"/>
+            <a:fld id="{AA3723C9-A1CF-4313-B526-19FF1BC83726}" type="slidenum">
+              <a:t>14</a:t>
+            </a:fld>
+            <a:endParaRPr lang="en-IN"/>
+          </a:p>
+        </p:txBody>
+      </p:sp>
+      <p:sp>
+        <p:nvSpPr>
+          <p:cNvPr id="2" name="Slide Image Placeholder 1"/>
+          <p:cNvSpPr>
+            <a:spLocks noGrp="1" noRot="1" noChangeAspect="1" noResize="1"/>
+          </p:cNvSpPr>
+          <p:nvPr>
+            <p:ph type="sldImg"/>
+          </p:nvPr>
+        </p:nvSpPr>
+        <p:spPr>
+          <a:xfrm>
+            <a:off x="1106488" y="812800"/>
+            <a:ext cx="5345112" cy="4008438"/>
+          </a:xfrm>
+          <a:solidFill>
+            <a:srgbClr val="729FCF"/>
+          </a:solidFill>
+          <a:ln w="25400">
+            <a:solidFill>
+              <a:srgbClr val="3465A4"/>
+            </a:solidFill>
+            <a:prstDash val="solid"/>
+          </a:ln>
+        </p:spPr>
+      </p:sp>
+      <p:sp>
+        <p:nvSpPr>
+          <p:cNvPr id="3" name="Notes Placeholder 2"/>
+          <p:cNvSpPr txBox="1">
+            <a:spLocks noGrp="1"/>
+          </p:cNvSpPr>
+          <p:nvPr>
+            <p:ph type="body" sz="quarter" idx="1"/>
+          </p:nvPr>
+        </p:nvSpPr>
+        <p:spPr/>
+        <p:txBody>
+          <a:bodyPr/>
+          <a:lstStyle/>
+          <a:p>
+            <a:endParaRPr lang="en-IN"/>
+          </a:p>
+        </p:txBody>
+      </p:sp>
+    </p:spTree>
+    <p:extLst>
+      <p:ext uri="{BB962C8B-B14F-4D97-AF65-F5344CB8AC3E}">
+        <p14:creationId xmlns:p14="http://schemas.microsoft.com/office/powerpoint/2010/main" val="3430977650"/>
+      </p:ext>
+    </p:extLst>
+  </p:cSld>
+  <p:clrMapOvr>
+    <a:masterClrMapping/>
+  </p:clrMapOvr>
+</p:notes>
+</file>
+
+<file path=ppt/notesSlides/notesSlide15.xml><?xml version="1.0" encoding="utf-8"?>
+<p:notes xmlns:a="http://schemas.openxmlformats.org/drawingml/2006/main" xmlns:r="http://schemas.openxmlformats.org/officeDocument/2006/relationships" xmlns:p="http://schemas.openxmlformats.org/presentationml/2006/main">
+  <p:cSld>
+    <p:spTree>
+      <p:nvGrpSpPr>
+        <p:cNvPr id="1" name=""/>
+        <p:cNvGrpSpPr/>
+        <p:nvPr/>
+      </p:nvGrpSpPr>
+      <p:grpSpPr>
+        <a:xfrm>
+          <a:off x="0" y="0"/>
+          <a:ext cx="0" cy="0"/>
+          <a:chOff x="0" y="0"/>
+          <a:chExt cx="0" cy="0"/>
+        </a:xfrm>
+      </p:grpSpPr>
+      <p:sp>
+        <p:nvSpPr>
+          <p:cNvPr id="7" name="Slide Number Placeholder 6"/>
+          <p:cNvSpPr txBox="1">
+            <a:spLocks noGrp="1"/>
+          </p:cNvSpPr>
+          <p:nvPr>
+            <p:ph type="sldNum" sz="quarter" idx="5"/>
+          </p:nvPr>
+        </p:nvSpPr>
+        <p:spPr>
+          <a:ln/>
+        </p:spPr>
+        <p:txBody>
+          <a:bodyPr lIns="0" tIns="0" rIns="0" bIns="0" anchor="b" anchorCtr="0">
+            <a:noAutofit/>
+          </a:bodyPr>
+          <a:lstStyle/>
+          <a:p>
+            <a:pPr lvl="0"/>
+            <a:fld id="{AA3723C9-A1CF-4313-B526-19FF1BC83726}" type="slidenum">
+              <a:t>15</a:t>
+            </a:fld>
+            <a:endParaRPr lang="en-IN"/>
+          </a:p>
+        </p:txBody>
+      </p:sp>
+      <p:sp>
+        <p:nvSpPr>
+          <p:cNvPr id="2" name="Slide Image Placeholder 1"/>
+          <p:cNvSpPr>
+            <a:spLocks noGrp="1" noRot="1" noChangeAspect="1" noResize="1"/>
+          </p:cNvSpPr>
+          <p:nvPr>
+            <p:ph type="sldImg"/>
+          </p:nvPr>
+        </p:nvSpPr>
+        <p:spPr>
+          <a:xfrm>
+            <a:off x="1106488" y="812800"/>
+            <a:ext cx="5345112" cy="4008438"/>
+          </a:xfrm>
+          <a:solidFill>
+            <a:srgbClr val="729FCF"/>
+          </a:solidFill>
+          <a:ln w="25400">
+            <a:solidFill>
+              <a:srgbClr val="3465A4"/>
+            </a:solidFill>
+            <a:prstDash val="solid"/>
+          </a:ln>
+        </p:spPr>
+      </p:sp>
+      <p:sp>
+        <p:nvSpPr>
+          <p:cNvPr id="3" name="Notes Placeholder 2"/>
+          <p:cNvSpPr txBox="1">
+            <a:spLocks noGrp="1"/>
+          </p:cNvSpPr>
+          <p:nvPr>
+            <p:ph type="body" sz="quarter" idx="1"/>
+          </p:nvPr>
+        </p:nvSpPr>
+        <p:spPr/>
+        <p:txBody>
+          <a:bodyPr/>
+          <a:lstStyle/>
+          <a:p>
+            <a:endParaRPr lang="en-IN"/>
+          </a:p>
+        </p:txBody>
+      </p:sp>
+    </p:spTree>
+    <p:extLst>
+      <p:ext uri="{BB962C8B-B14F-4D97-AF65-F5344CB8AC3E}">
+        <p14:creationId xmlns:p14="http://schemas.microsoft.com/office/powerpoint/2010/main" val="43456394"/>
+      </p:ext>
+    </p:extLst>
+  </p:cSld>
+  <p:clrMapOvr>
+    <a:masterClrMapping/>
+  </p:clrMapOvr>
+</p:notes>
+</file>
+
+<file path=ppt/notesSlides/notesSlide16.xml><?xml version="1.0" encoding="utf-8"?>
+<p:notes xmlns:a="http://schemas.openxmlformats.org/drawingml/2006/main" xmlns:r="http://schemas.openxmlformats.org/officeDocument/2006/relationships" xmlns:p="http://schemas.openxmlformats.org/presentationml/2006/main">
+  <p:cSld>
+    <p:spTree>
+      <p:nvGrpSpPr>
+        <p:cNvPr id="1" name=""/>
+        <p:cNvGrpSpPr/>
+        <p:nvPr/>
+      </p:nvGrpSpPr>
+      <p:grpSpPr>
+        <a:xfrm>
+          <a:off x="0" y="0"/>
+          <a:ext cx="0" cy="0"/>
+          <a:chOff x="0" y="0"/>
+          <a:chExt cx="0" cy="0"/>
+        </a:xfrm>
+      </p:grpSpPr>
+      <p:sp>
+        <p:nvSpPr>
+          <p:cNvPr id="7" name="Slide Number Placeholder 6"/>
+          <p:cNvSpPr txBox="1">
+            <a:spLocks noGrp="1"/>
+          </p:cNvSpPr>
+          <p:nvPr>
+            <p:ph type="sldNum" sz="quarter" idx="5"/>
+          </p:nvPr>
+        </p:nvSpPr>
+        <p:spPr>
+          <a:ln/>
+        </p:spPr>
+        <p:txBody>
+          <a:bodyPr lIns="0" tIns="0" rIns="0" bIns="0" anchor="b" anchorCtr="0">
+            <a:noAutofit/>
+          </a:bodyPr>
+          <a:lstStyle/>
+          <a:p>
+            <a:pPr lvl="0"/>
+            <a:fld id="{AA3723C9-A1CF-4313-B526-19FF1BC83726}" type="slidenum">
+              <a:t>16</a:t>
+            </a:fld>
+            <a:endParaRPr lang="en-IN"/>
+          </a:p>
+        </p:txBody>
+      </p:sp>
+      <p:sp>
+        <p:nvSpPr>
+          <p:cNvPr id="2" name="Slide Image Placeholder 1"/>
+          <p:cNvSpPr>
+            <a:spLocks noGrp="1" noRot="1" noChangeAspect="1" noResize="1"/>
+          </p:cNvSpPr>
+          <p:nvPr>
+            <p:ph type="sldImg"/>
+          </p:nvPr>
+        </p:nvSpPr>
+        <p:spPr>
+          <a:xfrm>
+            <a:off x="1106488" y="812800"/>
+            <a:ext cx="5345112" cy="4008438"/>
+          </a:xfrm>
+          <a:solidFill>
+            <a:srgbClr val="729FCF"/>
+          </a:solidFill>
+          <a:ln w="25400">
+            <a:solidFill>
+              <a:srgbClr val="3465A4"/>
+            </a:solidFill>
+            <a:prstDash val="solid"/>
+          </a:ln>
+        </p:spPr>
+      </p:sp>
+      <p:sp>
+        <p:nvSpPr>
+          <p:cNvPr id="3" name="Notes Placeholder 2"/>
+          <p:cNvSpPr txBox="1">
+            <a:spLocks noGrp="1"/>
+          </p:cNvSpPr>
+          <p:nvPr>
+            <p:ph type="body" sz="quarter" idx="1"/>
+          </p:nvPr>
+        </p:nvSpPr>
+        <p:spPr/>
+        <p:txBody>
+          <a:bodyPr/>
+          <a:lstStyle/>
+          <a:p>
+            <a:endParaRPr lang="en-IN"/>
+          </a:p>
+        </p:txBody>
+      </p:sp>
+    </p:spTree>
+    <p:extLst>
+      <p:ext uri="{BB962C8B-B14F-4D97-AF65-F5344CB8AC3E}">
+        <p14:creationId xmlns:p14="http://schemas.microsoft.com/office/powerpoint/2010/main" val="717162300"/>
+      </p:ext>
+    </p:extLst>
+  </p:cSld>
+  <p:clrMapOvr>
+    <a:masterClrMapping/>
+  </p:clrMapOvr>
+</p:notes>
+</file>
+
+<file path=ppt/notesSlides/notesSlide17.xml><?xml version="1.0" encoding="utf-8"?>
+<p:notes xmlns:a="http://schemas.openxmlformats.org/drawingml/2006/main" xmlns:r="http://schemas.openxmlformats.org/officeDocument/2006/relationships" xmlns:p="http://schemas.openxmlformats.org/presentationml/2006/main">
+  <p:cSld>
+    <p:spTree>
+      <p:nvGrpSpPr>
+        <p:cNvPr id="1" name=""/>
+        <p:cNvGrpSpPr/>
+        <p:nvPr/>
+      </p:nvGrpSpPr>
+      <p:grpSpPr>
+        <a:xfrm>
+          <a:off x="0" y="0"/>
+          <a:ext cx="0" cy="0"/>
+          <a:chOff x="0" y="0"/>
+          <a:chExt cx="0" cy="0"/>
+        </a:xfrm>
+      </p:grpSpPr>
+      <p:sp>
+        <p:nvSpPr>
+          <p:cNvPr id="7" name="Slide Number Placeholder 6"/>
+          <p:cNvSpPr txBox="1">
+            <a:spLocks noGrp="1"/>
+          </p:cNvSpPr>
+          <p:nvPr>
+            <p:ph type="sldNum" sz="quarter" idx="5"/>
+          </p:nvPr>
+        </p:nvSpPr>
+        <p:spPr>
+          <a:ln/>
+        </p:spPr>
+        <p:txBody>
+          <a:bodyPr lIns="0" tIns="0" rIns="0" bIns="0" anchor="b" anchorCtr="0">
+            <a:noAutofit/>
+          </a:bodyPr>
+          <a:lstStyle/>
+          <a:p>
+            <a:pPr lvl="0"/>
+            <a:fld id="{AA3723C9-A1CF-4313-B526-19FF1BC83726}" type="slidenum">
+              <a:t>17</a:t>
+            </a:fld>
+            <a:endParaRPr lang="en-IN"/>
+          </a:p>
+        </p:txBody>
+      </p:sp>
+      <p:sp>
+        <p:nvSpPr>
+          <p:cNvPr id="2" name="Slide Image Placeholder 1"/>
+          <p:cNvSpPr>
+            <a:spLocks noGrp="1" noRot="1" noChangeAspect="1" noResize="1"/>
+          </p:cNvSpPr>
+          <p:nvPr>
+            <p:ph type="sldImg"/>
+          </p:nvPr>
+        </p:nvSpPr>
+        <p:spPr>
+          <a:xfrm>
+            <a:off x="1106488" y="812800"/>
+            <a:ext cx="5345112" cy="4008438"/>
+          </a:xfrm>
+          <a:solidFill>
+            <a:srgbClr val="729FCF"/>
+          </a:solidFill>
+          <a:ln w="25400">
+            <a:solidFill>
+              <a:srgbClr val="3465A4"/>
+            </a:solidFill>
+            <a:prstDash val="solid"/>
+          </a:ln>
+        </p:spPr>
+      </p:sp>
+      <p:sp>
+        <p:nvSpPr>
+          <p:cNvPr id="3" name="Notes Placeholder 2"/>
+          <p:cNvSpPr txBox="1">
+            <a:spLocks noGrp="1"/>
+          </p:cNvSpPr>
+          <p:nvPr>
+            <p:ph type="body" sz="quarter" idx="1"/>
+          </p:nvPr>
+        </p:nvSpPr>
+        <p:spPr/>
+        <p:txBody>
+          <a:bodyPr/>
+          <a:lstStyle/>
+          <a:p>
+            <a:endParaRPr lang="en-IN"/>
+          </a:p>
+        </p:txBody>
+      </p:sp>
+    </p:spTree>
+    <p:extLst>
+      <p:ext uri="{BB962C8B-B14F-4D97-AF65-F5344CB8AC3E}">
+        <p14:creationId xmlns:p14="http://schemas.microsoft.com/office/powerpoint/2010/main" val="1906036423"/>
+      </p:ext>
+    </p:extLst>
+  </p:cSld>
+  <p:clrMapOvr>
+    <a:masterClrMapping/>
+  </p:clrMapOvr>
+</p:notes>
+</file>
+
+<file path=ppt/notesSlides/notesSlide18.xml><?xml version="1.0" encoding="utf-8"?>
+<p:notes xmlns:a="http://schemas.openxmlformats.org/drawingml/2006/main" xmlns:r="http://schemas.openxmlformats.org/officeDocument/2006/relationships" xmlns:p="http://schemas.openxmlformats.org/presentationml/2006/main">
+  <p:cSld>
+    <p:spTree>
+      <p:nvGrpSpPr>
+        <p:cNvPr id="1" name=""/>
+        <p:cNvGrpSpPr/>
+        <p:nvPr/>
+      </p:nvGrpSpPr>
+      <p:grpSpPr>
+        <a:xfrm>
+          <a:off x="0" y="0"/>
+          <a:ext cx="0" cy="0"/>
+          <a:chOff x="0" y="0"/>
+          <a:chExt cx="0" cy="0"/>
+        </a:xfrm>
+      </p:grpSpPr>
+      <p:sp>
+        <p:nvSpPr>
+          <p:cNvPr id="7" name="Slide Number Placeholder 6"/>
+          <p:cNvSpPr txBox="1">
+            <a:spLocks noGrp="1"/>
+          </p:cNvSpPr>
+          <p:nvPr>
+            <p:ph type="sldNum" sz="quarter" idx="5"/>
+          </p:nvPr>
+        </p:nvSpPr>
+        <p:spPr>
+          <a:ln/>
+        </p:spPr>
+        <p:txBody>
+          <a:bodyPr lIns="0" tIns="0" rIns="0" bIns="0" anchor="b" anchorCtr="0">
+            <a:noAutofit/>
+          </a:bodyPr>
+          <a:lstStyle/>
+          <a:p>
+            <a:pPr lvl="0"/>
+            <a:fld id="{AA3723C9-A1CF-4313-B526-19FF1BC83726}" type="slidenum">
+              <a:t>18</a:t>
+            </a:fld>
+            <a:endParaRPr lang="en-IN"/>
+          </a:p>
+        </p:txBody>
+      </p:sp>
+      <p:sp>
+        <p:nvSpPr>
+          <p:cNvPr id="2" name="Slide Image Placeholder 1"/>
+          <p:cNvSpPr>
+            <a:spLocks noGrp="1" noRot="1" noChangeAspect="1" noResize="1"/>
+          </p:cNvSpPr>
+          <p:nvPr>
+            <p:ph type="sldImg"/>
+          </p:nvPr>
+        </p:nvSpPr>
+        <p:spPr>
+          <a:xfrm>
+            <a:off x="1106488" y="812800"/>
+            <a:ext cx="5345112" cy="4008438"/>
+          </a:xfrm>
+          <a:solidFill>
+            <a:srgbClr val="729FCF"/>
+          </a:solidFill>
+          <a:ln w="25400">
+            <a:solidFill>
+              <a:srgbClr val="3465A4"/>
+            </a:solidFill>
+            <a:prstDash val="solid"/>
+          </a:ln>
+        </p:spPr>
+      </p:sp>
+      <p:sp>
+        <p:nvSpPr>
+          <p:cNvPr id="3" name="Notes Placeholder 2"/>
+          <p:cNvSpPr txBox="1">
+            <a:spLocks noGrp="1"/>
+          </p:cNvSpPr>
+          <p:nvPr>
+            <p:ph type="body" sz="quarter" idx="1"/>
+          </p:nvPr>
+        </p:nvSpPr>
+        <p:spPr/>
+        <p:txBody>
+          <a:bodyPr/>
+          <a:lstStyle/>
+          <a:p>
+            <a:endParaRPr lang="en-IN"/>
+          </a:p>
+        </p:txBody>
+      </p:sp>
+    </p:spTree>
+    <p:extLst>
+      <p:ext uri="{BB962C8B-B14F-4D97-AF65-F5344CB8AC3E}">
+        <p14:creationId xmlns:p14="http://schemas.microsoft.com/office/powerpoint/2010/main" val="1434172834"/>
+      </p:ext>
+    </p:extLst>
+  </p:cSld>
+  <p:clrMapOvr>
+    <a:masterClrMapping/>
+  </p:clrMapOvr>
+</p:notes>
+</file>
+
+<file path=ppt/notesSlides/notesSlide19.xml><?xml version="1.0" encoding="utf-8"?>
+<p:notes xmlns:a="http://schemas.openxmlformats.org/drawingml/2006/main" xmlns:r="http://schemas.openxmlformats.org/officeDocument/2006/relationships" xmlns:p="http://schemas.openxmlformats.org/presentationml/2006/main">
+  <p:cSld>
+    <p:spTree>
+      <p:nvGrpSpPr>
+        <p:cNvPr id="1" name=""/>
+        <p:cNvGrpSpPr/>
+        <p:nvPr/>
+      </p:nvGrpSpPr>
+      <p:grpSpPr>
+        <a:xfrm>
+          <a:off x="0" y="0"/>
+          <a:ext cx="0" cy="0"/>
+          <a:chOff x="0" y="0"/>
+          <a:chExt cx="0" cy="0"/>
+        </a:xfrm>
+      </p:grpSpPr>
+      <p:sp>
+        <p:nvSpPr>
+          <p:cNvPr id="7" name="Slide Number Placeholder 6"/>
+          <p:cNvSpPr txBox="1">
+            <a:spLocks noGrp="1"/>
+          </p:cNvSpPr>
+          <p:nvPr>
+            <p:ph type="sldNum" sz="quarter" idx="5"/>
+          </p:nvPr>
+        </p:nvSpPr>
+        <p:spPr>
+          <a:ln/>
+        </p:spPr>
+        <p:txBody>
+          <a:bodyPr lIns="0" tIns="0" rIns="0" bIns="0" anchor="b" anchorCtr="0">
+            <a:noAutofit/>
+          </a:bodyPr>
+          <a:lstStyle/>
+          <a:p>
+            <a:pPr lvl="0"/>
+            <a:fld id="{AA3723C9-A1CF-4313-B526-19FF1BC83726}" type="slidenum">
+              <a:t>19</a:t>
+            </a:fld>
+            <a:endParaRPr lang="en-IN"/>
+          </a:p>
+        </p:txBody>
+      </p:sp>
+      <p:sp>
+        <p:nvSpPr>
+          <p:cNvPr id="2" name="Slide Image Placeholder 1"/>
+          <p:cNvSpPr>
+            <a:spLocks noGrp="1" noRot="1" noChangeAspect="1" noResize="1"/>
+          </p:cNvSpPr>
+          <p:nvPr>
+            <p:ph type="sldImg"/>
+          </p:nvPr>
+        </p:nvSpPr>
+        <p:spPr>
+          <a:xfrm>
+            <a:off x="1106488" y="812800"/>
+            <a:ext cx="5345112" cy="4008438"/>
+          </a:xfrm>
+          <a:solidFill>
+            <a:srgbClr val="729FCF"/>
+          </a:solidFill>
+          <a:ln w="25400">
+            <a:solidFill>
+              <a:srgbClr val="3465A4"/>
+            </a:solidFill>
+            <a:prstDash val="solid"/>
+          </a:ln>
+        </p:spPr>
+      </p:sp>
+      <p:sp>
+        <p:nvSpPr>
+          <p:cNvPr id="3" name="Notes Placeholder 2"/>
+          <p:cNvSpPr txBox="1">
+            <a:spLocks noGrp="1"/>
+          </p:cNvSpPr>
+          <p:nvPr>
+            <p:ph type="body" sz="quarter" idx="1"/>
+          </p:nvPr>
+        </p:nvSpPr>
+        <p:spPr/>
+        <p:txBody>
+          <a:bodyPr/>
+          <a:lstStyle/>
+          <a:p>
+            <a:endParaRPr lang="en-IN"/>
+          </a:p>
+        </p:txBody>
+      </p:sp>
+    </p:spTree>
+    <p:extLst>
+      <p:ext uri="{BB962C8B-B14F-4D97-AF65-F5344CB8AC3E}">
+        <p14:creationId xmlns:p14="http://schemas.microsoft.com/office/powerpoint/2010/main" val="2855675983"/>
+      </p:ext>
+    </p:extLst>
+  </p:cSld>
+  <p:clrMapOvr>
+    <a:masterClrMapping/>
+  </p:clrMapOvr>
+</p:notes>
+</file>
+
 <file path=ppt/notesSlides/notesSlide2.xml><?xml version="1.0" encoding="utf-8"?>
 <p:notes xmlns:a="http://schemas.openxmlformats.org/drawingml/2006/main" xmlns:r="http://schemas.openxmlformats.org/officeDocument/2006/relationships" xmlns:p="http://schemas.openxmlformats.org/presentationml/2006/main">
   <p:cSld>
@@ -1350,6 +1970,210 @@
     <p:extLst>
       <p:ext uri="{BB962C8B-B14F-4D97-AF65-F5344CB8AC3E}">
         <p14:creationId xmlns:p14="http://schemas.microsoft.com/office/powerpoint/2010/main" val="579926476"/>
+      </p:ext>
+    </p:extLst>
+  </p:cSld>
+  <p:clrMapOvr>
+    <a:masterClrMapping/>
+  </p:clrMapOvr>
+</p:notes>
+</file>
+
+<file path=ppt/notesSlides/notesSlide20.xml><?xml version="1.0" encoding="utf-8"?>
+<p:notes xmlns:a="http://schemas.openxmlformats.org/drawingml/2006/main" xmlns:r="http://schemas.openxmlformats.org/officeDocument/2006/relationships" xmlns:p="http://schemas.openxmlformats.org/presentationml/2006/main">
+  <p:cSld>
+    <p:spTree>
+      <p:nvGrpSpPr>
+        <p:cNvPr id="1" name=""/>
+        <p:cNvGrpSpPr/>
+        <p:nvPr/>
+      </p:nvGrpSpPr>
+      <p:grpSpPr>
+        <a:xfrm>
+          <a:off x="0" y="0"/>
+          <a:ext cx="0" cy="0"/>
+          <a:chOff x="0" y="0"/>
+          <a:chExt cx="0" cy="0"/>
+        </a:xfrm>
+      </p:grpSpPr>
+      <p:sp>
+        <p:nvSpPr>
+          <p:cNvPr id="7" name="Slide Number Placeholder 6"/>
+          <p:cNvSpPr txBox="1">
+            <a:spLocks noGrp="1"/>
+          </p:cNvSpPr>
+          <p:nvPr>
+            <p:ph type="sldNum" sz="quarter" idx="5"/>
+          </p:nvPr>
+        </p:nvSpPr>
+        <p:spPr>
+          <a:ln/>
+        </p:spPr>
+        <p:txBody>
+          <a:bodyPr lIns="0" tIns="0" rIns="0" bIns="0" anchor="b" anchorCtr="0">
+            <a:noAutofit/>
+          </a:bodyPr>
+          <a:lstStyle/>
+          <a:p>
+            <a:pPr lvl="0"/>
+            <a:fld id="{AA3723C9-A1CF-4313-B526-19FF1BC83726}" type="slidenum">
+              <a:t>20</a:t>
+            </a:fld>
+            <a:endParaRPr lang="en-IN"/>
+          </a:p>
+        </p:txBody>
+      </p:sp>
+      <p:sp>
+        <p:nvSpPr>
+          <p:cNvPr id="2" name="Slide Image Placeholder 1"/>
+          <p:cNvSpPr>
+            <a:spLocks noGrp="1" noRot="1" noChangeAspect="1" noResize="1"/>
+          </p:cNvSpPr>
+          <p:nvPr>
+            <p:ph type="sldImg"/>
+          </p:nvPr>
+        </p:nvSpPr>
+        <p:spPr>
+          <a:xfrm>
+            <a:off x="1106488" y="812800"/>
+            <a:ext cx="5345112" cy="4008438"/>
+          </a:xfrm>
+          <a:solidFill>
+            <a:srgbClr val="729FCF"/>
+          </a:solidFill>
+          <a:ln w="25400">
+            <a:solidFill>
+              <a:srgbClr val="3465A4"/>
+            </a:solidFill>
+            <a:prstDash val="solid"/>
+          </a:ln>
+        </p:spPr>
+      </p:sp>
+      <p:sp>
+        <p:nvSpPr>
+          <p:cNvPr id="3" name="Notes Placeholder 2"/>
+          <p:cNvSpPr txBox="1">
+            <a:spLocks noGrp="1"/>
+          </p:cNvSpPr>
+          <p:nvPr>
+            <p:ph type="body" sz="quarter" idx="1"/>
+          </p:nvPr>
+        </p:nvSpPr>
+        <p:spPr/>
+        <p:txBody>
+          <a:bodyPr/>
+          <a:lstStyle/>
+          <a:p>
+            <a:endParaRPr lang="en-IN"/>
+          </a:p>
+        </p:txBody>
+      </p:sp>
+    </p:spTree>
+    <p:extLst>
+      <p:ext uri="{BB962C8B-B14F-4D97-AF65-F5344CB8AC3E}">
+        <p14:creationId xmlns:p14="http://schemas.microsoft.com/office/powerpoint/2010/main" val="1848530746"/>
+      </p:ext>
+    </p:extLst>
+  </p:cSld>
+  <p:clrMapOvr>
+    <a:masterClrMapping/>
+  </p:clrMapOvr>
+</p:notes>
+</file>
+
+<file path=ppt/notesSlides/notesSlide21.xml><?xml version="1.0" encoding="utf-8"?>
+<p:notes xmlns:a="http://schemas.openxmlformats.org/drawingml/2006/main" xmlns:r="http://schemas.openxmlformats.org/officeDocument/2006/relationships" xmlns:p="http://schemas.openxmlformats.org/presentationml/2006/main">
+  <p:cSld>
+    <p:spTree>
+      <p:nvGrpSpPr>
+        <p:cNvPr id="1" name=""/>
+        <p:cNvGrpSpPr/>
+        <p:nvPr/>
+      </p:nvGrpSpPr>
+      <p:grpSpPr>
+        <a:xfrm>
+          <a:off x="0" y="0"/>
+          <a:ext cx="0" cy="0"/>
+          <a:chOff x="0" y="0"/>
+          <a:chExt cx="0" cy="0"/>
+        </a:xfrm>
+      </p:grpSpPr>
+      <p:sp>
+        <p:nvSpPr>
+          <p:cNvPr id="7" name="Slide Number Placeholder 6"/>
+          <p:cNvSpPr txBox="1">
+            <a:spLocks noGrp="1"/>
+          </p:cNvSpPr>
+          <p:nvPr>
+            <p:ph type="sldNum" sz="quarter" idx="5"/>
+          </p:nvPr>
+        </p:nvSpPr>
+        <p:spPr>
+          <a:ln/>
+        </p:spPr>
+        <p:txBody>
+          <a:bodyPr lIns="0" tIns="0" rIns="0" bIns="0" anchor="b" anchorCtr="0">
+            <a:noAutofit/>
+          </a:bodyPr>
+          <a:lstStyle/>
+          <a:p>
+            <a:pPr lvl="0"/>
+            <a:fld id="{AA3723C9-A1CF-4313-B526-19FF1BC83726}" type="slidenum">
+              <a:t>21</a:t>
+            </a:fld>
+            <a:endParaRPr lang="en-IN"/>
+          </a:p>
+        </p:txBody>
+      </p:sp>
+      <p:sp>
+        <p:nvSpPr>
+          <p:cNvPr id="2" name="Slide Image Placeholder 1"/>
+          <p:cNvSpPr>
+            <a:spLocks noGrp="1" noRot="1" noChangeAspect="1" noResize="1"/>
+          </p:cNvSpPr>
+          <p:nvPr>
+            <p:ph type="sldImg"/>
+          </p:nvPr>
+        </p:nvSpPr>
+        <p:spPr>
+          <a:xfrm>
+            <a:off x="1106488" y="812800"/>
+            <a:ext cx="5345112" cy="4008438"/>
+          </a:xfrm>
+          <a:solidFill>
+            <a:srgbClr val="729FCF"/>
+          </a:solidFill>
+          <a:ln w="25400">
+            <a:solidFill>
+              <a:srgbClr val="3465A4"/>
+            </a:solidFill>
+            <a:prstDash val="solid"/>
+          </a:ln>
+        </p:spPr>
+      </p:sp>
+      <p:sp>
+        <p:nvSpPr>
+          <p:cNvPr id="3" name="Notes Placeholder 2"/>
+          <p:cNvSpPr txBox="1">
+            <a:spLocks noGrp="1"/>
+          </p:cNvSpPr>
+          <p:nvPr>
+            <p:ph type="body" sz="quarter" idx="1"/>
+          </p:nvPr>
+        </p:nvSpPr>
+        <p:spPr/>
+        <p:txBody>
+          <a:bodyPr/>
+          <a:lstStyle/>
+          <a:p>
+            <a:endParaRPr lang="en-IN"/>
+          </a:p>
+        </p:txBody>
+      </p:sp>
+    </p:spTree>
+    <p:extLst>
+      <p:ext uri="{BB962C8B-B14F-4D97-AF65-F5344CB8AC3E}">
+        <p14:creationId xmlns:p14="http://schemas.microsoft.com/office/powerpoint/2010/main" val="2418884175"/>
       </p:ext>
     </p:extLst>
   </p:cSld>
@@ -5421,13 +6245,7 @@
               <a:rPr lang="en-IN" sz="1800" dirty="0" smtClean="0">
                 <a:latin typeface="Ubuntu" pitchFamily="18"/>
               </a:rPr>
-              <a:t> diff			=&gt; to see difference from base image to container or see changes 				      made in container</a:t>
-            </a:r>
-            <a:r>
-              <a:rPr lang="en-IN" sz="1800" dirty="0" smtClean="0">
-                <a:latin typeface="Ubuntu" pitchFamily="18"/>
-              </a:rPr>
-              <a:t>.</a:t>
+              <a:t> diff			=&gt; to see difference from base image to container or see changes 				      made in container.</a:t>
             </a:r>
           </a:p>
           <a:p>
@@ -6098,6 +6916,1385 @@
     <p:extLst>
       <p:ext uri="{BB962C8B-B14F-4D97-AF65-F5344CB8AC3E}">
         <p14:creationId xmlns:p14="http://schemas.microsoft.com/office/powerpoint/2010/main" val="1660295050"/>
+      </p:ext>
+    </p:extLst>
+  </p:cSld>
+  <p:clrMapOvr>
+    <a:masterClrMapping/>
+  </p:clrMapOvr>
+  <mc:AlternateContent xmlns:mc="http://schemas.openxmlformats.org/markup-compatibility/2006" xmlns:p14="http://schemas.microsoft.com/office/powerpoint/2010/main">
+    <mc:Choice Requires="p14">
+      <p:transition spd="slow" p14:dur="2000"/>
+    </mc:Choice>
+    <mc:Fallback xmlns="">
+      <p:transition spd="slow"/>
+    </mc:Fallback>
+  </mc:AlternateContent>
+</p:sld>
+</file>
+
+<file path=ppt/slides/slide14.xml><?xml version="1.0" encoding="utf-8"?>
+<p:sld xmlns:a="http://schemas.openxmlformats.org/drawingml/2006/main" xmlns:r="http://schemas.openxmlformats.org/officeDocument/2006/relationships" xmlns:p="http://schemas.openxmlformats.org/presentationml/2006/main">
+  <p:cSld>
+    <p:spTree>
+      <p:nvGrpSpPr>
+        <p:cNvPr id="1" name=""/>
+        <p:cNvGrpSpPr/>
+        <p:nvPr/>
+      </p:nvGrpSpPr>
+      <p:grpSpPr>
+        <a:xfrm>
+          <a:off x="0" y="0"/>
+          <a:ext cx="0" cy="0"/>
+          <a:chOff x="0" y="0"/>
+          <a:chExt cx="0" cy="0"/>
+        </a:xfrm>
+      </p:grpSpPr>
+      <p:sp>
+        <p:nvSpPr>
+          <p:cNvPr id="2" name="Subtitle 1"/>
+          <p:cNvSpPr txBox="1">
+            <a:spLocks noGrp="1"/>
+          </p:cNvSpPr>
+          <p:nvPr>
+            <p:ph type="subTitle" idx="4294967295"/>
+          </p:nvPr>
+        </p:nvSpPr>
+        <p:spPr>
+          <a:xfrm>
+            <a:off x="216000" y="-1"/>
+            <a:ext cx="9720000" cy="7559675"/>
+          </a:xfrm>
+        </p:spPr>
+        <p:txBody>
+          <a:bodyPr anchor="ctr"/>
+          <a:lstStyle/>
+          <a:p>
+            <a:pPr lvl="0" algn="l"/>
+            <a:r>
+              <a:rPr lang="en-IN" sz="3600" dirty="0" smtClean="0"/>
+              <a:t>			</a:t>
+            </a:r>
+            <a:r>
+              <a:rPr lang="en-IN" sz="3600" dirty="0" err="1" smtClean="0"/>
+              <a:t>Docker</a:t>
+            </a:r>
+            <a:r>
+              <a:rPr lang="en-IN" sz="3600" dirty="0" smtClean="0"/>
+              <a:t> file</a:t>
+            </a:r>
+          </a:p>
+          <a:p>
+            <a:pPr lvl="0" algn="l"/>
+            <a:r>
+              <a:rPr lang="en-IN" sz="1600" dirty="0" smtClean="0"/>
+              <a:t>CMD =&gt;  when you run container then CMD command will run </a:t>
+            </a:r>
+            <a:r>
+              <a:rPr lang="en-IN" sz="1600" dirty="0" err="1" smtClean="0"/>
+              <a:t>automaticlly</a:t>
+            </a:r>
+            <a:endParaRPr lang="en-IN" sz="1600" dirty="0" smtClean="0"/>
+          </a:p>
+          <a:p>
+            <a:pPr lvl="0" algn="l"/>
+            <a:r>
+              <a:rPr lang="en-IN" sz="1600" dirty="0"/>
+              <a:t>ENTRYPOINT</a:t>
+            </a:r>
+            <a:endParaRPr lang="en-IN" sz="1600" dirty="0" smtClean="0"/>
+          </a:p>
+          <a:p>
+            <a:pPr lvl="0" algn="l"/>
+            <a:endParaRPr lang="en-IN" sz="1600" dirty="0"/>
+          </a:p>
+          <a:p>
+            <a:pPr lvl="0" algn="l"/>
+            <a:r>
+              <a:rPr lang="en-IN" sz="1600" dirty="0" smtClean="0"/>
+              <a:t>Create </a:t>
+            </a:r>
+            <a:r>
+              <a:rPr lang="en-IN" sz="1600" dirty="0" err="1" smtClean="0"/>
+              <a:t>Dockerfile</a:t>
+            </a:r>
+            <a:endParaRPr lang="en-IN" sz="1600" dirty="0" smtClean="0"/>
+          </a:p>
+          <a:p>
+            <a:pPr lvl="0" algn="l"/>
+            <a:r>
+              <a:rPr lang="en-IN" sz="1600" dirty="0" smtClean="0"/>
+              <a:t>Vim </a:t>
+            </a:r>
+            <a:r>
+              <a:rPr lang="en-IN" sz="1600" dirty="0" err="1" smtClean="0"/>
+              <a:t>Dockerfile</a:t>
+            </a:r>
+            <a:endParaRPr lang="en-IN" sz="1600" dirty="0" smtClean="0"/>
+          </a:p>
+          <a:p>
+            <a:pPr lvl="0" algn="l"/>
+            <a:r>
+              <a:rPr lang="en-IN" sz="1600" b="1" dirty="0"/>
+              <a:t>FROM      </a:t>
+            </a:r>
+            <a:r>
+              <a:rPr lang="en-IN" sz="1600" b="1" dirty="0" err="1"/>
+              <a:t>ubuntu</a:t>
+            </a:r>
+            <a:endParaRPr lang="en-IN" sz="1600" b="1" dirty="0"/>
+          </a:p>
+          <a:p>
+            <a:pPr lvl="0" algn="l"/>
+            <a:r>
+              <a:rPr lang="en-IN" sz="1600" b="1" dirty="0"/>
+              <a:t>MAINTAINER MAYANK SHARMA</a:t>
+            </a:r>
+          </a:p>
+          <a:p>
+            <a:pPr lvl="0" algn="l"/>
+            <a:r>
+              <a:rPr lang="en-IN" sz="1600" b="1" dirty="0" smtClean="0"/>
+              <a:t>RUN </a:t>
+            </a:r>
+            <a:r>
+              <a:rPr lang="en-IN" sz="1600" b="1" dirty="0"/>
+              <a:t>apt-get update</a:t>
+            </a:r>
+          </a:p>
+          <a:p>
+            <a:pPr lvl="0" algn="l"/>
+            <a:r>
+              <a:rPr lang="en-IN" sz="1600" b="1" dirty="0" smtClean="0"/>
+              <a:t>RUN </a:t>
+            </a:r>
+            <a:r>
+              <a:rPr lang="en-IN" sz="1600" b="1" dirty="0"/>
+              <a:t>apt-get install -y </a:t>
+            </a:r>
+            <a:r>
+              <a:rPr lang="en-IN" sz="1600" b="1" dirty="0" err="1"/>
+              <a:t>wget</a:t>
+            </a:r>
+            <a:endParaRPr lang="en-IN" sz="1600" b="1" dirty="0"/>
+          </a:p>
+          <a:p>
+            <a:pPr lvl="0" algn="l"/>
+            <a:r>
+              <a:rPr lang="en-IN" sz="1600" b="1" dirty="0" smtClean="0"/>
+              <a:t>CMD </a:t>
+            </a:r>
+            <a:r>
+              <a:rPr lang="en-IN" sz="1600" b="1" dirty="0" err="1"/>
+              <a:t>df</a:t>
+            </a:r>
+            <a:r>
+              <a:rPr lang="en-IN" sz="1600" b="1" dirty="0"/>
+              <a:t> </a:t>
+            </a:r>
+            <a:r>
+              <a:rPr lang="en-IN" sz="1600" b="1" dirty="0" smtClean="0"/>
+              <a:t>–h</a:t>
+            </a:r>
+          </a:p>
+          <a:p>
+            <a:pPr lvl="0" algn="l"/>
+            <a:endParaRPr lang="en-IN" sz="1600" b="1" dirty="0"/>
+          </a:p>
+        </p:txBody>
+      </p:sp>
+    </p:spTree>
+    <p:extLst>
+      <p:ext uri="{BB962C8B-B14F-4D97-AF65-F5344CB8AC3E}">
+        <p14:creationId xmlns:p14="http://schemas.microsoft.com/office/powerpoint/2010/main" val="4056215692"/>
+      </p:ext>
+    </p:extLst>
+  </p:cSld>
+  <p:clrMapOvr>
+    <a:masterClrMapping/>
+  </p:clrMapOvr>
+  <mc:AlternateContent xmlns:mc="http://schemas.openxmlformats.org/markup-compatibility/2006" xmlns:p14="http://schemas.microsoft.com/office/powerpoint/2010/main">
+    <mc:Choice Requires="p14">
+      <p:transition spd="slow" p14:dur="2000"/>
+    </mc:Choice>
+    <mc:Fallback xmlns="">
+      <p:transition spd="slow"/>
+    </mc:Fallback>
+  </mc:AlternateContent>
+</p:sld>
+</file>
+
+<file path=ppt/slides/slide15.xml><?xml version="1.0" encoding="utf-8"?>
+<p:sld xmlns:a="http://schemas.openxmlformats.org/drawingml/2006/main" xmlns:r="http://schemas.openxmlformats.org/officeDocument/2006/relationships" xmlns:p="http://schemas.openxmlformats.org/presentationml/2006/main">
+  <p:cSld>
+    <p:spTree>
+      <p:nvGrpSpPr>
+        <p:cNvPr id="1" name=""/>
+        <p:cNvGrpSpPr/>
+        <p:nvPr/>
+      </p:nvGrpSpPr>
+      <p:grpSpPr>
+        <a:xfrm>
+          <a:off x="0" y="0"/>
+          <a:ext cx="0" cy="0"/>
+          <a:chOff x="0" y="0"/>
+          <a:chExt cx="0" cy="0"/>
+        </a:xfrm>
+      </p:grpSpPr>
+      <p:sp>
+        <p:nvSpPr>
+          <p:cNvPr id="2" name="Subtitle 1"/>
+          <p:cNvSpPr txBox="1">
+            <a:spLocks noGrp="1"/>
+          </p:cNvSpPr>
+          <p:nvPr>
+            <p:ph type="subTitle" idx="4294967295"/>
+          </p:nvPr>
+        </p:nvSpPr>
+        <p:spPr>
+          <a:xfrm>
+            <a:off x="216000" y="-1"/>
+            <a:ext cx="9720000" cy="7559675"/>
+          </a:xfrm>
+        </p:spPr>
+        <p:txBody>
+          <a:bodyPr anchor="ctr"/>
+          <a:lstStyle/>
+          <a:p>
+            <a:pPr lvl="0" algn="l"/>
+            <a:r>
+              <a:rPr lang="en-IN" sz="3600" dirty="0" smtClean="0"/>
+              <a:t>			</a:t>
+            </a:r>
+            <a:r>
+              <a:rPr lang="en-IN" sz="3600" dirty="0" err="1" smtClean="0"/>
+              <a:t>Docker</a:t>
+            </a:r>
+            <a:r>
+              <a:rPr lang="en-IN" sz="3600" dirty="0" smtClean="0"/>
+              <a:t> file</a:t>
+            </a:r>
+          </a:p>
+          <a:p>
+            <a:pPr lvl="0" algn="l"/>
+            <a:r>
+              <a:rPr lang="en-IN" sz="1600" b="1" dirty="0" smtClean="0"/>
+              <a:t>CMD =&gt;  when you run container then CMD command will run </a:t>
+            </a:r>
+            <a:r>
+              <a:rPr lang="en-IN" sz="1600" b="1" dirty="0" err="1" smtClean="0"/>
+              <a:t>automaticlly</a:t>
+            </a:r>
+            <a:endParaRPr lang="en-IN" sz="1600" b="1" dirty="0" smtClean="0"/>
+          </a:p>
+          <a:p>
+            <a:pPr lvl="0" algn="l"/>
+            <a:r>
+              <a:rPr lang="en-IN" sz="1600" dirty="0"/>
+              <a:t>ENTRYPOINT</a:t>
+            </a:r>
+            <a:endParaRPr lang="en-IN" sz="1600" dirty="0" smtClean="0"/>
+          </a:p>
+          <a:p>
+            <a:pPr lvl="0" algn="l"/>
+            <a:endParaRPr lang="en-IN" sz="1600" dirty="0"/>
+          </a:p>
+          <a:p>
+            <a:pPr lvl="0" algn="l"/>
+            <a:r>
+              <a:rPr lang="en-IN" sz="1600" dirty="0" smtClean="0"/>
+              <a:t>#Vim </a:t>
+            </a:r>
+            <a:r>
+              <a:rPr lang="en-IN" sz="1600" dirty="0" err="1" smtClean="0"/>
+              <a:t>Dockerfile</a:t>
+            </a:r>
+            <a:endParaRPr lang="en-IN" sz="1600" dirty="0" smtClean="0"/>
+          </a:p>
+          <a:p>
+            <a:pPr lvl="0" algn="l"/>
+            <a:r>
+              <a:rPr lang="en-IN" sz="1600" b="1" dirty="0"/>
+              <a:t>FROM      </a:t>
+            </a:r>
+            <a:r>
+              <a:rPr lang="en-IN" sz="1600" b="1" dirty="0" err="1"/>
+              <a:t>ubuntu</a:t>
+            </a:r>
+            <a:endParaRPr lang="en-IN" sz="1600" b="1" dirty="0"/>
+          </a:p>
+          <a:p>
+            <a:pPr lvl="0" algn="l"/>
+            <a:r>
+              <a:rPr lang="en-IN" sz="1600" b="1" dirty="0"/>
+              <a:t>MAINTAINER MAYANK SHARMA</a:t>
+            </a:r>
+          </a:p>
+          <a:p>
+            <a:pPr lvl="0" algn="l"/>
+            <a:r>
+              <a:rPr lang="en-IN" sz="1600" b="1" dirty="0" smtClean="0"/>
+              <a:t>RUN </a:t>
+            </a:r>
+            <a:r>
+              <a:rPr lang="en-IN" sz="1600" b="1" dirty="0"/>
+              <a:t>apt-get update</a:t>
+            </a:r>
+          </a:p>
+          <a:p>
+            <a:pPr lvl="0" algn="l"/>
+            <a:r>
+              <a:rPr lang="en-IN" sz="1600" b="1" dirty="0" smtClean="0"/>
+              <a:t>RUN </a:t>
+            </a:r>
+            <a:r>
+              <a:rPr lang="en-IN" sz="1600" b="1" dirty="0"/>
+              <a:t>apt-get install -y </a:t>
+            </a:r>
+            <a:r>
+              <a:rPr lang="en-IN" sz="1600" b="1" dirty="0" err="1"/>
+              <a:t>wget</a:t>
+            </a:r>
+            <a:endParaRPr lang="en-IN" sz="1600" b="1" dirty="0"/>
+          </a:p>
+          <a:p>
+            <a:pPr lvl="0" algn="l"/>
+            <a:r>
+              <a:rPr lang="en-IN" sz="1600" b="1" dirty="0" smtClean="0"/>
+              <a:t>CMD </a:t>
+            </a:r>
+            <a:r>
+              <a:rPr lang="en-IN" sz="1600" b="1" dirty="0" err="1"/>
+              <a:t>df</a:t>
+            </a:r>
+            <a:r>
+              <a:rPr lang="en-IN" sz="1600" b="1" dirty="0"/>
+              <a:t> </a:t>
+            </a:r>
+            <a:r>
+              <a:rPr lang="en-IN" sz="1600" b="1" dirty="0" smtClean="0"/>
+              <a:t>–h</a:t>
+            </a:r>
+          </a:p>
+          <a:p>
+            <a:pPr lvl="0" algn="l"/>
+            <a:r>
+              <a:rPr lang="en-IN" sz="1600" dirty="0" smtClean="0"/>
+              <a:t>#</a:t>
+            </a:r>
+            <a:r>
+              <a:rPr lang="en-IN" sz="1600" dirty="0" err="1" smtClean="0"/>
+              <a:t>docker</a:t>
+            </a:r>
+            <a:r>
+              <a:rPr lang="en-IN" sz="1600" dirty="0" smtClean="0"/>
+              <a:t> build –t </a:t>
+            </a:r>
+            <a:r>
+              <a:rPr lang="en-IN" sz="1600" dirty="0" err="1" smtClean="0"/>
+              <a:t>mycmdtest</a:t>
+            </a:r>
+            <a:r>
+              <a:rPr lang="en-IN" sz="1600" dirty="0" smtClean="0"/>
+              <a:t> .</a:t>
+            </a:r>
+          </a:p>
+          <a:p>
+            <a:pPr lvl="0" algn="l"/>
+            <a:r>
+              <a:rPr lang="en-IN" sz="1600" dirty="0" smtClean="0"/>
+              <a:t>#</a:t>
+            </a:r>
+            <a:r>
+              <a:rPr lang="en-IN" sz="1600" dirty="0" err="1"/>
+              <a:t>d</a:t>
+            </a:r>
+            <a:r>
+              <a:rPr lang="en-IN" sz="1600" dirty="0" err="1" smtClean="0"/>
+              <a:t>ocker</a:t>
+            </a:r>
+            <a:r>
+              <a:rPr lang="en-IN" sz="1600" dirty="0" smtClean="0"/>
+              <a:t> run &lt;</a:t>
+            </a:r>
+            <a:r>
+              <a:rPr lang="en-IN" sz="1600" dirty="0" err="1" smtClean="0"/>
+              <a:t>image_id</a:t>
+            </a:r>
+            <a:r>
+              <a:rPr lang="en-IN" sz="1600" dirty="0" smtClean="0"/>
+              <a:t>&gt;</a:t>
+            </a:r>
+          </a:p>
+          <a:p>
+            <a:pPr lvl="0" algn="l"/>
+            <a:r>
+              <a:rPr lang="en-IN" sz="1600" b="1" dirty="0" smtClean="0"/>
+              <a:t>&lt;output of </a:t>
+            </a:r>
+            <a:r>
+              <a:rPr lang="en-IN" sz="1600" b="1" dirty="0" err="1" smtClean="0"/>
+              <a:t>df</a:t>
+            </a:r>
+            <a:r>
+              <a:rPr lang="en-IN" sz="1600" b="1" dirty="0" smtClean="0"/>
+              <a:t> –h&gt;</a:t>
+            </a:r>
+          </a:p>
+          <a:p>
+            <a:pPr lvl="0" algn="l"/>
+            <a:endParaRPr lang="en-IN" sz="1600" b="1" dirty="0" smtClean="0"/>
+          </a:p>
+          <a:p>
+            <a:pPr lvl="0" algn="l"/>
+            <a:endParaRPr lang="en-IN" sz="1600" b="1" dirty="0"/>
+          </a:p>
+        </p:txBody>
+      </p:sp>
+    </p:spTree>
+    <p:extLst>
+      <p:ext uri="{BB962C8B-B14F-4D97-AF65-F5344CB8AC3E}">
+        <p14:creationId xmlns:p14="http://schemas.microsoft.com/office/powerpoint/2010/main" val="4137332120"/>
+      </p:ext>
+    </p:extLst>
+  </p:cSld>
+  <p:clrMapOvr>
+    <a:masterClrMapping/>
+  </p:clrMapOvr>
+  <mc:AlternateContent xmlns:mc="http://schemas.openxmlformats.org/markup-compatibility/2006" xmlns:p14="http://schemas.microsoft.com/office/powerpoint/2010/main">
+    <mc:Choice Requires="p14">
+      <p:transition spd="slow" p14:dur="2000"/>
+    </mc:Choice>
+    <mc:Fallback xmlns="">
+      <p:transition spd="slow"/>
+    </mc:Fallback>
+  </mc:AlternateContent>
+</p:sld>
+</file>
+
+<file path=ppt/slides/slide16.xml><?xml version="1.0" encoding="utf-8"?>
+<p:sld xmlns:a="http://schemas.openxmlformats.org/drawingml/2006/main" xmlns:r="http://schemas.openxmlformats.org/officeDocument/2006/relationships" xmlns:p="http://schemas.openxmlformats.org/presentationml/2006/main">
+  <p:cSld>
+    <p:spTree>
+      <p:nvGrpSpPr>
+        <p:cNvPr id="1" name=""/>
+        <p:cNvGrpSpPr/>
+        <p:nvPr/>
+      </p:nvGrpSpPr>
+      <p:grpSpPr>
+        <a:xfrm>
+          <a:off x="0" y="0"/>
+          <a:ext cx="0" cy="0"/>
+          <a:chOff x="0" y="0"/>
+          <a:chExt cx="0" cy="0"/>
+        </a:xfrm>
+      </p:grpSpPr>
+      <p:sp>
+        <p:nvSpPr>
+          <p:cNvPr id="2" name="Subtitle 1"/>
+          <p:cNvSpPr txBox="1">
+            <a:spLocks noGrp="1"/>
+          </p:cNvSpPr>
+          <p:nvPr>
+            <p:ph type="subTitle" idx="4294967295"/>
+          </p:nvPr>
+        </p:nvSpPr>
+        <p:spPr>
+          <a:xfrm>
+            <a:off x="216000" y="-1"/>
+            <a:ext cx="9720000" cy="7559675"/>
+          </a:xfrm>
+        </p:spPr>
+        <p:txBody>
+          <a:bodyPr anchor="ctr"/>
+          <a:lstStyle/>
+          <a:p>
+            <a:pPr lvl="0" algn="l"/>
+            <a:r>
+              <a:rPr lang="en-IN" sz="3600" dirty="0" smtClean="0"/>
+              <a:t>			</a:t>
+            </a:r>
+            <a:r>
+              <a:rPr lang="en-IN" sz="3600" dirty="0" err="1" smtClean="0"/>
+              <a:t>Docker</a:t>
+            </a:r>
+            <a:r>
+              <a:rPr lang="en-IN" sz="3600" dirty="0" smtClean="0"/>
+              <a:t> file</a:t>
+            </a:r>
+          </a:p>
+          <a:p>
+            <a:pPr lvl="0" algn="l"/>
+            <a:r>
+              <a:rPr lang="en-IN" sz="1600" dirty="0" smtClean="0"/>
+              <a:t>CMD =&gt;  when you run container then CMD command will run </a:t>
+            </a:r>
+            <a:r>
+              <a:rPr lang="en-IN" sz="1600" dirty="0" err="1" smtClean="0"/>
+              <a:t>automaticlly</a:t>
+            </a:r>
+            <a:endParaRPr lang="en-IN" sz="1600" dirty="0" smtClean="0"/>
+          </a:p>
+          <a:p>
+            <a:pPr algn="l"/>
+            <a:r>
+              <a:rPr lang="en-IN" sz="1600" b="1" dirty="0" smtClean="0"/>
+              <a:t>ENTRYPOINT =&gt; when </a:t>
+            </a:r>
+            <a:r>
+              <a:rPr lang="en-IN" sz="1600" b="1" dirty="0"/>
+              <a:t>container start where its located and where your command </a:t>
+            </a:r>
+            <a:r>
+              <a:rPr lang="en-IN" sz="1600" b="1" dirty="0" smtClean="0"/>
+              <a:t>execute</a:t>
+            </a:r>
+            <a:endParaRPr lang="en-IN" sz="1600" b="1" dirty="0"/>
+          </a:p>
+          <a:p>
+            <a:pPr lvl="0" algn="l"/>
+            <a:endParaRPr lang="en-IN" sz="1600" b="1" dirty="0" smtClean="0"/>
+          </a:p>
+          <a:p>
+            <a:pPr lvl="0" algn="l"/>
+            <a:endParaRPr lang="en-IN" sz="1600" dirty="0"/>
+          </a:p>
+          <a:p>
+            <a:pPr lvl="0" algn="l"/>
+            <a:r>
+              <a:rPr lang="en-IN" sz="1600" dirty="0" smtClean="0"/>
+              <a:t>#Vim </a:t>
+            </a:r>
+            <a:r>
+              <a:rPr lang="en-IN" sz="1600" dirty="0" err="1" smtClean="0"/>
+              <a:t>Dockerfile</a:t>
+            </a:r>
+            <a:endParaRPr lang="en-IN" sz="1600" dirty="0" smtClean="0"/>
+          </a:p>
+          <a:p>
+            <a:pPr lvl="0" algn="l"/>
+            <a:r>
+              <a:rPr lang="en-IN" sz="1600" b="1" dirty="0"/>
+              <a:t>FROM      </a:t>
+            </a:r>
+            <a:r>
+              <a:rPr lang="en-IN" sz="1600" b="1" dirty="0" err="1"/>
+              <a:t>ubuntu</a:t>
+            </a:r>
+            <a:endParaRPr lang="en-IN" sz="1600" b="1" dirty="0"/>
+          </a:p>
+          <a:p>
+            <a:pPr lvl="0" algn="l"/>
+            <a:r>
+              <a:rPr lang="en-IN" sz="1600" b="1" dirty="0"/>
+              <a:t>MAINTAINER MAYANK SHARMA</a:t>
+            </a:r>
+          </a:p>
+          <a:p>
+            <a:pPr lvl="0" algn="l"/>
+            <a:r>
+              <a:rPr lang="en-IN" sz="1600" b="1" dirty="0" smtClean="0"/>
+              <a:t>RUN </a:t>
+            </a:r>
+            <a:r>
+              <a:rPr lang="en-IN" sz="1600" b="1" dirty="0"/>
+              <a:t>apt-get update</a:t>
+            </a:r>
+          </a:p>
+          <a:p>
+            <a:pPr lvl="0" algn="l"/>
+            <a:r>
+              <a:rPr lang="en-IN" sz="1600" b="1" dirty="0" smtClean="0"/>
+              <a:t>RUN </a:t>
+            </a:r>
+            <a:r>
+              <a:rPr lang="en-IN" sz="1600" b="1" dirty="0"/>
+              <a:t>apt-get install -y </a:t>
+            </a:r>
+            <a:r>
+              <a:rPr lang="en-IN" sz="1600" b="1" dirty="0" err="1"/>
+              <a:t>wget</a:t>
+            </a:r>
+            <a:endParaRPr lang="en-IN" sz="1600" b="1" dirty="0"/>
+          </a:p>
+          <a:p>
+            <a:pPr lvl="0" algn="l"/>
+            <a:r>
+              <a:rPr lang="en-IN" sz="1600" b="1" dirty="0" smtClean="0"/>
+              <a:t>ENTRYPOINT  </a:t>
+            </a:r>
+            <a:r>
+              <a:rPr lang="en-IN" sz="1600" b="1" dirty="0"/>
+              <a:t>[ "</a:t>
+            </a:r>
+            <a:r>
+              <a:rPr lang="en-IN" sz="1600" b="1" dirty="0" err="1"/>
+              <a:t>ls</a:t>
+            </a:r>
+            <a:r>
+              <a:rPr lang="en-IN" sz="1600" b="1" dirty="0"/>
+              <a:t>" , "-l" ]</a:t>
+            </a:r>
+          </a:p>
+          <a:p>
+            <a:pPr lvl="0" algn="l"/>
+            <a:r>
+              <a:rPr lang="en-IN" sz="1600" dirty="0" smtClean="0"/>
+              <a:t>#</a:t>
+            </a:r>
+            <a:r>
+              <a:rPr lang="en-IN" sz="1600" dirty="0" err="1" smtClean="0"/>
+              <a:t>docker</a:t>
+            </a:r>
+            <a:r>
+              <a:rPr lang="en-IN" sz="1600" dirty="0" smtClean="0"/>
+              <a:t> build –t </a:t>
+            </a:r>
+            <a:r>
+              <a:rPr lang="en-IN" sz="1600" dirty="0" err="1" smtClean="0"/>
+              <a:t>myentrypointtest</a:t>
+            </a:r>
+            <a:r>
+              <a:rPr lang="en-IN" sz="1600" dirty="0" smtClean="0"/>
+              <a:t> .</a:t>
+            </a:r>
+          </a:p>
+          <a:p>
+            <a:pPr lvl="0" algn="l"/>
+            <a:r>
+              <a:rPr lang="en-IN" sz="1600" dirty="0" smtClean="0"/>
+              <a:t>#</a:t>
+            </a:r>
+            <a:r>
+              <a:rPr lang="en-IN" sz="1600" dirty="0" err="1"/>
+              <a:t>d</a:t>
+            </a:r>
+            <a:r>
+              <a:rPr lang="en-IN" sz="1600" dirty="0" err="1" smtClean="0"/>
+              <a:t>ocker</a:t>
+            </a:r>
+            <a:r>
+              <a:rPr lang="en-IN" sz="1600" dirty="0" smtClean="0"/>
+              <a:t> run &lt;</a:t>
+            </a:r>
+            <a:r>
+              <a:rPr lang="en-IN" sz="1600" dirty="0" err="1" smtClean="0"/>
+              <a:t>image_id</a:t>
+            </a:r>
+            <a:r>
+              <a:rPr lang="en-IN" sz="1600" dirty="0" smtClean="0"/>
+              <a:t>&gt; /root</a:t>
+            </a:r>
+          </a:p>
+          <a:p>
+            <a:pPr lvl="0" algn="l"/>
+            <a:r>
+              <a:rPr lang="en-IN" sz="1600" b="1" dirty="0" smtClean="0"/>
+              <a:t>&lt;output of </a:t>
+            </a:r>
+            <a:r>
+              <a:rPr lang="en-IN" sz="1600" b="1" dirty="0" err="1" smtClean="0"/>
+              <a:t>ls</a:t>
+            </a:r>
+            <a:r>
+              <a:rPr lang="en-IN" sz="1600" b="1" dirty="0" smtClean="0"/>
+              <a:t> –l /root&gt;</a:t>
+            </a:r>
+          </a:p>
+          <a:p>
+            <a:pPr lvl="0" algn="l"/>
+            <a:endParaRPr lang="en-IN" sz="1600" b="1" dirty="0" smtClean="0"/>
+          </a:p>
+          <a:p>
+            <a:pPr lvl="0" algn="l"/>
+            <a:endParaRPr lang="en-IN" sz="1600" b="1" dirty="0"/>
+          </a:p>
+        </p:txBody>
+      </p:sp>
+    </p:spTree>
+    <p:extLst>
+      <p:ext uri="{BB962C8B-B14F-4D97-AF65-F5344CB8AC3E}">
+        <p14:creationId xmlns:p14="http://schemas.microsoft.com/office/powerpoint/2010/main" val="3062140385"/>
+      </p:ext>
+    </p:extLst>
+  </p:cSld>
+  <p:clrMapOvr>
+    <a:masterClrMapping/>
+  </p:clrMapOvr>
+  <mc:AlternateContent xmlns:mc="http://schemas.openxmlformats.org/markup-compatibility/2006" xmlns:p14="http://schemas.microsoft.com/office/powerpoint/2010/main">
+    <mc:Choice Requires="p14">
+      <p:transition spd="slow" p14:dur="2000"/>
+    </mc:Choice>
+    <mc:Fallback xmlns="">
+      <p:transition spd="slow"/>
+    </mc:Fallback>
+  </mc:AlternateContent>
+</p:sld>
+</file>
+
+<file path=ppt/slides/slide17.xml><?xml version="1.0" encoding="utf-8"?>
+<p:sld xmlns:a="http://schemas.openxmlformats.org/drawingml/2006/main" xmlns:r="http://schemas.openxmlformats.org/officeDocument/2006/relationships" xmlns:p="http://schemas.openxmlformats.org/presentationml/2006/main">
+  <p:cSld>
+    <p:spTree>
+      <p:nvGrpSpPr>
+        <p:cNvPr id="1" name=""/>
+        <p:cNvGrpSpPr/>
+        <p:nvPr/>
+      </p:nvGrpSpPr>
+      <p:grpSpPr>
+        <a:xfrm>
+          <a:off x="0" y="0"/>
+          <a:ext cx="0" cy="0"/>
+          <a:chOff x="0" y="0"/>
+          <a:chExt cx="0" cy="0"/>
+        </a:xfrm>
+      </p:grpSpPr>
+      <p:sp>
+        <p:nvSpPr>
+          <p:cNvPr id="2" name="Subtitle 1"/>
+          <p:cNvSpPr txBox="1">
+            <a:spLocks noGrp="1"/>
+          </p:cNvSpPr>
+          <p:nvPr>
+            <p:ph type="subTitle" idx="4294967295"/>
+          </p:nvPr>
+        </p:nvSpPr>
+        <p:spPr>
+          <a:xfrm>
+            <a:off x="216000" y="-1"/>
+            <a:ext cx="9720000" cy="7559675"/>
+          </a:xfrm>
+        </p:spPr>
+        <p:txBody>
+          <a:bodyPr anchor="ctr"/>
+          <a:lstStyle/>
+          <a:p>
+            <a:pPr lvl="0" algn="l"/>
+            <a:r>
+              <a:rPr lang="en-IN" sz="3600" dirty="0" smtClean="0"/>
+              <a:t>			</a:t>
+            </a:r>
+            <a:r>
+              <a:rPr lang="en-IN" sz="3600" dirty="0" err="1" smtClean="0"/>
+              <a:t>Docker</a:t>
+            </a:r>
+            <a:r>
+              <a:rPr lang="en-IN" sz="3600" dirty="0" smtClean="0"/>
+              <a:t> file</a:t>
+            </a:r>
+          </a:p>
+          <a:p>
+            <a:pPr lvl="0" algn="l"/>
+            <a:r>
+              <a:rPr lang="en-IN" sz="1600" b="1" dirty="0" smtClean="0"/>
+              <a:t>CMD </a:t>
+            </a:r>
+            <a:r>
+              <a:rPr lang="en-IN" sz="1600" dirty="0" smtClean="0"/>
+              <a:t>=&gt;  when you run container then CMD command will run </a:t>
+            </a:r>
+            <a:r>
+              <a:rPr lang="en-IN" sz="1600" dirty="0" err="1" smtClean="0"/>
+              <a:t>automaticlly</a:t>
+            </a:r>
+            <a:endParaRPr lang="en-IN" sz="1600" dirty="0" smtClean="0"/>
+          </a:p>
+          <a:p>
+            <a:pPr lvl="0" algn="l"/>
+            <a:r>
+              <a:rPr lang="en-IN" sz="1600" b="1" dirty="0" smtClean="0"/>
+              <a:t>ENTRYPOINT =&gt; when container start where its located and where your command execute</a:t>
+            </a:r>
+          </a:p>
+          <a:p>
+            <a:pPr lvl="0" algn="l"/>
+            <a:endParaRPr lang="en-IN" sz="1600" dirty="0"/>
+          </a:p>
+          <a:p>
+            <a:pPr lvl="0" algn="l"/>
+            <a:r>
+              <a:rPr lang="en-IN" sz="1600" dirty="0" smtClean="0"/>
+              <a:t>#Vim </a:t>
+            </a:r>
+            <a:r>
+              <a:rPr lang="en-IN" sz="1600" dirty="0" err="1" smtClean="0"/>
+              <a:t>Dockerfile</a:t>
+            </a:r>
+            <a:endParaRPr lang="en-IN" sz="1600" dirty="0" smtClean="0"/>
+          </a:p>
+          <a:p>
+            <a:pPr lvl="0" algn="l"/>
+            <a:r>
+              <a:rPr lang="en-IN" sz="1600" b="1" dirty="0"/>
+              <a:t>FROM      </a:t>
+            </a:r>
+            <a:r>
+              <a:rPr lang="en-IN" sz="1600" b="1" dirty="0" err="1"/>
+              <a:t>ubuntu</a:t>
+            </a:r>
+            <a:endParaRPr lang="en-IN" sz="1600" b="1" dirty="0"/>
+          </a:p>
+          <a:p>
+            <a:pPr lvl="0" algn="l"/>
+            <a:r>
+              <a:rPr lang="en-IN" sz="1600" b="1" dirty="0"/>
+              <a:t>MAINTAINER MAYANK SHARMA</a:t>
+            </a:r>
+          </a:p>
+          <a:p>
+            <a:pPr lvl="0" algn="l"/>
+            <a:r>
+              <a:rPr lang="en-IN" sz="1600" b="1" dirty="0" smtClean="0"/>
+              <a:t>RUN </a:t>
+            </a:r>
+            <a:r>
+              <a:rPr lang="en-IN" sz="1600" b="1" dirty="0"/>
+              <a:t>apt-get update</a:t>
+            </a:r>
+          </a:p>
+          <a:p>
+            <a:pPr lvl="0" algn="l"/>
+            <a:r>
+              <a:rPr lang="en-IN" sz="1600" b="1" dirty="0" smtClean="0"/>
+              <a:t>RUN </a:t>
+            </a:r>
+            <a:r>
+              <a:rPr lang="en-IN" sz="1600" b="1" dirty="0"/>
+              <a:t>apt-get install -y </a:t>
+            </a:r>
+            <a:r>
+              <a:rPr lang="en-IN" sz="1600" b="1" dirty="0" err="1"/>
+              <a:t>wget</a:t>
+            </a:r>
+            <a:endParaRPr lang="en-IN" sz="1600" b="1" dirty="0"/>
+          </a:p>
+          <a:p>
+            <a:pPr lvl="0" algn="l"/>
+            <a:r>
+              <a:rPr lang="en-IN" sz="1600" b="1" dirty="0" smtClean="0"/>
+              <a:t>ENTRYPOINT  </a:t>
+            </a:r>
+            <a:r>
+              <a:rPr lang="en-IN" sz="1600" b="1" dirty="0"/>
+              <a:t>[ "</a:t>
+            </a:r>
+            <a:r>
+              <a:rPr lang="en-IN" sz="1600" b="1" dirty="0" err="1"/>
+              <a:t>ls</a:t>
+            </a:r>
+            <a:r>
+              <a:rPr lang="en-IN" sz="1600" b="1" dirty="0"/>
+              <a:t>" , "-l" ]</a:t>
+            </a:r>
+          </a:p>
+          <a:p>
+            <a:pPr lvl="0" algn="l"/>
+            <a:r>
+              <a:rPr lang="en-IN" sz="1600" b="1" dirty="0"/>
+              <a:t>CMD </a:t>
+            </a:r>
+            <a:r>
+              <a:rPr lang="en-IN" sz="1600" b="1" dirty="0" smtClean="0"/>
+              <a:t>/root</a:t>
+            </a:r>
+            <a:endParaRPr lang="en-IN" sz="1600" b="1" dirty="0"/>
+          </a:p>
+          <a:p>
+            <a:pPr lvl="0" algn="l"/>
+            <a:r>
+              <a:rPr lang="en-IN" sz="1600" dirty="0" smtClean="0"/>
+              <a:t>#</a:t>
+            </a:r>
+            <a:r>
+              <a:rPr lang="en-IN" sz="1600" dirty="0" err="1" smtClean="0"/>
+              <a:t>docker</a:t>
+            </a:r>
+            <a:r>
+              <a:rPr lang="en-IN" sz="1600" dirty="0" smtClean="0"/>
+              <a:t> build –t </a:t>
+            </a:r>
+            <a:r>
+              <a:rPr lang="en-IN" sz="1600" dirty="0" err="1" smtClean="0"/>
+              <a:t>myentrypointcmdtest</a:t>
+            </a:r>
+            <a:r>
+              <a:rPr lang="en-IN" sz="1600" dirty="0" smtClean="0"/>
+              <a:t> .</a:t>
+            </a:r>
+          </a:p>
+          <a:p>
+            <a:pPr lvl="0" algn="l"/>
+            <a:r>
+              <a:rPr lang="en-IN" sz="1600" dirty="0" smtClean="0"/>
+              <a:t>#</a:t>
+            </a:r>
+            <a:r>
+              <a:rPr lang="en-IN" sz="1600" dirty="0" err="1" smtClean="0"/>
+              <a:t>docker</a:t>
+            </a:r>
+            <a:r>
+              <a:rPr lang="en-IN" sz="1600" dirty="0" smtClean="0"/>
+              <a:t> run &lt;</a:t>
+            </a:r>
+            <a:r>
+              <a:rPr lang="en-IN" sz="1600" dirty="0" err="1" smtClean="0"/>
+              <a:t>image_id</a:t>
+            </a:r>
+            <a:r>
+              <a:rPr lang="en-IN" sz="1600" dirty="0" smtClean="0"/>
+              <a:t>&gt; /root</a:t>
+            </a:r>
+          </a:p>
+          <a:p>
+            <a:pPr lvl="0" algn="l"/>
+            <a:r>
+              <a:rPr lang="en-IN" sz="1600" b="1" dirty="0" smtClean="0"/>
+              <a:t>&lt;output of </a:t>
+            </a:r>
+            <a:r>
+              <a:rPr lang="en-IN" sz="1600" b="1" dirty="0" err="1" smtClean="0"/>
+              <a:t>ls</a:t>
+            </a:r>
+            <a:r>
+              <a:rPr lang="en-IN" sz="1600" b="1" dirty="0" smtClean="0"/>
+              <a:t> –l /root&gt;</a:t>
+            </a:r>
+          </a:p>
+          <a:p>
+            <a:pPr lvl="0" algn="l"/>
+            <a:r>
+              <a:rPr lang="en-IN" sz="1600" b="1" dirty="0" smtClean="0"/>
+              <a:t>NOTE:IF you pass any </a:t>
+            </a:r>
+            <a:r>
+              <a:rPr lang="en-IN" sz="1600" b="1" dirty="0" err="1" smtClean="0"/>
+              <a:t>arg</a:t>
+            </a:r>
+            <a:r>
+              <a:rPr lang="en-IN" sz="1600" b="1" dirty="0" smtClean="0"/>
+              <a:t> during container create it’ll </a:t>
+            </a:r>
+            <a:r>
+              <a:rPr lang="en-IN" sz="1600" b="1" dirty="0" err="1" smtClean="0"/>
+              <a:t>overright</a:t>
+            </a:r>
+            <a:r>
+              <a:rPr lang="en-IN" sz="1600" b="1" dirty="0" smtClean="0"/>
+              <a:t> /root (CMD)and pass  .</a:t>
+            </a:r>
+          </a:p>
+          <a:p>
+            <a:pPr lvl="0" algn="l"/>
+            <a:r>
+              <a:rPr lang="en-IN" sz="1600" b="1" dirty="0" smtClean="0"/>
+              <a:t>IF you not pass any </a:t>
+            </a:r>
+            <a:r>
+              <a:rPr lang="en-IN" sz="1600" b="1" dirty="0" err="1" smtClean="0"/>
+              <a:t>arg</a:t>
+            </a:r>
+            <a:r>
+              <a:rPr lang="en-IN" sz="1600" b="1" dirty="0" smtClean="0"/>
+              <a:t> it’ll go to </a:t>
+            </a:r>
+            <a:r>
+              <a:rPr lang="en-IN" sz="1600" b="1" dirty="0" err="1" smtClean="0"/>
+              <a:t>ls</a:t>
+            </a:r>
+            <a:r>
+              <a:rPr lang="en-IN" sz="1600" b="1" dirty="0" smtClean="0"/>
+              <a:t> –l(ENTRYPOINT) and /root(CMD).</a:t>
+            </a:r>
+          </a:p>
+          <a:p>
+            <a:pPr lvl="0" algn="l"/>
+            <a:endParaRPr lang="en-IN" sz="1600" b="1" dirty="0"/>
+          </a:p>
+        </p:txBody>
+      </p:sp>
+    </p:spTree>
+    <p:extLst>
+      <p:ext uri="{BB962C8B-B14F-4D97-AF65-F5344CB8AC3E}">
+        <p14:creationId xmlns:p14="http://schemas.microsoft.com/office/powerpoint/2010/main" val="1872702137"/>
+      </p:ext>
+    </p:extLst>
+  </p:cSld>
+  <p:clrMapOvr>
+    <a:masterClrMapping/>
+  </p:clrMapOvr>
+  <mc:AlternateContent xmlns:mc="http://schemas.openxmlformats.org/markup-compatibility/2006" xmlns:p14="http://schemas.microsoft.com/office/powerpoint/2010/main">
+    <mc:Choice Requires="p14">
+      <p:transition spd="slow" p14:dur="2000"/>
+    </mc:Choice>
+    <mc:Fallback xmlns="">
+      <p:transition spd="slow"/>
+    </mc:Fallback>
+  </mc:AlternateContent>
+</p:sld>
+</file>
+
+<file path=ppt/slides/slide18.xml><?xml version="1.0" encoding="utf-8"?>
+<p:sld xmlns:a="http://schemas.openxmlformats.org/drawingml/2006/main" xmlns:r="http://schemas.openxmlformats.org/officeDocument/2006/relationships" xmlns:p="http://schemas.openxmlformats.org/presentationml/2006/main">
+  <p:cSld>
+    <p:spTree>
+      <p:nvGrpSpPr>
+        <p:cNvPr id="1" name=""/>
+        <p:cNvGrpSpPr/>
+        <p:nvPr/>
+      </p:nvGrpSpPr>
+      <p:grpSpPr>
+        <a:xfrm>
+          <a:off x="0" y="0"/>
+          <a:ext cx="0" cy="0"/>
+          <a:chOff x="0" y="0"/>
+          <a:chExt cx="0" cy="0"/>
+        </a:xfrm>
+      </p:grpSpPr>
+      <p:sp>
+        <p:nvSpPr>
+          <p:cNvPr id="2" name="Subtitle 1"/>
+          <p:cNvSpPr txBox="1">
+            <a:spLocks noGrp="1"/>
+          </p:cNvSpPr>
+          <p:nvPr>
+            <p:ph type="subTitle" idx="4294967295"/>
+          </p:nvPr>
+        </p:nvSpPr>
+        <p:spPr>
+          <a:xfrm>
+            <a:off x="216000" y="-1"/>
+            <a:ext cx="9720000" cy="7559675"/>
+          </a:xfrm>
+        </p:spPr>
+        <p:txBody>
+          <a:bodyPr anchor="ctr"/>
+          <a:lstStyle/>
+          <a:p>
+            <a:pPr lvl="0" algn="l"/>
+            <a:r>
+              <a:rPr lang="en-IN" sz="3600" dirty="0" err="1" smtClean="0"/>
+              <a:t>Docker</a:t>
+            </a:r>
+            <a:r>
+              <a:rPr lang="en-IN" sz="3600" dirty="0" smtClean="0"/>
+              <a:t> networking</a:t>
+            </a:r>
+          </a:p>
+          <a:p>
+            <a:pPr lvl="0" algn="l"/>
+            <a:endParaRPr lang="en-IN" sz="3600" b="1" dirty="0"/>
+          </a:p>
+          <a:p>
+            <a:pPr lvl="0" algn="l"/>
+            <a:r>
+              <a:rPr lang="en-IN" sz="1600" b="1" dirty="0" smtClean="0"/>
+              <a:t>#</a:t>
+            </a:r>
+            <a:r>
+              <a:rPr lang="en-US" sz="2000" b="1" dirty="0" err="1"/>
+              <a:t>docker</a:t>
+            </a:r>
+            <a:r>
+              <a:rPr lang="en-US" sz="2000" b="1" dirty="0"/>
+              <a:t> run -d --publish-all </a:t>
+            </a:r>
+            <a:r>
+              <a:rPr lang="en-US" sz="2000" b="1" dirty="0" err="1"/>
+              <a:t>jpetazzo</a:t>
+            </a:r>
+            <a:r>
+              <a:rPr lang="en-US" sz="2000" b="1" dirty="0"/>
+              <a:t>/web</a:t>
+            </a:r>
+          </a:p>
+          <a:p>
+            <a:pPr lvl="0" algn="l"/>
+            <a:r>
+              <a:rPr lang="en-IN" sz="2000" b="1" dirty="0" smtClean="0"/>
+              <a:t>#</a:t>
+            </a:r>
+            <a:r>
+              <a:rPr lang="en-IN" sz="2000" b="1" dirty="0" err="1" smtClean="0"/>
+              <a:t>docker</a:t>
+            </a:r>
+            <a:r>
+              <a:rPr lang="en-IN" sz="2000" b="1" dirty="0" smtClean="0"/>
+              <a:t> </a:t>
+            </a:r>
+            <a:r>
+              <a:rPr lang="en-IN" sz="2000" b="1" dirty="0"/>
+              <a:t>inspect --format '{{.</a:t>
+            </a:r>
+            <a:r>
+              <a:rPr lang="en-IN" sz="2000" b="1" dirty="0" err="1"/>
+              <a:t>NetworkSettings.IPAddress</a:t>
+            </a:r>
+            <a:r>
+              <a:rPr lang="en-IN" sz="2000" b="1" dirty="0"/>
+              <a:t>}}' </a:t>
+            </a:r>
+            <a:r>
+              <a:rPr lang="en-IN" sz="2000" b="1" dirty="0" smtClean="0"/>
+              <a:t>Container IP</a:t>
+            </a:r>
+            <a:endParaRPr lang="en-IN" sz="2000" b="1" dirty="0"/>
+          </a:p>
+          <a:p>
+            <a:pPr lvl="0" algn="l"/>
+            <a:endParaRPr lang="en-IN" sz="1600" b="1" dirty="0" smtClean="0"/>
+          </a:p>
+          <a:p>
+            <a:pPr lvl="0" algn="l"/>
+            <a:r>
+              <a:rPr lang="en-IN" sz="1600" b="1" dirty="0" smtClean="0"/>
+              <a:t>So you’ll se </a:t>
+            </a:r>
+            <a:r>
+              <a:rPr lang="en-IN" sz="1600" b="1" dirty="0" err="1" smtClean="0"/>
+              <a:t>ip</a:t>
+            </a:r>
+            <a:r>
+              <a:rPr lang="en-IN" sz="1600" b="1" dirty="0" smtClean="0"/>
+              <a:t> a of container </a:t>
+            </a:r>
+            <a:endParaRPr lang="en-IN" sz="1600" b="1" dirty="0"/>
+          </a:p>
+        </p:txBody>
+      </p:sp>
+    </p:spTree>
+    <p:extLst>
+      <p:ext uri="{BB962C8B-B14F-4D97-AF65-F5344CB8AC3E}">
+        <p14:creationId xmlns:p14="http://schemas.microsoft.com/office/powerpoint/2010/main" val="1963731300"/>
+      </p:ext>
+    </p:extLst>
+  </p:cSld>
+  <p:clrMapOvr>
+    <a:masterClrMapping/>
+  </p:clrMapOvr>
+  <mc:AlternateContent xmlns:mc="http://schemas.openxmlformats.org/markup-compatibility/2006" xmlns:p14="http://schemas.microsoft.com/office/powerpoint/2010/main">
+    <mc:Choice Requires="p14">
+      <p:transition spd="slow" p14:dur="2000"/>
+    </mc:Choice>
+    <mc:Fallback xmlns="">
+      <p:transition spd="slow"/>
+    </mc:Fallback>
+  </mc:AlternateContent>
+</p:sld>
+</file>
+
+<file path=ppt/slides/slide19.xml><?xml version="1.0" encoding="utf-8"?>
+<p:sld xmlns:a="http://schemas.openxmlformats.org/drawingml/2006/main" xmlns:r="http://schemas.openxmlformats.org/officeDocument/2006/relationships" xmlns:p="http://schemas.openxmlformats.org/presentationml/2006/main">
+  <p:cSld>
+    <p:spTree>
+      <p:nvGrpSpPr>
+        <p:cNvPr id="1" name=""/>
+        <p:cNvGrpSpPr/>
+        <p:nvPr/>
+      </p:nvGrpSpPr>
+      <p:grpSpPr>
+        <a:xfrm>
+          <a:off x="0" y="0"/>
+          <a:ext cx="0" cy="0"/>
+          <a:chOff x="0" y="0"/>
+          <a:chExt cx="0" cy="0"/>
+        </a:xfrm>
+      </p:grpSpPr>
+      <p:sp>
+        <p:nvSpPr>
+          <p:cNvPr id="2" name="Subtitle 1"/>
+          <p:cNvSpPr txBox="1">
+            <a:spLocks noGrp="1"/>
+          </p:cNvSpPr>
+          <p:nvPr>
+            <p:ph type="subTitle" idx="4294967295"/>
+          </p:nvPr>
+        </p:nvSpPr>
+        <p:spPr>
+          <a:xfrm>
+            <a:off x="216000" y="-1"/>
+            <a:ext cx="9720000" cy="7559675"/>
+          </a:xfrm>
+        </p:spPr>
+        <p:txBody>
+          <a:bodyPr anchor="ctr"/>
+          <a:lstStyle/>
+          <a:p>
+            <a:pPr lvl="0" algn="l"/>
+            <a:r>
+              <a:rPr lang="en-US" sz="3600" dirty="0" smtClean="0"/>
+              <a:t>Volumes</a:t>
+            </a:r>
+          </a:p>
+          <a:p>
+            <a:pPr lvl="0" algn="l"/>
+            <a:r>
+              <a:rPr lang="en-IN" sz="1600" b="1" dirty="0"/>
+              <a:t> </a:t>
+            </a:r>
+            <a:r>
+              <a:rPr lang="en-IN" sz="1600" b="1" dirty="0" err="1"/>
+              <a:t>mkdir</a:t>
+            </a:r>
+            <a:r>
+              <a:rPr lang="en-IN" sz="1600" b="1" dirty="0"/>
+              <a:t> /data</a:t>
+            </a:r>
+          </a:p>
+          <a:p>
+            <a:pPr lvl="0" algn="l"/>
+            <a:r>
+              <a:rPr lang="en-IN" sz="1600" b="1" dirty="0"/>
+              <a:t>cd /data</a:t>
+            </a:r>
+          </a:p>
+          <a:p>
+            <a:pPr lvl="0" algn="l"/>
+            <a:r>
+              <a:rPr lang="en-IN" sz="1600" b="1" dirty="0"/>
+              <a:t> echo </a:t>
+            </a:r>
+            <a:r>
+              <a:rPr lang="en-IN" sz="1600" b="1" dirty="0" err="1"/>
+              <a:t>mayank</a:t>
+            </a:r>
+            <a:r>
+              <a:rPr lang="en-IN" sz="1600" b="1" dirty="0"/>
+              <a:t> &gt; index.html</a:t>
+            </a:r>
+          </a:p>
+          <a:p>
+            <a:pPr lvl="0" algn="l"/>
+            <a:r>
+              <a:rPr lang="en-US" sz="1600" b="1" dirty="0" err="1"/>
+              <a:t>docker</a:t>
+            </a:r>
+            <a:r>
+              <a:rPr lang="en-US" sz="1600" b="1" dirty="0"/>
+              <a:t> run -d -p 8080:80 -v /data:/</a:t>
+            </a:r>
+            <a:r>
+              <a:rPr lang="en-US" sz="1600" b="1" dirty="0" err="1"/>
+              <a:t>var</a:t>
+            </a:r>
+            <a:r>
+              <a:rPr lang="en-US" sz="1600" b="1" dirty="0"/>
+              <a:t>/www/html --name </a:t>
+            </a:r>
+            <a:r>
+              <a:rPr lang="en-US" sz="1600" b="1" dirty="0" smtClean="0"/>
+              <a:t>mywebsite_C1centos/</a:t>
+            </a:r>
+            <a:r>
+              <a:rPr lang="en-US" sz="1600" b="1" dirty="0" err="1" smtClean="0"/>
+              <a:t>httpd</a:t>
+            </a:r>
+            <a:endParaRPr lang="en-US" sz="1600" b="1" dirty="0"/>
+          </a:p>
+          <a:p>
+            <a:pPr lvl="0" algn="l"/>
+            <a:r>
+              <a:rPr lang="en-US" sz="1600" b="1" dirty="0" err="1"/>
+              <a:t>docker</a:t>
+            </a:r>
+            <a:r>
+              <a:rPr lang="en-US" sz="1600" b="1" dirty="0"/>
+              <a:t> run -d -p 8081:80 -v /data:/</a:t>
+            </a:r>
+            <a:r>
+              <a:rPr lang="en-US" sz="1600" b="1" dirty="0" err="1"/>
+              <a:t>var</a:t>
+            </a:r>
+            <a:r>
+              <a:rPr lang="en-US" sz="1600" b="1" dirty="0"/>
+              <a:t>/www/html --name </a:t>
+            </a:r>
+            <a:r>
+              <a:rPr lang="en-US" sz="1600" b="1" dirty="0" smtClean="0"/>
+              <a:t>mywebsite_sC2 </a:t>
+            </a:r>
+            <a:r>
+              <a:rPr lang="en-US" sz="1600" b="1" dirty="0"/>
+              <a:t>centos/</a:t>
+            </a:r>
+            <a:r>
+              <a:rPr lang="en-US" sz="1600" b="1" dirty="0" err="1"/>
+              <a:t>httpd</a:t>
+            </a:r>
+            <a:endParaRPr lang="en-US" sz="1600" b="1" dirty="0"/>
+          </a:p>
+          <a:p>
+            <a:pPr lvl="0" algn="l"/>
+            <a:r>
+              <a:rPr lang="en-US" sz="1600" b="1" dirty="0" err="1"/>
+              <a:t>docker</a:t>
+            </a:r>
+            <a:r>
+              <a:rPr lang="en-US" sz="1600" b="1" dirty="0"/>
+              <a:t> run -d -p 80:80 -v /data:/</a:t>
+            </a:r>
+            <a:r>
+              <a:rPr lang="en-US" sz="1600" b="1" dirty="0" err="1"/>
+              <a:t>var</a:t>
+            </a:r>
+            <a:r>
+              <a:rPr lang="en-US" sz="1600" b="1" dirty="0"/>
+              <a:t>/www/html --name </a:t>
+            </a:r>
+            <a:r>
+              <a:rPr lang="en-US" sz="1600" b="1" dirty="0" smtClean="0"/>
+              <a:t>mywebsite_C3 </a:t>
+            </a:r>
+            <a:r>
+              <a:rPr lang="en-US" sz="1600" b="1" dirty="0"/>
+              <a:t>centos/</a:t>
+            </a:r>
+            <a:r>
+              <a:rPr lang="en-US" sz="1600" b="1" dirty="0" err="1"/>
+              <a:t>httpd</a:t>
+            </a:r>
+            <a:endParaRPr lang="en-US" sz="1600" b="1" dirty="0"/>
+          </a:p>
+          <a:p>
+            <a:pPr lvl="0" algn="l"/>
+            <a:r>
+              <a:rPr lang="en-IN" sz="1600" b="1" dirty="0" smtClean="0"/>
+              <a:t>GOTO browser and type localhost:8080,</a:t>
+            </a:r>
+            <a:r>
+              <a:rPr lang="en-IN" sz="1600" b="1" dirty="0"/>
+              <a:t> </a:t>
+            </a:r>
+            <a:r>
+              <a:rPr lang="en-IN" sz="1600" b="1" dirty="0" smtClean="0"/>
+              <a:t>localhost:8081,</a:t>
+            </a:r>
+            <a:r>
+              <a:rPr lang="en-IN" sz="1600" b="1" dirty="0"/>
+              <a:t> </a:t>
+            </a:r>
+            <a:r>
+              <a:rPr lang="en-IN" sz="1600" b="1" dirty="0" smtClean="0"/>
+              <a:t>localhost:80.</a:t>
+            </a:r>
+          </a:p>
+          <a:p>
+            <a:pPr lvl="0" algn="l"/>
+            <a:endParaRPr lang="en-IN" sz="1600" b="1" dirty="0"/>
+          </a:p>
+          <a:p>
+            <a:pPr lvl="0" algn="l"/>
+            <a:r>
+              <a:rPr lang="en-IN" sz="1600" b="1" dirty="0" smtClean="0"/>
+              <a:t>Now we have shared volume environment three container with same folder shared with them</a:t>
+            </a:r>
+            <a:endParaRPr lang="en-IN" sz="1600" b="1" dirty="0"/>
+          </a:p>
+        </p:txBody>
+      </p:sp>
+    </p:spTree>
+    <p:extLst>
+      <p:ext uri="{BB962C8B-B14F-4D97-AF65-F5344CB8AC3E}">
+        <p14:creationId xmlns:p14="http://schemas.microsoft.com/office/powerpoint/2010/main" val="3444446453"/>
       </p:ext>
     </p:extLst>
   </p:cSld>
@@ -6403,6 +8600,168 @@
     <p:extLst>
       <p:ext uri="{BB962C8B-B14F-4D97-AF65-F5344CB8AC3E}">
         <p14:creationId xmlns:p14="http://schemas.microsoft.com/office/powerpoint/2010/main" val="78207707"/>
+      </p:ext>
+    </p:extLst>
+  </p:cSld>
+  <p:clrMapOvr>
+    <a:masterClrMapping/>
+  </p:clrMapOvr>
+  <mc:AlternateContent xmlns:mc="http://schemas.openxmlformats.org/markup-compatibility/2006" xmlns:p14="http://schemas.microsoft.com/office/powerpoint/2010/main">
+    <mc:Choice Requires="p14">
+      <p:transition spd="slow" p14:dur="2000"/>
+    </mc:Choice>
+    <mc:Fallback xmlns="">
+      <p:transition spd="slow"/>
+    </mc:Fallback>
+  </mc:AlternateContent>
+</p:sld>
+</file>
+
+<file path=ppt/slides/slide20.xml><?xml version="1.0" encoding="utf-8"?>
+<p:sld xmlns:a="http://schemas.openxmlformats.org/drawingml/2006/main" xmlns:r="http://schemas.openxmlformats.org/officeDocument/2006/relationships" xmlns:p="http://schemas.openxmlformats.org/presentationml/2006/main">
+  <p:cSld>
+    <p:spTree>
+      <p:nvGrpSpPr>
+        <p:cNvPr id="1" name=""/>
+        <p:cNvGrpSpPr/>
+        <p:nvPr/>
+      </p:nvGrpSpPr>
+      <p:grpSpPr>
+        <a:xfrm>
+          <a:off x="0" y="0"/>
+          <a:ext cx="0" cy="0"/>
+          <a:chOff x="0" y="0"/>
+          <a:chExt cx="0" cy="0"/>
+        </a:xfrm>
+      </p:grpSpPr>
+      <p:sp>
+        <p:nvSpPr>
+          <p:cNvPr id="2" name="Subtitle 1"/>
+          <p:cNvSpPr txBox="1">
+            <a:spLocks noGrp="1"/>
+          </p:cNvSpPr>
+          <p:nvPr>
+            <p:ph type="subTitle" idx="4294967295"/>
+          </p:nvPr>
+        </p:nvSpPr>
+        <p:spPr>
+          <a:xfrm>
+            <a:off x="216000" y="-1"/>
+            <a:ext cx="9720000" cy="7559675"/>
+          </a:xfrm>
+        </p:spPr>
+        <p:txBody>
+          <a:bodyPr anchor="ctr"/>
+          <a:lstStyle/>
+          <a:p>
+            <a:pPr lvl="0" algn="l"/>
+            <a:r>
+              <a:rPr lang="en-US" sz="1600" b="1" dirty="0" err="1"/>
+              <a:t>docker</a:t>
+            </a:r>
+            <a:r>
+              <a:rPr lang="en-US" sz="1600" b="1" dirty="0"/>
+              <a:t> run -d -p 9090:80 --name shared-volume1 --volumes-from mywebsite_sec2 </a:t>
+            </a:r>
+            <a:r>
+              <a:rPr lang="en-US" sz="1600" b="1" dirty="0" smtClean="0"/>
+              <a:t>centos/</a:t>
+            </a:r>
+            <a:r>
+              <a:rPr lang="en-US" sz="1600" b="1" dirty="0" err="1" smtClean="0"/>
+              <a:t>httpd</a:t>
+            </a:r>
+            <a:endParaRPr lang="en-US" sz="1600" b="1" dirty="0" smtClean="0"/>
+          </a:p>
+          <a:p>
+            <a:pPr lvl="0" algn="l"/>
+            <a:endParaRPr lang="en-IN" sz="1600" b="1" dirty="0"/>
+          </a:p>
+        </p:txBody>
+      </p:sp>
+    </p:spTree>
+    <p:extLst>
+      <p:ext uri="{BB962C8B-B14F-4D97-AF65-F5344CB8AC3E}">
+        <p14:creationId xmlns:p14="http://schemas.microsoft.com/office/powerpoint/2010/main" val="119432482"/>
+      </p:ext>
+    </p:extLst>
+  </p:cSld>
+  <p:clrMapOvr>
+    <a:masterClrMapping/>
+  </p:clrMapOvr>
+  <mc:AlternateContent xmlns:mc="http://schemas.openxmlformats.org/markup-compatibility/2006" xmlns:p14="http://schemas.microsoft.com/office/powerpoint/2010/main">
+    <mc:Choice Requires="p14">
+      <p:transition spd="slow" p14:dur="2000"/>
+    </mc:Choice>
+    <mc:Fallback xmlns="">
+      <p:transition spd="slow"/>
+    </mc:Fallback>
+  </mc:AlternateContent>
+</p:sld>
+</file>
+
+<file path=ppt/slides/slide21.xml><?xml version="1.0" encoding="utf-8"?>
+<p:sld xmlns:a="http://schemas.openxmlformats.org/drawingml/2006/main" xmlns:r="http://schemas.openxmlformats.org/officeDocument/2006/relationships" xmlns:p="http://schemas.openxmlformats.org/presentationml/2006/main">
+  <p:cSld>
+    <p:spTree>
+      <p:nvGrpSpPr>
+        <p:cNvPr id="1" name=""/>
+        <p:cNvGrpSpPr/>
+        <p:nvPr/>
+      </p:nvGrpSpPr>
+      <p:grpSpPr>
+        <a:xfrm>
+          <a:off x="0" y="0"/>
+          <a:ext cx="0" cy="0"/>
+          <a:chOff x="0" y="0"/>
+          <a:chExt cx="0" cy="0"/>
+        </a:xfrm>
+      </p:grpSpPr>
+      <p:sp>
+        <p:nvSpPr>
+          <p:cNvPr id="2" name="Subtitle 1"/>
+          <p:cNvSpPr txBox="1">
+            <a:spLocks noGrp="1"/>
+          </p:cNvSpPr>
+          <p:nvPr>
+            <p:ph type="subTitle" idx="4294967295"/>
+          </p:nvPr>
+        </p:nvSpPr>
+        <p:spPr>
+          <a:xfrm>
+            <a:off x="216000" y="-1"/>
+            <a:ext cx="9720000" cy="7559675"/>
+          </a:xfrm>
+        </p:spPr>
+        <p:txBody>
+          <a:bodyPr anchor="ctr"/>
+          <a:lstStyle/>
+          <a:p>
+            <a:pPr lvl="0" algn="l"/>
+            <a:r>
+              <a:rPr lang="en-US" sz="1600" b="1" dirty="0" err="1" smtClean="0"/>
+              <a:t>Docker</a:t>
+            </a:r>
+            <a:r>
+              <a:rPr lang="en-US" sz="1600" b="1" dirty="0" smtClean="0"/>
+              <a:t> inspect </a:t>
+            </a:r>
+            <a:r>
+              <a:rPr lang="en-US" sz="1600" b="1" dirty="0" err="1" smtClean="0"/>
+              <a:t>container_name</a:t>
+            </a:r>
+            <a:endParaRPr lang="en-US" sz="1600" b="1" dirty="0" smtClean="0"/>
+          </a:p>
+          <a:p>
+            <a:pPr lvl="0" algn="l"/>
+            <a:endParaRPr lang="en-IN" sz="1600" b="1" dirty="0"/>
+          </a:p>
+        </p:txBody>
+      </p:sp>
+    </p:spTree>
+    <p:extLst>
+      <p:ext uri="{BB962C8B-B14F-4D97-AF65-F5344CB8AC3E}">
+        <p14:creationId xmlns:p14="http://schemas.microsoft.com/office/powerpoint/2010/main" val="2697854783"/>
       </p:ext>
     </p:extLst>
   </p:cSld>

--- a/Docker/MY_DOCKERS.pptx
+++ b/Docker/MY_DOCKERS.pptx
@@ -5,33 +5,34 @@
     <p:sldMasterId id="2147483648" r:id="rId1"/>
   </p:sldMasterIdLst>
   <p:notesMasterIdLst>
-    <p:notesMasterId r:id="rId23"/>
+    <p:notesMasterId r:id="rId24"/>
   </p:notesMasterIdLst>
   <p:handoutMasterIdLst>
-    <p:handoutMasterId r:id="rId24"/>
+    <p:handoutMasterId r:id="rId25"/>
   </p:handoutMasterIdLst>
   <p:sldIdLst>
-    <p:sldId id="256" r:id="rId2"/>
-    <p:sldId id="268" r:id="rId3"/>
-    <p:sldId id="257" r:id="rId4"/>
-    <p:sldId id="258" r:id="rId5"/>
-    <p:sldId id="259" r:id="rId6"/>
-    <p:sldId id="260" r:id="rId7"/>
-    <p:sldId id="261" r:id="rId8"/>
-    <p:sldId id="262" r:id="rId9"/>
-    <p:sldId id="263" r:id="rId10"/>
-    <p:sldId id="264" r:id="rId11"/>
-    <p:sldId id="265" r:id="rId12"/>
-    <p:sldId id="266" r:id="rId13"/>
-    <p:sldId id="267" r:id="rId14"/>
-    <p:sldId id="269" r:id="rId15"/>
-    <p:sldId id="270" r:id="rId16"/>
-    <p:sldId id="272" r:id="rId17"/>
-    <p:sldId id="273" r:id="rId18"/>
-    <p:sldId id="274" r:id="rId19"/>
-    <p:sldId id="275" r:id="rId20"/>
-    <p:sldId id="276" r:id="rId21"/>
-    <p:sldId id="277" r:id="rId22"/>
+    <p:sldId id="278" r:id="rId2"/>
+    <p:sldId id="256" r:id="rId3"/>
+    <p:sldId id="268" r:id="rId4"/>
+    <p:sldId id="257" r:id="rId5"/>
+    <p:sldId id="258" r:id="rId6"/>
+    <p:sldId id="259" r:id="rId7"/>
+    <p:sldId id="260" r:id="rId8"/>
+    <p:sldId id="261" r:id="rId9"/>
+    <p:sldId id="262" r:id="rId10"/>
+    <p:sldId id="263" r:id="rId11"/>
+    <p:sldId id="264" r:id="rId12"/>
+    <p:sldId id="265" r:id="rId13"/>
+    <p:sldId id="266" r:id="rId14"/>
+    <p:sldId id="267" r:id="rId15"/>
+    <p:sldId id="269" r:id="rId16"/>
+    <p:sldId id="270" r:id="rId17"/>
+    <p:sldId id="272" r:id="rId18"/>
+    <p:sldId id="273" r:id="rId19"/>
+    <p:sldId id="274" r:id="rId20"/>
+    <p:sldId id="275" r:id="rId21"/>
+    <p:sldId id="276" r:id="rId22"/>
+    <p:sldId id="277" r:id="rId23"/>
   </p:sldIdLst>
   <p:sldSz cx="10080625" cy="7559675"/>
   <p:notesSz cx="7559675" cy="10691813"/>
@@ -792,7 +793,7 @@
           <a:lstStyle/>
           <a:p>
             <a:pPr lvl="0"/>
-            <a:fld id="{687ED9DE-2274-4C57-97FC-945FD016A51E}" type="slidenum">
+            <a:fld id="{AA3723C9-A1CF-4313-B526-19FF1BC83726}" type="slidenum">
               <a:t>1</a:t>
             </a:fld>
             <a:endParaRPr lang="en-IN"/>
@@ -847,7 +848,7 @@
     </p:spTree>
     <p:extLst>
       <p:ext uri="{BB962C8B-B14F-4D97-AF65-F5344CB8AC3E}">
-        <p14:creationId xmlns:p14="http://schemas.microsoft.com/office/powerpoint/2010/main" val="1032367165"/>
+        <p14:creationId xmlns:p14="http://schemas.microsoft.com/office/powerpoint/2010/main" val="1436000548"/>
       </p:ext>
     </p:extLst>
   </p:cSld>
@@ -894,7 +895,7 @@
           <a:lstStyle/>
           <a:p>
             <a:pPr lvl="0"/>
-            <a:fld id="{E510BDD8-41BD-4FE8-B7E1-F7209CB77355}" type="slidenum">
+            <a:fld id="{4D179B8D-E83E-4CEE-B47E-767D3E14BD4B}" type="slidenum">
               <a:t>10</a:t>
             </a:fld>
             <a:endParaRPr lang="en-IN"/>
@@ -949,7 +950,7 @@
     </p:spTree>
     <p:extLst>
       <p:ext uri="{BB962C8B-B14F-4D97-AF65-F5344CB8AC3E}">
-        <p14:creationId xmlns:p14="http://schemas.microsoft.com/office/powerpoint/2010/main" val="2848981497"/>
+        <p14:creationId xmlns:p14="http://schemas.microsoft.com/office/powerpoint/2010/main" val="3322824012"/>
       </p:ext>
     </p:extLst>
   </p:cSld>
@@ -996,7 +997,7 @@
           <a:lstStyle/>
           <a:p>
             <a:pPr lvl="0"/>
-            <a:fld id="{DE04FEB1-96FC-4C40-B4DF-F9780655B527}" type="slidenum">
+            <a:fld id="{E510BDD8-41BD-4FE8-B7E1-F7209CB77355}" type="slidenum">
               <a:t>11</a:t>
             </a:fld>
             <a:endParaRPr lang="en-IN"/>
@@ -1051,7 +1052,7 @@
     </p:spTree>
     <p:extLst>
       <p:ext uri="{BB962C8B-B14F-4D97-AF65-F5344CB8AC3E}">
-        <p14:creationId xmlns:p14="http://schemas.microsoft.com/office/powerpoint/2010/main" val="1300084926"/>
+        <p14:creationId xmlns:p14="http://schemas.microsoft.com/office/powerpoint/2010/main" val="2848981497"/>
       </p:ext>
     </p:extLst>
   </p:cSld>
@@ -1098,7 +1099,7 @@
           <a:lstStyle/>
           <a:p>
             <a:pPr lvl="0"/>
-            <a:fld id="{AA3723C9-A1CF-4313-B526-19FF1BC83726}" type="slidenum">
+            <a:fld id="{DE04FEB1-96FC-4C40-B4DF-F9780655B527}" type="slidenum">
               <a:t>12</a:t>
             </a:fld>
             <a:endParaRPr lang="en-IN"/>
@@ -1153,7 +1154,7 @@
     </p:spTree>
     <p:extLst>
       <p:ext uri="{BB962C8B-B14F-4D97-AF65-F5344CB8AC3E}">
-        <p14:creationId xmlns:p14="http://schemas.microsoft.com/office/powerpoint/2010/main" val="43585949"/>
+        <p14:creationId xmlns:p14="http://schemas.microsoft.com/office/powerpoint/2010/main" val="1300084926"/>
       </p:ext>
     </p:extLst>
   </p:cSld>
@@ -1255,7 +1256,7 @@
     </p:spTree>
     <p:extLst>
       <p:ext uri="{BB962C8B-B14F-4D97-AF65-F5344CB8AC3E}">
-        <p14:creationId xmlns:p14="http://schemas.microsoft.com/office/powerpoint/2010/main" val="1565660406"/>
+        <p14:creationId xmlns:p14="http://schemas.microsoft.com/office/powerpoint/2010/main" val="43585949"/>
       </p:ext>
     </p:extLst>
   </p:cSld>
@@ -1357,7 +1358,7 @@
     </p:spTree>
     <p:extLst>
       <p:ext uri="{BB962C8B-B14F-4D97-AF65-F5344CB8AC3E}">
-        <p14:creationId xmlns:p14="http://schemas.microsoft.com/office/powerpoint/2010/main" val="3430977650"/>
+        <p14:creationId xmlns:p14="http://schemas.microsoft.com/office/powerpoint/2010/main" val="1565660406"/>
       </p:ext>
     </p:extLst>
   </p:cSld>
@@ -1459,7 +1460,7 @@
     </p:spTree>
     <p:extLst>
       <p:ext uri="{BB962C8B-B14F-4D97-AF65-F5344CB8AC3E}">
-        <p14:creationId xmlns:p14="http://schemas.microsoft.com/office/powerpoint/2010/main" val="43456394"/>
+        <p14:creationId xmlns:p14="http://schemas.microsoft.com/office/powerpoint/2010/main" val="3430977650"/>
       </p:ext>
     </p:extLst>
   </p:cSld>
@@ -1561,7 +1562,7 @@
     </p:spTree>
     <p:extLst>
       <p:ext uri="{BB962C8B-B14F-4D97-AF65-F5344CB8AC3E}">
-        <p14:creationId xmlns:p14="http://schemas.microsoft.com/office/powerpoint/2010/main" val="717162300"/>
+        <p14:creationId xmlns:p14="http://schemas.microsoft.com/office/powerpoint/2010/main" val="43456394"/>
       </p:ext>
     </p:extLst>
   </p:cSld>
@@ -1663,7 +1664,7 @@
     </p:spTree>
     <p:extLst>
       <p:ext uri="{BB962C8B-B14F-4D97-AF65-F5344CB8AC3E}">
-        <p14:creationId xmlns:p14="http://schemas.microsoft.com/office/powerpoint/2010/main" val="1906036423"/>
+        <p14:creationId xmlns:p14="http://schemas.microsoft.com/office/powerpoint/2010/main" val="717162300"/>
       </p:ext>
     </p:extLst>
   </p:cSld>
@@ -1765,7 +1766,7 @@
     </p:spTree>
     <p:extLst>
       <p:ext uri="{BB962C8B-B14F-4D97-AF65-F5344CB8AC3E}">
-        <p14:creationId xmlns:p14="http://schemas.microsoft.com/office/powerpoint/2010/main" val="1434172834"/>
+        <p14:creationId xmlns:p14="http://schemas.microsoft.com/office/powerpoint/2010/main" val="1906036423"/>
       </p:ext>
     </p:extLst>
   </p:cSld>
@@ -1867,7 +1868,7 @@
     </p:spTree>
     <p:extLst>
       <p:ext uri="{BB962C8B-B14F-4D97-AF65-F5344CB8AC3E}">
-        <p14:creationId xmlns:p14="http://schemas.microsoft.com/office/powerpoint/2010/main" val="2855675983"/>
+        <p14:creationId xmlns:p14="http://schemas.microsoft.com/office/powerpoint/2010/main" val="1434172834"/>
       </p:ext>
     </p:extLst>
   </p:cSld>
@@ -1969,7 +1970,7 @@
     </p:spTree>
     <p:extLst>
       <p:ext uri="{BB962C8B-B14F-4D97-AF65-F5344CB8AC3E}">
-        <p14:creationId xmlns:p14="http://schemas.microsoft.com/office/powerpoint/2010/main" val="579926476"/>
+        <p14:creationId xmlns:p14="http://schemas.microsoft.com/office/powerpoint/2010/main" val="1032367165"/>
       </p:ext>
     </p:extLst>
   </p:cSld>
@@ -2071,7 +2072,7 @@
     </p:spTree>
     <p:extLst>
       <p:ext uri="{BB962C8B-B14F-4D97-AF65-F5344CB8AC3E}">
-        <p14:creationId xmlns:p14="http://schemas.microsoft.com/office/powerpoint/2010/main" val="1848530746"/>
+        <p14:creationId xmlns:p14="http://schemas.microsoft.com/office/powerpoint/2010/main" val="2855675983"/>
       </p:ext>
     </p:extLst>
   </p:cSld>
@@ -2120,6 +2121,108 @@
             <a:pPr lvl="0"/>
             <a:fld id="{AA3723C9-A1CF-4313-B526-19FF1BC83726}" type="slidenum">
               <a:t>21</a:t>
+            </a:fld>
+            <a:endParaRPr lang="en-IN"/>
+          </a:p>
+        </p:txBody>
+      </p:sp>
+      <p:sp>
+        <p:nvSpPr>
+          <p:cNvPr id="2" name="Slide Image Placeholder 1"/>
+          <p:cNvSpPr>
+            <a:spLocks noGrp="1" noRot="1" noChangeAspect="1" noResize="1"/>
+          </p:cNvSpPr>
+          <p:nvPr>
+            <p:ph type="sldImg"/>
+          </p:nvPr>
+        </p:nvSpPr>
+        <p:spPr>
+          <a:xfrm>
+            <a:off x="1106488" y="812800"/>
+            <a:ext cx="5345112" cy="4008438"/>
+          </a:xfrm>
+          <a:solidFill>
+            <a:srgbClr val="729FCF"/>
+          </a:solidFill>
+          <a:ln w="25400">
+            <a:solidFill>
+              <a:srgbClr val="3465A4"/>
+            </a:solidFill>
+            <a:prstDash val="solid"/>
+          </a:ln>
+        </p:spPr>
+      </p:sp>
+      <p:sp>
+        <p:nvSpPr>
+          <p:cNvPr id="3" name="Notes Placeholder 2"/>
+          <p:cNvSpPr txBox="1">
+            <a:spLocks noGrp="1"/>
+          </p:cNvSpPr>
+          <p:nvPr>
+            <p:ph type="body" sz="quarter" idx="1"/>
+          </p:nvPr>
+        </p:nvSpPr>
+        <p:spPr/>
+        <p:txBody>
+          <a:bodyPr/>
+          <a:lstStyle/>
+          <a:p>
+            <a:endParaRPr lang="en-IN"/>
+          </a:p>
+        </p:txBody>
+      </p:sp>
+    </p:spTree>
+    <p:extLst>
+      <p:ext uri="{BB962C8B-B14F-4D97-AF65-F5344CB8AC3E}">
+        <p14:creationId xmlns:p14="http://schemas.microsoft.com/office/powerpoint/2010/main" val="1848530746"/>
+      </p:ext>
+    </p:extLst>
+  </p:cSld>
+  <p:clrMapOvr>
+    <a:masterClrMapping/>
+  </p:clrMapOvr>
+</p:notes>
+</file>
+
+<file path=ppt/notesSlides/notesSlide22.xml><?xml version="1.0" encoding="utf-8"?>
+<p:notes xmlns:a="http://schemas.openxmlformats.org/drawingml/2006/main" xmlns:r="http://schemas.openxmlformats.org/officeDocument/2006/relationships" xmlns:p="http://schemas.openxmlformats.org/presentationml/2006/main">
+  <p:cSld>
+    <p:spTree>
+      <p:nvGrpSpPr>
+        <p:cNvPr id="1" name=""/>
+        <p:cNvGrpSpPr/>
+        <p:nvPr/>
+      </p:nvGrpSpPr>
+      <p:grpSpPr>
+        <a:xfrm>
+          <a:off x="0" y="0"/>
+          <a:ext cx="0" cy="0"/>
+          <a:chOff x="0" y="0"/>
+          <a:chExt cx="0" cy="0"/>
+        </a:xfrm>
+      </p:grpSpPr>
+      <p:sp>
+        <p:nvSpPr>
+          <p:cNvPr id="7" name="Slide Number Placeholder 6"/>
+          <p:cNvSpPr txBox="1">
+            <a:spLocks noGrp="1"/>
+          </p:cNvSpPr>
+          <p:nvPr>
+            <p:ph type="sldNum" sz="quarter" idx="5"/>
+          </p:nvPr>
+        </p:nvSpPr>
+        <p:spPr>
+          <a:ln/>
+        </p:spPr>
+        <p:txBody>
+          <a:bodyPr lIns="0" tIns="0" rIns="0" bIns="0" anchor="b" anchorCtr="0">
+            <a:noAutofit/>
+          </a:bodyPr>
+          <a:lstStyle/>
+          <a:p>
+            <a:pPr lvl="0"/>
+            <a:fld id="{AA3723C9-A1CF-4313-B526-19FF1BC83726}" type="slidenum">
+              <a:t>22</a:t>
             </a:fld>
             <a:endParaRPr lang="en-IN"/>
           </a:p>
@@ -2220,7 +2323,7 @@
           <a:lstStyle/>
           <a:p>
             <a:pPr lvl="0"/>
-            <a:fld id="{C546C32A-E0D2-41E3-94D7-52F69F92DC33}" type="slidenum">
+            <a:fld id="{687ED9DE-2274-4C57-97FC-945FD016A51E}" type="slidenum">
               <a:t>3</a:t>
             </a:fld>
             <a:endParaRPr lang="en-IN"/>
@@ -2275,7 +2378,7 @@
     </p:spTree>
     <p:extLst>
       <p:ext uri="{BB962C8B-B14F-4D97-AF65-F5344CB8AC3E}">
-        <p14:creationId xmlns:p14="http://schemas.microsoft.com/office/powerpoint/2010/main" val="3737010134"/>
+        <p14:creationId xmlns:p14="http://schemas.microsoft.com/office/powerpoint/2010/main" val="579926476"/>
       </p:ext>
     </p:extLst>
   </p:cSld>
@@ -2322,7 +2425,7 @@
           <a:lstStyle/>
           <a:p>
             <a:pPr lvl="0"/>
-            <a:fld id="{B520BB4D-0511-4494-A531-3A2E97356E92}" type="slidenum">
+            <a:fld id="{C546C32A-E0D2-41E3-94D7-52F69F92DC33}" type="slidenum">
               <a:t>4</a:t>
             </a:fld>
             <a:endParaRPr lang="en-IN"/>
@@ -2377,7 +2480,7 @@
     </p:spTree>
     <p:extLst>
       <p:ext uri="{BB962C8B-B14F-4D97-AF65-F5344CB8AC3E}">
-        <p14:creationId xmlns:p14="http://schemas.microsoft.com/office/powerpoint/2010/main" val="836270291"/>
+        <p14:creationId xmlns:p14="http://schemas.microsoft.com/office/powerpoint/2010/main" val="3737010134"/>
       </p:ext>
     </p:extLst>
   </p:cSld>
@@ -2424,7 +2527,7 @@
           <a:lstStyle/>
           <a:p>
             <a:pPr lvl="0"/>
-            <a:fld id="{7800A42D-3470-4613-A5C6-1051CB58CF5A}" type="slidenum">
+            <a:fld id="{B520BB4D-0511-4494-A531-3A2E97356E92}" type="slidenum">
               <a:t>5</a:t>
             </a:fld>
             <a:endParaRPr lang="en-IN"/>
@@ -2479,7 +2582,7 @@
     </p:spTree>
     <p:extLst>
       <p:ext uri="{BB962C8B-B14F-4D97-AF65-F5344CB8AC3E}">
-        <p14:creationId xmlns:p14="http://schemas.microsoft.com/office/powerpoint/2010/main" val="2115057919"/>
+        <p14:creationId xmlns:p14="http://schemas.microsoft.com/office/powerpoint/2010/main" val="836270291"/>
       </p:ext>
     </p:extLst>
   </p:cSld>
@@ -2526,7 +2629,7 @@
           <a:lstStyle/>
           <a:p>
             <a:pPr lvl="0"/>
-            <a:fld id="{183B0AE1-1F7E-4A46-B208-CFE75DCB5E70}" type="slidenum">
+            <a:fld id="{7800A42D-3470-4613-A5C6-1051CB58CF5A}" type="slidenum">
               <a:t>6</a:t>
             </a:fld>
             <a:endParaRPr lang="en-IN"/>
@@ -2581,7 +2684,7 @@
     </p:spTree>
     <p:extLst>
       <p:ext uri="{BB962C8B-B14F-4D97-AF65-F5344CB8AC3E}">
-        <p14:creationId xmlns:p14="http://schemas.microsoft.com/office/powerpoint/2010/main" val="1747479964"/>
+        <p14:creationId xmlns:p14="http://schemas.microsoft.com/office/powerpoint/2010/main" val="2115057919"/>
       </p:ext>
     </p:extLst>
   </p:cSld>
@@ -2628,7 +2731,7 @@
           <a:lstStyle/>
           <a:p>
             <a:pPr lvl="0"/>
-            <a:fld id="{B1AC3B5B-08B0-43D1-860E-B482526C4D36}" type="slidenum">
+            <a:fld id="{183B0AE1-1F7E-4A46-B208-CFE75DCB5E70}" type="slidenum">
               <a:t>7</a:t>
             </a:fld>
             <a:endParaRPr lang="en-IN"/>
@@ -2683,7 +2786,7 @@
     </p:spTree>
     <p:extLst>
       <p:ext uri="{BB962C8B-B14F-4D97-AF65-F5344CB8AC3E}">
-        <p14:creationId xmlns:p14="http://schemas.microsoft.com/office/powerpoint/2010/main" val="4086674824"/>
+        <p14:creationId xmlns:p14="http://schemas.microsoft.com/office/powerpoint/2010/main" val="1747479964"/>
       </p:ext>
     </p:extLst>
   </p:cSld>
@@ -2730,7 +2833,7 @@
           <a:lstStyle/>
           <a:p>
             <a:pPr lvl="0"/>
-            <a:fld id="{97CEE63C-9F6B-441F-B335-526601CA2037}" type="slidenum">
+            <a:fld id="{B1AC3B5B-08B0-43D1-860E-B482526C4D36}" type="slidenum">
               <a:t>8</a:t>
             </a:fld>
             <a:endParaRPr lang="en-IN"/>
@@ -2785,7 +2888,7 @@
     </p:spTree>
     <p:extLst>
       <p:ext uri="{BB962C8B-B14F-4D97-AF65-F5344CB8AC3E}">
-        <p14:creationId xmlns:p14="http://schemas.microsoft.com/office/powerpoint/2010/main" val="2639657020"/>
+        <p14:creationId xmlns:p14="http://schemas.microsoft.com/office/powerpoint/2010/main" val="4086674824"/>
       </p:ext>
     </p:extLst>
   </p:cSld>
@@ -2832,7 +2935,7 @@
           <a:lstStyle/>
           <a:p>
             <a:pPr lvl="0"/>
-            <a:fld id="{4D179B8D-E83E-4CEE-B47E-767D3E14BD4B}" type="slidenum">
+            <a:fld id="{97CEE63C-9F6B-441F-B335-526601CA2037}" type="slidenum">
               <a:t>9</a:t>
             </a:fld>
             <a:endParaRPr lang="en-IN"/>
@@ -2887,7 +2990,7 @@
     </p:spTree>
     <p:extLst>
       <p:ext uri="{BB962C8B-B14F-4D97-AF65-F5344CB8AC3E}">
-        <p14:creationId xmlns:p14="http://schemas.microsoft.com/office/powerpoint/2010/main" val="3322824012"/>
+        <p14:creationId xmlns:p14="http://schemas.microsoft.com/office/powerpoint/2010/main" val="2639657020"/>
       </p:ext>
     </p:extLst>
   </p:cSld>
@@ -5827,7 +5930,7 @@
 
 <file path=ppt/slides/slide1.xml><?xml version="1.0" encoding="utf-8"?>
 <p:sld xmlns:a="http://schemas.openxmlformats.org/drawingml/2006/main" xmlns:r="http://schemas.openxmlformats.org/officeDocument/2006/relationships" xmlns:p="http://schemas.openxmlformats.org/presentationml/2006/main">
-  <p:cSld name="page1">
+  <p:cSld>
     <p:spTree>
       <p:nvGrpSpPr>
         <p:cNvPr id="1" name=""/>
@@ -5854,8 +5957,8 @@
         </p:nvSpPr>
         <p:spPr>
           <a:xfrm>
-            <a:off x="216000" y="-609599"/>
-            <a:ext cx="9720000" cy="8169274"/>
+            <a:off x="216000" y="-1"/>
+            <a:ext cx="9720000" cy="7559675"/>
           </a:xfrm>
         </p:spPr>
         <p:txBody>
@@ -5864,432 +5967,364 @@
           <a:p>
             <a:pPr lvl="0" algn="l"/>
             <a:r>
-              <a:rPr lang="en-IN" sz="1800" dirty="0">
-                <a:latin typeface="Ubuntu" pitchFamily="18"/>
-              </a:rPr>
-              <a:t>			</a:t>
-            </a:r>
-            <a:r>
-              <a:rPr lang="en-IN" sz="1800" dirty="0" smtClean="0">
-                <a:latin typeface="Ubuntu" pitchFamily="18"/>
-              </a:rPr>
-              <a:t>	</a:t>
-            </a:r>
-            <a:r>
-              <a:rPr lang="en-IN" sz="2400" dirty="0" smtClean="0">
-                <a:latin typeface="Ubuntu" pitchFamily="18"/>
-              </a:rPr>
-              <a:t>Basics </a:t>
-            </a:r>
-            <a:r>
-              <a:rPr lang="en-IN" sz="2400" dirty="0">
-                <a:latin typeface="Ubuntu" pitchFamily="18"/>
-              </a:rPr>
-              <a:t>commands</a:t>
-            </a:r>
-          </a:p>
-          <a:p>
-            <a:pPr lvl="0" algn="l"/>
-            <a:r>
-              <a:rPr lang="en-IN" sz="1800" dirty="0" err="1" smtClean="0">
-                <a:latin typeface="Ubuntu" pitchFamily="18"/>
-              </a:rPr>
-              <a:t>Docker</a:t>
-            </a:r>
-            <a:r>
-              <a:rPr lang="en-IN" sz="1800" dirty="0" smtClean="0">
-                <a:latin typeface="Ubuntu" pitchFamily="18"/>
-              </a:rPr>
+              <a:rPr lang="en-US" sz="2000" b="1" u="sng" dirty="0" smtClean="0"/>
+              <a:t>Install on centos 7</a:t>
+            </a:r>
+          </a:p>
+          <a:p>
+            <a:pPr lvl="0" algn="l"/>
+            <a:r>
+              <a:rPr lang="en-US" sz="1600" dirty="0" smtClean="0"/>
+              <a:t># </a:t>
+            </a:r>
+            <a:r>
+              <a:rPr lang="en-US" sz="1600" dirty="0"/>
+              <a:t>yum update -y</a:t>
+            </a:r>
+          </a:p>
+          <a:p>
+            <a:pPr lvl="0" algn="l"/>
+            <a:r>
+              <a:rPr lang="en-US" sz="1600" dirty="0" smtClean="0"/>
+              <a:t># </a:t>
+            </a:r>
+            <a:r>
+              <a:rPr lang="en-US" sz="1600" dirty="0" err="1" smtClean="0"/>
+              <a:t>sudo</a:t>
+            </a:r>
+            <a:r>
+              <a:rPr lang="en-US" sz="1600" dirty="0" smtClean="0"/>
               <a:t> </a:t>
             </a:r>
             <a:r>
-              <a:rPr lang="en-IN" sz="1800" dirty="0">
-                <a:latin typeface="Ubuntu" pitchFamily="18"/>
-              </a:rPr>
-              <a:t>images 			=&gt; to see all images</a:t>
-            </a:r>
-          </a:p>
-          <a:p>
-            <a:pPr lvl="0" algn="l"/>
-            <a:r>
-              <a:rPr lang="en-IN" sz="1800" dirty="0" err="1">
-                <a:latin typeface="Ubuntu" pitchFamily="18"/>
-              </a:rPr>
-              <a:t>Docker</a:t>
-            </a:r>
-            <a:r>
-              <a:rPr lang="en-IN" sz="1800" dirty="0">
-                <a:latin typeface="Ubuntu" pitchFamily="18"/>
-              </a:rPr>
-              <a:t> pull </a:t>
-            </a:r>
-            <a:r>
-              <a:rPr lang="en-IN" sz="1800" dirty="0" err="1" smtClean="0">
-                <a:latin typeface="Ubuntu" pitchFamily="18"/>
-              </a:rPr>
-              <a:t>image_name</a:t>
-            </a:r>
-            <a:r>
-              <a:rPr lang="en-IN" sz="1800" dirty="0">
-                <a:latin typeface="Ubuntu" pitchFamily="18"/>
-              </a:rPr>
-              <a:t>		=&gt; to get images from online repos</a:t>
-            </a:r>
-          </a:p>
-          <a:p>
-            <a:pPr lvl="0" algn="l"/>
-            <a:r>
-              <a:rPr lang="en-IN" sz="1800" dirty="0" err="1">
-                <a:latin typeface="Ubuntu" pitchFamily="18"/>
-              </a:rPr>
-              <a:t>Docker</a:t>
-            </a:r>
-            <a:r>
-              <a:rPr lang="en-IN" sz="1800" dirty="0">
-                <a:latin typeface="Ubuntu" pitchFamily="18"/>
-              </a:rPr>
-              <a:t> search 			=&gt; to search </a:t>
-            </a:r>
-            <a:r>
-              <a:rPr lang="en-IN" sz="1800" dirty="0" err="1">
-                <a:latin typeface="Ubuntu" pitchFamily="18"/>
-              </a:rPr>
+              <a:rPr lang="en-US" sz="1600" dirty="0"/>
+              <a:t>yum-</a:t>
+            </a:r>
+            <a:r>
+              <a:rPr lang="en-US" sz="1600" dirty="0" err="1"/>
+              <a:t>config</a:t>
+            </a:r>
+            <a:r>
+              <a:rPr lang="en-US" sz="1600" dirty="0"/>
+              <a:t>-manager     --add-repo     https://download.docker.com/linux/centos/docker-ce.repo</a:t>
+            </a:r>
+          </a:p>
+          <a:p>
+            <a:pPr lvl="0" algn="l"/>
+            <a:r>
+              <a:rPr lang="en-US" sz="1600" dirty="0" smtClean="0"/>
+              <a:t># </a:t>
+            </a:r>
+            <a:r>
+              <a:rPr lang="en-US" sz="1600" dirty="0" err="1" smtClean="0"/>
+              <a:t>sudo</a:t>
+            </a:r>
+            <a:r>
+              <a:rPr lang="en-US" sz="1600" dirty="0" smtClean="0"/>
+              <a:t> </a:t>
+            </a:r>
+            <a:r>
+              <a:rPr lang="en-US" sz="1600" dirty="0"/>
+              <a:t>yum-</a:t>
+            </a:r>
+            <a:r>
+              <a:rPr lang="en-US" sz="1600" dirty="0" err="1"/>
+              <a:t>config</a:t>
+            </a:r>
+            <a:r>
+              <a:rPr lang="en-US" sz="1600" dirty="0"/>
+              <a:t>-manager --enable </a:t>
+            </a:r>
+            <a:r>
+              <a:rPr lang="en-US" sz="1600" dirty="0" err="1"/>
               <a:t>docker</a:t>
             </a:r>
             <a:r>
-              <a:rPr lang="en-IN" sz="1800" dirty="0">
-                <a:latin typeface="Ubuntu" pitchFamily="18"/>
-              </a:rPr>
-              <a:t> image from online repos</a:t>
-            </a:r>
-          </a:p>
-          <a:p>
-            <a:pPr lvl="0" algn="l"/>
-            <a:r>
-              <a:rPr lang="en-IN" sz="1800" dirty="0" err="1">
-                <a:latin typeface="Ubuntu" pitchFamily="18"/>
-              </a:rPr>
-              <a:t>Docker</a:t>
-            </a:r>
-            <a:r>
-              <a:rPr lang="en-IN" sz="1800" dirty="0">
-                <a:latin typeface="Ubuntu" pitchFamily="18"/>
-              </a:rPr>
-              <a:t> stop			=&gt; to stop running container</a:t>
-            </a:r>
-          </a:p>
-          <a:p>
-            <a:pPr lvl="0" algn="l"/>
-            <a:r>
-              <a:rPr lang="en-IN" sz="1800" dirty="0" err="1">
-                <a:latin typeface="Ubuntu" pitchFamily="18"/>
-              </a:rPr>
-              <a:t>Docker</a:t>
-            </a:r>
-            <a:r>
-              <a:rPr lang="en-IN" sz="1800" dirty="0">
-                <a:latin typeface="Ubuntu" pitchFamily="18"/>
-              </a:rPr>
-              <a:t> start			=&gt; to start </a:t>
-            </a:r>
-            <a:r>
-              <a:rPr lang="en-IN" sz="1800" dirty="0" err="1">
-                <a:latin typeface="Ubuntu" pitchFamily="18"/>
-              </a:rPr>
-              <a:t>stoped</a:t>
-            </a:r>
-            <a:r>
-              <a:rPr lang="en-IN" sz="1800" dirty="0">
-                <a:latin typeface="Ubuntu" pitchFamily="18"/>
-              </a:rPr>
-              <a:t> container</a:t>
-            </a:r>
-          </a:p>
-          <a:p>
-            <a:pPr lvl="0" algn="l"/>
-            <a:r>
-              <a:rPr lang="en-IN" sz="1800" dirty="0" err="1">
-                <a:latin typeface="Ubuntu" pitchFamily="18"/>
-              </a:rPr>
-              <a:t>Docker</a:t>
-            </a:r>
-            <a:r>
-              <a:rPr lang="en-IN" sz="1800" dirty="0">
-                <a:latin typeface="Ubuntu" pitchFamily="18"/>
-              </a:rPr>
-              <a:t> attach			=&gt; to attach and get shell of running </a:t>
-            </a:r>
-            <a:r>
-              <a:rPr lang="en-IN" sz="1800" dirty="0" smtClean="0">
-                <a:latin typeface="Ubuntu" pitchFamily="18"/>
-              </a:rPr>
-              <a:t>container</a:t>
-            </a:r>
-            <a:r>
-              <a:rPr lang="en-IN" sz="1800" dirty="0">
-                <a:latin typeface="Ubuntu" pitchFamily="18"/>
-              </a:rPr>
-              <a:t>.</a:t>
-            </a:r>
-          </a:p>
-          <a:p>
-            <a:pPr lvl="0" algn="l"/>
-            <a:r>
-              <a:rPr lang="en-IN" sz="1800" dirty="0" err="1">
-                <a:latin typeface="Ubuntu" pitchFamily="18"/>
-              </a:rPr>
-              <a:t>Docker</a:t>
-            </a:r>
-            <a:r>
-              <a:rPr lang="en-IN" sz="1800" dirty="0">
-                <a:latin typeface="Ubuntu" pitchFamily="18"/>
-              </a:rPr>
+              <a:rPr lang="en-US" sz="1600" dirty="0"/>
+              <a:t>-</a:t>
+            </a:r>
+            <a:r>
+              <a:rPr lang="en-US" sz="1600" dirty="0" err="1"/>
+              <a:t>ce</a:t>
+            </a:r>
+            <a:r>
+              <a:rPr lang="en-US" sz="1600" dirty="0"/>
+              <a:t>-edge</a:t>
+            </a:r>
+          </a:p>
+          <a:p>
+            <a:pPr lvl="0" algn="l"/>
+            <a:r>
+              <a:rPr lang="en-IN" sz="1600" dirty="0" smtClean="0"/>
+              <a:t># yum </a:t>
+            </a:r>
+            <a:r>
+              <a:rPr lang="en-IN" sz="1600" dirty="0"/>
+              <a:t>install </a:t>
+            </a:r>
+            <a:r>
+              <a:rPr lang="en-IN" sz="1600" dirty="0" err="1"/>
+              <a:t>docker-ce</a:t>
+            </a:r>
+            <a:endParaRPr lang="en-IN" sz="1600" dirty="0"/>
+          </a:p>
+          <a:p>
+            <a:pPr lvl="0" algn="l"/>
+            <a:r>
+              <a:rPr lang="en-IN" sz="1600" dirty="0" smtClean="0"/>
+              <a:t># service </a:t>
+            </a:r>
+            <a:r>
+              <a:rPr lang="en-IN" sz="1600" dirty="0" err="1"/>
+              <a:t>docker</a:t>
+            </a:r>
+            <a:r>
+              <a:rPr lang="en-IN" sz="1600" dirty="0"/>
               <a:t> </a:t>
             </a:r>
             <a:r>
-              <a:rPr lang="en-IN" sz="1800" dirty="0" err="1">
-                <a:latin typeface="Ubuntu" pitchFamily="18"/>
-              </a:rPr>
-              <a:t>rm</a:t>
-            </a:r>
-            <a:r>
-              <a:rPr lang="en-IN" sz="1800" dirty="0">
-                <a:latin typeface="Ubuntu" pitchFamily="18"/>
-              </a:rPr>
-              <a:t> 			</a:t>
-            </a:r>
-            <a:r>
-              <a:rPr lang="en-IN" sz="1800" dirty="0" smtClean="0">
-                <a:latin typeface="Ubuntu" pitchFamily="18"/>
-              </a:rPr>
-              <a:t>=&gt; </a:t>
-            </a:r>
-            <a:r>
-              <a:rPr lang="en-IN" sz="1800" dirty="0">
-                <a:latin typeface="Ubuntu" pitchFamily="18"/>
-              </a:rPr>
-              <a:t>remove containers</a:t>
-            </a:r>
-          </a:p>
-          <a:p>
-            <a:pPr lvl="0" algn="l"/>
-            <a:r>
-              <a:rPr lang="en-IN" sz="1800" dirty="0" err="1">
-                <a:latin typeface="Ubuntu" pitchFamily="18"/>
-              </a:rPr>
-              <a:t>Docker</a:t>
-            </a:r>
-            <a:r>
-              <a:rPr lang="en-IN" sz="1800" dirty="0">
-                <a:latin typeface="Ubuntu" pitchFamily="18"/>
-              </a:rPr>
+              <a:rPr lang="en-IN" sz="1600" dirty="0" err="1"/>
+              <a:t>statsi</a:t>
+            </a:r>
+            <a:endParaRPr lang="en-IN" sz="1600" dirty="0"/>
+          </a:p>
+          <a:p>
+            <a:pPr lvl="0" algn="l"/>
+            <a:r>
+              <a:rPr lang="en-IN" sz="1600" dirty="0" smtClean="0"/>
+              <a:t># service </a:t>
+            </a:r>
+            <a:r>
+              <a:rPr lang="en-IN" sz="1600" dirty="0" err="1"/>
+              <a:t>docker</a:t>
+            </a:r>
+            <a:r>
+              <a:rPr lang="en-IN" sz="1600" dirty="0"/>
+              <a:t> status</a:t>
+            </a:r>
+          </a:p>
+          <a:p>
+            <a:pPr lvl="0" algn="l"/>
+            <a:r>
+              <a:rPr lang="en-IN" sz="1600" dirty="0" smtClean="0"/>
+              <a:t># service </a:t>
+            </a:r>
+            <a:r>
+              <a:rPr lang="en-IN" sz="1600" dirty="0" err="1"/>
+              <a:t>docker</a:t>
+            </a:r>
+            <a:r>
+              <a:rPr lang="en-IN" sz="1600" dirty="0"/>
+              <a:t> restart</a:t>
+            </a:r>
+          </a:p>
+          <a:p>
+            <a:pPr lvl="0" algn="l"/>
+            <a:r>
+              <a:rPr lang="en-IN" sz="1600" dirty="0" smtClean="0"/>
+              <a:t># </a:t>
+            </a:r>
+            <a:r>
+              <a:rPr lang="en-IN" sz="1600" dirty="0" err="1" smtClean="0"/>
+              <a:t>chkconfigdocker</a:t>
+            </a:r>
+            <a:r>
+              <a:rPr lang="en-IN" sz="1600" dirty="0" smtClean="0"/>
               <a:t> </a:t>
             </a:r>
             <a:r>
-              <a:rPr lang="en-IN" sz="1800" dirty="0" err="1">
-                <a:latin typeface="Ubuntu" pitchFamily="18"/>
-              </a:rPr>
-              <a:t>rmi</a:t>
-            </a:r>
-            <a:r>
-              <a:rPr lang="en-IN" sz="1800" dirty="0">
-                <a:latin typeface="Ubuntu" pitchFamily="18"/>
-              </a:rPr>
-              <a:t> 			</a:t>
-            </a:r>
-            <a:r>
-              <a:rPr lang="en-IN" sz="1800" dirty="0" smtClean="0">
-                <a:latin typeface="Ubuntu" pitchFamily="18"/>
-              </a:rPr>
-              <a:t>=&gt; </a:t>
-            </a:r>
-            <a:r>
-              <a:rPr lang="en-IN" sz="1800" dirty="0">
-                <a:latin typeface="Ubuntu" pitchFamily="18"/>
-              </a:rPr>
-              <a:t>remove images</a:t>
-            </a:r>
-          </a:p>
-          <a:p>
-            <a:pPr lvl="0" algn="l"/>
-            <a:r>
-              <a:rPr lang="en-IN" sz="1800" dirty="0" err="1" smtClean="0">
-                <a:latin typeface="Ubuntu" pitchFamily="18"/>
-              </a:rPr>
-              <a:t>Docker</a:t>
-            </a:r>
-            <a:r>
-              <a:rPr lang="en-IN" sz="1800" dirty="0" smtClean="0">
-                <a:latin typeface="Ubuntu" pitchFamily="18"/>
-              </a:rPr>
-              <a:t> rename			=&gt; rename a container</a:t>
-            </a:r>
-          </a:p>
-          <a:p>
-            <a:pPr lvl="0" algn="l"/>
-            <a:r>
-              <a:rPr lang="en-IN" sz="1800" dirty="0" err="1" smtClean="0">
-                <a:latin typeface="Ubuntu" pitchFamily="18"/>
-              </a:rPr>
-              <a:t>Docker</a:t>
-            </a:r>
-            <a:r>
-              <a:rPr lang="en-IN" sz="1800" dirty="0" smtClean="0">
-                <a:latin typeface="Ubuntu" pitchFamily="18"/>
-              </a:rPr>
-              <a:t> build			=&gt; build </a:t>
-            </a:r>
-            <a:r>
-              <a:rPr lang="en-IN" sz="1800" dirty="0" err="1" smtClean="0">
-                <a:latin typeface="Ubuntu" pitchFamily="18"/>
-              </a:rPr>
-              <a:t>custome</a:t>
-            </a:r>
-            <a:r>
-              <a:rPr lang="en-IN" sz="1800" dirty="0" smtClean="0">
-                <a:latin typeface="Ubuntu" pitchFamily="18"/>
-              </a:rPr>
+              <a:rPr lang="en-IN" sz="1600" dirty="0"/>
+              <a:t>on</a:t>
+            </a:r>
+          </a:p>
+          <a:p>
+            <a:pPr lvl="0" algn="l"/>
+            <a:r>
+              <a:rPr lang="en-IN" sz="1600" dirty="0" smtClean="0"/>
+              <a:t># </a:t>
+            </a:r>
+            <a:r>
+              <a:rPr lang="en-IN" sz="1600" dirty="0" err="1" smtClean="0"/>
+              <a:t>chkconfig</a:t>
+            </a:r>
+            <a:r>
+              <a:rPr lang="en-IN" sz="1600" dirty="0" smtClean="0"/>
               <a:t> </a:t>
             </a:r>
             <a:r>
-              <a:rPr lang="en-IN" sz="1800" dirty="0" err="1" smtClean="0">
-                <a:latin typeface="Ubuntu" pitchFamily="18"/>
-              </a:rPr>
+              <a:rPr lang="en-IN" sz="1600" dirty="0" err="1"/>
               <a:t>docker</a:t>
             </a:r>
             <a:r>
-              <a:rPr lang="en-IN" sz="1800" dirty="0" smtClean="0">
-                <a:latin typeface="Ubuntu" pitchFamily="18"/>
-              </a:rPr>
-              <a:t> images using </a:t>
-            </a:r>
-            <a:r>
-              <a:rPr lang="en-IN" sz="1800" dirty="0" err="1" smtClean="0">
-                <a:latin typeface="Ubuntu" pitchFamily="18"/>
-              </a:rPr>
-              <a:t>Dockerfile</a:t>
-            </a:r>
-            <a:endParaRPr lang="en-IN" sz="1800" dirty="0">
-              <a:latin typeface="Ubuntu" pitchFamily="18"/>
-            </a:endParaRPr>
-          </a:p>
-          <a:p>
-            <a:pPr lvl="0" algn="l"/>
-            <a:r>
-              <a:rPr lang="en-IN" sz="1800" dirty="0" err="1" smtClean="0">
-                <a:latin typeface="Ubuntu" pitchFamily="18"/>
-              </a:rPr>
-              <a:t>Docker</a:t>
-            </a:r>
-            <a:r>
-              <a:rPr lang="en-IN" sz="1800" dirty="0" smtClean="0">
-                <a:latin typeface="Ubuntu" pitchFamily="18"/>
-              </a:rPr>
-              <a:t> commit			=&gt; </a:t>
-            </a:r>
-            <a:r>
-              <a:rPr lang="en-US" sz="1800" dirty="0" smtClean="0">
-                <a:latin typeface="Ubuntu" pitchFamily="18"/>
-              </a:rPr>
-              <a:t>Create a new image from a container's changes</a:t>
-            </a:r>
-          </a:p>
-          <a:p>
-            <a:pPr lvl="0" algn="l"/>
-            <a:r>
-              <a:rPr lang="en-US" sz="1800" dirty="0" err="1" smtClean="0">
-                <a:latin typeface="Ubuntu" pitchFamily="18"/>
-              </a:rPr>
-              <a:t>Docker</a:t>
-            </a:r>
-            <a:r>
-              <a:rPr lang="en-US" sz="1800" dirty="0" smtClean="0">
-                <a:latin typeface="Ubuntu" pitchFamily="18"/>
-              </a:rPr>
+              <a:rPr lang="en-IN" sz="1600" dirty="0"/>
+              <a:t> on</a:t>
+            </a:r>
+          </a:p>
+          <a:p>
+            <a:pPr lvl="0" algn="l"/>
+            <a:r>
+              <a:rPr lang="en-IN" sz="1600" dirty="0" smtClean="0"/>
+              <a:t># service </a:t>
+            </a:r>
+            <a:r>
+              <a:rPr lang="en-IN" sz="1600" dirty="0" err="1"/>
+              <a:t>docker</a:t>
+            </a:r>
+            <a:r>
+              <a:rPr lang="en-IN" sz="1600" dirty="0"/>
               <a:t> </a:t>
             </a:r>
             <a:r>
-              <a:rPr lang="en-US" sz="1800" dirty="0" err="1" smtClean="0">
-                <a:latin typeface="Ubuntu" pitchFamily="18"/>
-              </a:rPr>
-              <a:t>cp</a:t>
-            </a:r>
-            <a:r>
-              <a:rPr lang="en-US" sz="1800" dirty="0" smtClean="0">
-                <a:latin typeface="Ubuntu" pitchFamily="18"/>
-              </a:rPr>
-              <a:t>			=&gt;Copy files/folders from a container's </a:t>
-            </a:r>
-            <a:r>
-              <a:rPr lang="en-US" sz="1800" dirty="0" err="1" smtClean="0">
-                <a:latin typeface="Ubuntu" pitchFamily="18"/>
-              </a:rPr>
-              <a:t>filesystem</a:t>
-            </a:r>
-            <a:r>
-              <a:rPr lang="en-US" sz="1800" dirty="0" smtClean="0">
-                <a:latin typeface="Ubuntu" pitchFamily="18"/>
-              </a:rPr>
-              <a:t> to the host path</a:t>
-            </a:r>
-          </a:p>
-          <a:p>
-            <a:pPr lvl="0" algn="l"/>
-            <a:r>
-              <a:rPr lang="en-IN" sz="1800" dirty="0" err="1" smtClean="0">
-                <a:latin typeface="Ubuntu" pitchFamily="18"/>
-              </a:rPr>
-              <a:t>Docker</a:t>
-            </a:r>
-            <a:r>
-              <a:rPr lang="en-IN" sz="1800" dirty="0" smtClean="0">
-                <a:latin typeface="Ubuntu" pitchFamily="18"/>
-              </a:rPr>
-              <a:t> diff			=&gt; to see difference from base image to container or see changes 				      made in container.</a:t>
-            </a:r>
-          </a:p>
-          <a:p>
-            <a:pPr lvl="0" algn="l"/>
-            <a:r>
-              <a:rPr lang="en-IN" sz="1800" dirty="0" err="1" smtClean="0">
-                <a:latin typeface="Ubuntu" pitchFamily="18"/>
-              </a:rPr>
-              <a:t>Docker</a:t>
-            </a:r>
-            <a:r>
-              <a:rPr lang="en-IN" sz="1800" dirty="0" smtClean="0">
-                <a:latin typeface="Ubuntu" pitchFamily="18"/>
-              </a:rPr>
-              <a:t> exec			=&gt; execute command inside container</a:t>
-            </a:r>
-          </a:p>
-          <a:p>
-            <a:pPr lvl="0" algn="l"/>
-            <a:r>
-              <a:rPr lang="en-IN" sz="1800" dirty="0" err="1" smtClean="0">
-                <a:latin typeface="Ubuntu" pitchFamily="18"/>
-              </a:rPr>
-              <a:t>Docker</a:t>
-            </a:r>
-            <a:r>
-              <a:rPr lang="en-IN" sz="1800" dirty="0" smtClean="0">
-                <a:latin typeface="Ubuntu" pitchFamily="18"/>
-              </a:rPr>
-              <a:t> inspect			=&gt; to </a:t>
-            </a:r>
-            <a:r>
-              <a:rPr lang="en-US" sz="1800" dirty="0">
-                <a:latin typeface="Ubuntu" pitchFamily="18"/>
-              </a:rPr>
-              <a:t>Return low-level information on a container or image</a:t>
-            </a:r>
-            <a:endParaRPr lang="en-IN" sz="1800" dirty="0">
-              <a:latin typeface="Ubuntu" pitchFamily="18"/>
-            </a:endParaRPr>
+              <a:rPr lang="en-IN" sz="1600" dirty="0" smtClean="0"/>
+              <a:t>status</a:t>
+            </a:r>
+          </a:p>
+          <a:p>
+            <a:pPr lvl="0" algn="l"/>
+            <a:r>
+              <a:rPr lang="en-IN" sz="1600" b="1" u="sng" dirty="0" smtClean="0"/>
+              <a:t>INSTALL DOCKER-COMPOSE ON CENTOS 7</a:t>
+            </a:r>
+            <a:endParaRPr lang="en-IN" sz="1600" b="1" u="sng" dirty="0"/>
+          </a:p>
+          <a:p>
+            <a:pPr lvl="0" algn="l"/>
+            <a:r>
+              <a:rPr lang="en-IN" sz="1600" dirty="0" smtClean="0"/>
+              <a:t># </a:t>
+            </a:r>
+            <a:r>
+              <a:rPr lang="en-IN" sz="1600" dirty="0" err="1" smtClean="0"/>
+              <a:t>docker</a:t>
+            </a:r>
+            <a:r>
+              <a:rPr lang="en-IN" sz="1600" dirty="0" smtClean="0"/>
+              <a:t>-compose</a:t>
+            </a:r>
+            <a:endParaRPr lang="en-IN" sz="1600" dirty="0"/>
+          </a:p>
+          <a:p>
+            <a:pPr lvl="0" algn="l"/>
+            <a:r>
+              <a:rPr lang="en-IN" sz="1600" dirty="0" smtClean="0"/>
+              <a:t># curl </a:t>
+            </a:r>
+            <a:r>
+              <a:rPr lang="en-IN" sz="1600" dirty="0"/>
+              <a:t>-L "https://github.com/</a:t>
+            </a:r>
+            <a:r>
+              <a:rPr lang="en-IN" sz="1600" dirty="0" err="1"/>
+              <a:t>docker</a:t>
+            </a:r>
+            <a:r>
+              <a:rPr lang="en-IN" sz="1600" dirty="0"/>
+              <a:t>/compose/releases/download/1.11.2/</a:t>
+            </a:r>
+            <a:r>
+              <a:rPr lang="en-IN" sz="1600" dirty="0" err="1"/>
+              <a:t>docker</a:t>
+            </a:r>
+            <a:r>
+              <a:rPr lang="en-IN" sz="1600" dirty="0"/>
+              <a:t>-compose-$(</a:t>
+            </a:r>
+            <a:r>
+              <a:rPr lang="en-IN" sz="1600" dirty="0" err="1"/>
+              <a:t>uname</a:t>
+            </a:r>
+            <a:r>
+              <a:rPr lang="en-IN" sz="1600" dirty="0"/>
+              <a:t> -s)-$(</a:t>
+            </a:r>
+            <a:r>
+              <a:rPr lang="en-IN" sz="1600" dirty="0" err="1"/>
+              <a:t>uname</a:t>
+            </a:r>
+            <a:r>
+              <a:rPr lang="en-IN" sz="1600" dirty="0"/>
+              <a:t> -m)" -o /</a:t>
+            </a:r>
+            <a:r>
+              <a:rPr lang="en-IN" sz="1600" dirty="0" err="1"/>
+              <a:t>usr</a:t>
+            </a:r>
+            <a:r>
+              <a:rPr lang="en-IN" sz="1600" dirty="0"/>
+              <a:t>/local/bin/</a:t>
+            </a:r>
+            <a:r>
+              <a:rPr lang="en-IN" sz="1600" dirty="0" err="1"/>
+              <a:t>docker</a:t>
+            </a:r>
+            <a:r>
+              <a:rPr lang="en-IN" sz="1600" dirty="0"/>
+              <a:t>-compose</a:t>
+            </a:r>
+          </a:p>
+          <a:p>
+            <a:pPr lvl="0" algn="l"/>
+            <a:r>
+              <a:rPr lang="en-IN" sz="1600" dirty="0" smtClean="0"/>
+              <a:t># </a:t>
+            </a:r>
+            <a:r>
+              <a:rPr lang="en-IN" sz="1600" dirty="0" err="1" smtClean="0"/>
+              <a:t>chmod</a:t>
+            </a:r>
+            <a:r>
+              <a:rPr lang="en-IN" sz="1600" dirty="0" smtClean="0"/>
+              <a:t> </a:t>
+            </a:r>
+            <a:r>
+              <a:rPr lang="en-IN" sz="1600" dirty="0"/>
+              <a:t>+x /</a:t>
+            </a:r>
+            <a:r>
+              <a:rPr lang="en-IN" sz="1600" dirty="0" err="1"/>
+              <a:t>usr</a:t>
+            </a:r>
+            <a:r>
+              <a:rPr lang="en-IN" sz="1600" dirty="0"/>
+              <a:t>/local/bin/</a:t>
+            </a:r>
+            <a:r>
+              <a:rPr lang="en-IN" sz="1600" dirty="0" err="1"/>
+              <a:t>docker</a:t>
+            </a:r>
+            <a:r>
+              <a:rPr lang="en-IN" sz="1600" dirty="0"/>
+              <a:t>-compose</a:t>
+            </a:r>
+          </a:p>
+          <a:p>
+            <a:pPr lvl="0" algn="l"/>
+            <a:r>
+              <a:rPr lang="en-IN" sz="1600" dirty="0" smtClean="0"/>
+              <a:t># </a:t>
+            </a:r>
+            <a:r>
+              <a:rPr lang="en-IN" sz="1600" dirty="0" err="1" smtClean="0"/>
+              <a:t>docker</a:t>
+            </a:r>
+            <a:r>
+              <a:rPr lang="en-IN" sz="1600" dirty="0" smtClean="0"/>
+              <a:t>-compose </a:t>
+            </a:r>
+            <a:r>
+              <a:rPr lang="en-IN" sz="1600" dirty="0"/>
+              <a:t>--version</a:t>
+            </a:r>
+            <a:endParaRPr lang="en-IN" sz="1600" dirty="0"/>
           </a:p>
         </p:txBody>
       </p:sp>
     </p:spTree>
+    <p:extLst>
+      <p:ext uri="{BB962C8B-B14F-4D97-AF65-F5344CB8AC3E}">
+        <p14:creationId xmlns:p14="http://schemas.microsoft.com/office/powerpoint/2010/main" val="2965449310"/>
+      </p:ext>
+    </p:extLst>
   </p:cSld>
   <p:clrMapOvr>
     <a:masterClrMapping/>
@@ -6307,7 +6342,7 @@
 
 <file path=ppt/slides/slide10.xml><?xml version="1.0" encoding="utf-8"?>
 <p:sld xmlns:a="http://schemas.openxmlformats.org/drawingml/2006/main" xmlns:r="http://schemas.openxmlformats.org/officeDocument/2006/relationships" xmlns:p="http://schemas.openxmlformats.org/presentationml/2006/main">
-  <p:cSld name="page9">
+  <p:cSld name="page8">
     <p:spTree>
       <p:nvGrpSpPr>
         <p:cNvPr id="1" name=""/>
@@ -6334,20 +6369,155 @@
         </p:nvSpPr>
         <p:spPr>
           <a:xfrm>
-            <a:off x="216000" y="301320"/>
-            <a:ext cx="9720000" cy="5852160"/>
+            <a:off x="0" y="1"/>
+            <a:ext cx="9936000" cy="7559674"/>
           </a:xfrm>
         </p:spPr>
         <p:txBody>
           <a:bodyPr anchor="ctr"/>
           <a:lstStyle/>
           <a:p>
-            <a:pPr lvl="0" algn="ctr"/>
-            <a:r>
-              <a:rPr lang="en-IN" sz="2200">
-                <a:latin typeface="Ubuntu" pitchFamily="18"/>
-              </a:rPr>
-              <a:t>Dockersfile</a:t>
+            <a:pPr lvl="0" algn="l"/>
+            <a:r>
+              <a:rPr lang="en-IN" sz="2000" dirty="0">
+                <a:latin typeface="Ubuntu" pitchFamily="18"/>
+              </a:rPr>
+              <a:t>DIFF BETWEEN </a:t>
+            </a:r>
+            <a:r>
+              <a:rPr lang="en-IN" sz="2000" dirty="0" smtClean="0">
+                <a:latin typeface="Ubuntu" pitchFamily="18"/>
+              </a:rPr>
+              <a:t>EXPOSE and  </a:t>
+            </a:r>
+            <a:r>
+              <a:rPr lang="en-IN" sz="2000" dirty="0">
+                <a:latin typeface="Ubuntu" pitchFamily="18"/>
+              </a:rPr>
+              <a:t>P</a:t>
+            </a:r>
+          </a:p>
+          <a:p>
+            <a:pPr lvl="0" algn="l"/>
+            <a:r>
+              <a:rPr lang="en-IN" sz="2000" dirty="0">
+                <a:latin typeface="Ubuntu" pitchFamily="18"/>
+              </a:rPr>
+              <a:t>Basically, you have three options:</a:t>
+            </a:r>
+          </a:p>
+          <a:p>
+            <a:pPr lvl="0" algn="l"/>
+            <a:endParaRPr lang="en-IN" sz="2000" dirty="0">
+              <a:latin typeface="Ubuntu" pitchFamily="18"/>
+            </a:endParaRPr>
+          </a:p>
+          <a:p>
+            <a:pPr lvl="0" algn="l"/>
+            <a:r>
+              <a:rPr lang="en-IN" sz="2000" dirty="0">
+                <a:latin typeface="Ubuntu" pitchFamily="18"/>
+              </a:rPr>
+              <a:t>    Neither specify EXPOSE nor -p.</a:t>
+            </a:r>
+          </a:p>
+          <a:p>
+            <a:pPr lvl="0" algn="l"/>
+            <a:r>
+              <a:rPr lang="en-IN" sz="2000" dirty="0">
+                <a:latin typeface="Ubuntu" pitchFamily="18"/>
+              </a:rPr>
+              <a:t>    Only specify EXPOSE.</a:t>
+            </a:r>
+          </a:p>
+          <a:p>
+            <a:pPr lvl="0" algn="l"/>
+            <a:r>
+              <a:rPr lang="en-IN" sz="2000" dirty="0">
+                <a:latin typeface="Ubuntu" pitchFamily="18"/>
+              </a:rPr>
+              <a:t>    Specify EXPOSE and -p.</a:t>
+            </a:r>
+          </a:p>
+          <a:p>
+            <a:pPr lvl="0" algn="l"/>
+            <a:endParaRPr lang="en-IN" sz="2000" dirty="0">
+              <a:latin typeface="Ubuntu" pitchFamily="18"/>
+            </a:endParaRPr>
+          </a:p>
+          <a:p>
+            <a:pPr lvl="0" algn="l"/>
+            <a:r>
+              <a:rPr lang="en-IN" sz="2000" dirty="0">
+                <a:latin typeface="Ubuntu" pitchFamily="18"/>
+              </a:rPr>
+              <a:t>If you do not specify any of those, the service in the container will not be accessible from anywhere except from inside the container itself.</a:t>
+            </a:r>
+          </a:p>
+          <a:p>
+            <a:pPr lvl="0" algn="l"/>
+            <a:endParaRPr lang="en-IN" sz="2000" dirty="0">
+              <a:latin typeface="Ubuntu" pitchFamily="18"/>
+            </a:endParaRPr>
+          </a:p>
+          <a:p>
+            <a:pPr lvl="0" algn="l"/>
+            <a:r>
+              <a:rPr lang="en-IN" sz="2000" dirty="0">
+                <a:latin typeface="Ubuntu" pitchFamily="18"/>
+              </a:rPr>
+              <a:t>If you EXPOSE a port, the service in the container is not accessible from outside </a:t>
+            </a:r>
+            <a:r>
+              <a:rPr lang="en-IN" sz="2000" dirty="0" err="1">
+                <a:latin typeface="Ubuntu" pitchFamily="18"/>
+              </a:rPr>
+              <a:t>Docker</a:t>
+            </a:r>
+            <a:r>
+              <a:rPr lang="en-IN" sz="2000" dirty="0">
+                <a:latin typeface="Ubuntu" pitchFamily="18"/>
+              </a:rPr>
+              <a:t>, but from inside other </a:t>
+            </a:r>
+            <a:r>
+              <a:rPr lang="en-IN" sz="2000" dirty="0" err="1">
+                <a:latin typeface="Ubuntu" pitchFamily="18"/>
+              </a:rPr>
+              <a:t>Docker</a:t>
+            </a:r>
+            <a:r>
+              <a:rPr lang="en-IN" sz="2000" dirty="0">
+                <a:latin typeface="Ubuntu" pitchFamily="18"/>
+              </a:rPr>
+              <a:t> containers. So this is good for inter-container communication.</a:t>
+            </a:r>
+          </a:p>
+          <a:p>
+            <a:pPr lvl="0" algn="l"/>
+            <a:endParaRPr lang="en-IN" sz="2000" dirty="0">
+              <a:latin typeface="Ubuntu" pitchFamily="18"/>
+            </a:endParaRPr>
+          </a:p>
+          <a:p>
+            <a:pPr lvl="0" algn="l"/>
+            <a:r>
+              <a:rPr lang="en-IN" sz="2000" dirty="0">
+                <a:latin typeface="Ubuntu" pitchFamily="18"/>
+              </a:rPr>
+              <a:t>If you EXPOSE and -p a port, the service in the container is accessible from anywhere, even outside </a:t>
+            </a:r>
+            <a:r>
+              <a:rPr lang="en-IN" sz="2000" dirty="0" err="1">
+                <a:latin typeface="Ubuntu" pitchFamily="18"/>
+              </a:rPr>
+              <a:t>Docker</a:t>
+            </a:r>
+            <a:r>
+              <a:rPr lang="en-IN" sz="2000" dirty="0">
+                <a:latin typeface="Ubuntu" pitchFamily="18"/>
+              </a:rPr>
+              <a:t>.</a:t>
             </a:r>
           </a:p>
         </p:txBody>
@@ -6370,7 +6540,7 @@
 
 <file path=ppt/slides/slide11.xml><?xml version="1.0" encoding="utf-8"?>
 <p:sld xmlns:a="http://schemas.openxmlformats.org/drawingml/2006/main" xmlns:r="http://schemas.openxmlformats.org/officeDocument/2006/relationships" xmlns:p="http://schemas.openxmlformats.org/presentationml/2006/main">
-  <p:cSld name="page10">
+  <p:cSld name="page9">
     <p:spTree>
       <p:nvGrpSpPr>
         <p:cNvPr id="1" name=""/>
@@ -6397,206 +6567,24 @@
         </p:nvSpPr>
         <p:spPr>
           <a:xfrm>
-            <a:off x="0" y="0"/>
-            <a:ext cx="9936000" cy="7559674"/>
+            <a:off x="216000" y="301320"/>
+            <a:ext cx="9720000" cy="5852160"/>
           </a:xfrm>
         </p:spPr>
         <p:txBody>
           <a:bodyPr anchor="ctr"/>
           <a:lstStyle/>
           <a:p>
-            <a:pPr lvl="0" algn="l"/>
-            <a:r>
-              <a:rPr lang="en-IN" sz="2000" dirty="0"/>
-              <a:t>FROM centos</a:t>
-            </a:r>
-          </a:p>
-          <a:p>
-            <a:pPr lvl="0" algn="l"/>
-            <a:r>
-              <a:rPr lang="en-IN" sz="2000" dirty="0" smtClean="0"/>
-              <a:t># </a:t>
-            </a:r>
-            <a:r>
-              <a:rPr lang="en-IN" sz="2000" dirty="0"/>
-              <a:t>File Author / Maintainer</a:t>
-            </a:r>
-          </a:p>
-          <a:p>
-            <a:pPr lvl="0" algn="l"/>
-            <a:r>
-              <a:rPr lang="en-IN" sz="2000" dirty="0"/>
-              <a:t>MAINTAINER </a:t>
-            </a:r>
-            <a:r>
-              <a:rPr lang="en-IN" sz="2000" dirty="0" err="1"/>
-              <a:t>mayank</a:t>
-            </a:r>
-            <a:r>
-              <a:rPr lang="en-IN" sz="2000" dirty="0"/>
-              <a:t> </a:t>
-            </a:r>
-            <a:r>
-              <a:rPr lang="en-IN" sz="2000" dirty="0" err="1"/>
-              <a:t>sharma</a:t>
-            </a:r>
-            <a:endParaRPr lang="en-IN" sz="2000" dirty="0"/>
-          </a:p>
-          <a:p>
-            <a:pPr lvl="0" algn="l"/>
-            <a:endParaRPr lang="en-IN" sz="2000" dirty="0" smtClean="0"/>
-          </a:p>
-          <a:p>
-            <a:pPr lvl="0" algn="l"/>
-            <a:r>
-              <a:rPr lang="en-IN" sz="2000" dirty="0" smtClean="0"/>
-              <a:t>#</a:t>
-            </a:r>
-            <a:r>
-              <a:rPr lang="en-IN" sz="2000" dirty="0"/>
-              <a:t>adding </a:t>
-            </a:r>
-            <a:r>
-              <a:rPr lang="en-IN" sz="2000" dirty="0" err="1"/>
-              <a:t>mongodb</a:t>
-            </a:r>
-            <a:r>
-              <a:rPr lang="en-IN" sz="2000" dirty="0"/>
-              <a:t> repo from base to container</a:t>
-            </a:r>
-          </a:p>
-          <a:p>
-            <a:pPr lvl="0" algn="l"/>
-            <a:r>
-              <a:rPr lang="en-IN" sz="2000" dirty="0"/>
-              <a:t>ADD mongo-</a:t>
-            </a:r>
-            <a:r>
-              <a:rPr lang="en-IN" sz="2000" dirty="0" err="1"/>
-              <a:t>db.repo</a:t>
-            </a:r>
-            <a:r>
-              <a:rPr lang="en-IN" sz="2000" dirty="0"/>
-              <a:t> /</a:t>
-            </a:r>
-            <a:r>
-              <a:rPr lang="en-IN" sz="2000" dirty="0" err="1"/>
-              <a:t>etc</a:t>
-            </a:r>
-            <a:r>
-              <a:rPr lang="en-IN" sz="2000" dirty="0"/>
-              <a:t>/</a:t>
-            </a:r>
-            <a:r>
-              <a:rPr lang="en-IN" sz="2000" dirty="0" err="1"/>
-              <a:t>yum.repos.d</a:t>
-            </a:r>
-            <a:r>
-              <a:rPr lang="en-IN" sz="2000" dirty="0"/>
-              <a:t>/mongo-</a:t>
-            </a:r>
-            <a:r>
-              <a:rPr lang="en-IN" sz="2000" dirty="0" err="1"/>
-              <a:t>db.repo</a:t>
-            </a:r>
-            <a:r>
-              <a:rPr lang="en-IN" sz="2000" dirty="0"/>
-              <a:t>  </a:t>
-            </a:r>
-          </a:p>
-          <a:p>
-            <a:pPr lvl="0" algn="l"/>
-            <a:endParaRPr lang="en-IN" sz="2000" dirty="0" smtClean="0"/>
-          </a:p>
-          <a:p>
-            <a:pPr lvl="0" algn="l"/>
-            <a:r>
-              <a:rPr lang="en-IN" sz="2000" dirty="0" smtClean="0"/>
-              <a:t>#</a:t>
-            </a:r>
-            <a:r>
-              <a:rPr lang="en-IN" sz="2000" dirty="0"/>
-              <a:t>updating repos</a:t>
-            </a:r>
-          </a:p>
-          <a:p>
-            <a:pPr lvl="0" algn="l"/>
-            <a:r>
-              <a:rPr lang="en-IN" sz="2000" dirty="0"/>
-              <a:t>RUN yum update all</a:t>
-            </a:r>
-          </a:p>
-          <a:p>
-            <a:pPr lvl="0" algn="l"/>
-            <a:endParaRPr lang="en-IN" sz="2000" dirty="0" smtClean="0"/>
-          </a:p>
-          <a:p>
-            <a:pPr lvl="0" algn="l"/>
-            <a:r>
-              <a:rPr lang="en-IN" sz="2000" dirty="0" smtClean="0"/>
-              <a:t>#</a:t>
-            </a:r>
-            <a:r>
-              <a:rPr lang="en-IN" sz="2000" dirty="0"/>
-              <a:t>installing require packages</a:t>
-            </a:r>
-          </a:p>
-          <a:p>
-            <a:pPr lvl="0" algn="l"/>
-            <a:r>
-              <a:rPr lang="en-IN" sz="2000" dirty="0"/>
-              <a:t>RUN yum install </a:t>
-            </a:r>
-            <a:r>
-              <a:rPr lang="en-IN" sz="2000" dirty="0" err="1"/>
-              <a:t>httpd</a:t>
-            </a:r>
-            <a:r>
-              <a:rPr lang="en-IN" sz="2000" dirty="0"/>
-              <a:t> </a:t>
-            </a:r>
-            <a:r>
-              <a:rPr lang="en-IN" sz="2000" dirty="0" err="1"/>
-              <a:t>mongodb</a:t>
-            </a:r>
-            <a:r>
-              <a:rPr lang="en-IN" sz="2000" dirty="0"/>
-              <a:t>-org python -y</a:t>
-            </a:r>
-          </a:p>
-          <a:p>
-            <a:pPr lvl="0" algn="l"/>
-            <a:endParaRPr lang="en-IN" sz="2000" dirty="0" smtClean="0"/>
-          </a:p>
-          <a:p>
-            <a:pPr lvl="0" algn="l"/>
-            <a:r>
-              <a:rPr lang="en-IN" sz="2000" dirty="0" smtClean="0"/>
-              <a:t># </a:t>
-            </a:r>
-            <a:r>
-              <a:rPr lang="en-IN" sz="2000" dirty="0"/>
-              <a:t>Create the default web file to be hosted</a:t>
-            </a:r>
-          </a:p>
-          <a:p>
-            <a:pPr lvl="0" algn="l"/>
-            <a:r>
-              <a:rPr lang="en-IN" sz="2000" dirty="0"/>
-              <a:t>RUN echo "default website" &gt; /</a:t>
-            </a:r>
-            <a:r>
-              <a:rPr lang="en-IN" sz="2000" dirty="0" err="1"/>
-              <a:t>var</a:t>
-            </a:r>
-            <a:r>
-              <a:rPr lang="en-IN" sz="2000" dirty="0"/>
-              <a:t>/www/html/index.html</a:t>
-            </a:r>
-          </a:p>
-          <a:p>
-            <a:pPr lvl="0" algn="l"/>
-            <a:endParaRPr lang="en-IN" sz="2000" dirty="0"/>
+            <a:pPr lvl="0" algn="ctr"/>
+            <a:r>
+              <a:rPr lang="en-IN" sz="3600" dirty="0" err="1" smtClean="0">
+                <a:latin typeface="Ubuntu" pitchFamily="18"/>
+              </a:rPr>
+              <a:t>Dockerfile</a:t>
+            </a:r>
+            <a:endParaRPr lang="en-IN" sz="3600" dirty="0">
+              <a:latin typeface="Ubuntu" pitchFamily="18"/>
+            </a:endParaRPr>
           </a:p>
         </p:txBody>
       </p:sp>
@@ -6618,7 +6606,7 @@
 
 <file path=ppt/slides/slide12.xml><?xml version="1.0" encoding="utf-8"?>
 <p:sld xmlns:a="http://schemas.openxmlformats.org/drawingml/2006/main" xmlns:r="http://schemas.openxmlformats.org/officeDocument/2006/relationships" xmlns:p="http://schemas.openxmlformats.org/presentationml/2006/main">
-  <p:cSld name="page11">
+  <p:cSld name="page10">
     <p:spTree>
       <p:nvGrpSpPr>
         <p:cNvPr id="1" name=""/>
@@ -6661,13 +6649,13 @@
           </a:p>
           <a:p>
             <a:pPr lvl="0" algn="l"/>
-            <a:endParaRPr lang="en-IN" sz="1800" dirty="0"/>
-          </a:p>
-          <a:p>
-            <a:pPr lvl="0" algn="l"/>
+            <a:r>
+              <a:rPr lang="en-IN" sz="1800" dirty="0" smtClean="0"/>
+              <a:t># </a:t>
+            </a:r>
             <a:r>
               <a:rPr lang="en-IN" sz="1800" dirty="0"/>
-              <a:t># File Author / Maintainer</a:t>
+              <a:t>File Author / Maintainer</a:t>
             </a:r>
           </a:p>
           <a:p>
@@ -6692,13 +6680,17 @@
           </a:p>
           <a:p>
             <a:pPr lvl="0" algn="l"/>
-            <a:endParaRPr lang="en-IN" sz="1800" dirty="0"/>
-          </a:p>
-          <a:p>
-            <a:pPr lvl="0" algn="l"/>
+            <a:endParaRPr lang="en-IN" sz="1800" dirty="0" smtClean="0"/>
+          </a:p>
+          <a:p>
+            <a:pPr lvl="0" algn="l"/>
+            <a:r>
+              <a:rPr lang="en-IN" sz="1800" dirty="0" smtClean="0"/>
+              <a:t>#</a:t>
+            </a:r>
             <a:r>
               <a:rPr lang="en-IN" sz="1800" dirty="0"/>
-              <a:t>#adding </a:t>
+              <a:t>adding </a:t>
             </a:r>
             <a:r>
               <a:rPr lang="en-IN" sz="1800" dirty="0" err="1"/>
@@ -6750,13 +6742,17 @@
           </a:p>
           <a:p>
             <a:pPr lvl="0" algn="l"/>
-            <a:endParaRPr lang="en-IN" sz="1800" dirty="0"/>
-          </a:p>
-          <a:p>
-            <a:pPr lvl="0" algn="l"/>
+            <a:endParaRPr lang="en-IN" sz="1800" dirty="0" smtClean="0"/>
+          </a:p>
+          <a:p>
+            <a:pPr lvl="0" algn="l"/>
+            <a:r>
+              <a:rPr lang="en-IN" sz="1800" dirty="0" smtClean="0"/>
+              <a:t>#</a:t>
+            </a:r>
             <a:r>
               <a:rPr lang="en-IN" sz="1800" dirty="0"/>
-              <a:t>#updating repos</a:t>
+              <a:t>updating repos</a:t>
             </a:r>
           </a:p>
           <a:p>
@@ -6768,13 +6764,17 @@
           </a:p>
           <a:p>
             <a:pPr lvl="0" algn="l"/>
-            <a:endParaRPr lang="en-IN" sz="1800" dirty="0"/>
-          </a:p>
-          <a:p>
-            <a:pPr lvl="0" algn="l"/>
+            <a:endParaRPr lang="en-IN" sz="1800" dirty="0" smtClean="0"/>
+          </a:p>
+          <a:p>
+            <a:pPr lvl="0" algn="l"/>
+            <a:r>
+              <a:rPr lang="en-IN" sz="1800" dirty="0" smtClean="0"/>
+              <a:t>#</a:t>
+            </a:r>
             <a:r>
               <a:rPr lang="en-IN" sz="1800" dirty="0"/>
-              <a:t>#installing require packages</a:t>
+              <a:t>installing require packages</a:t>
             </a:r>
           </a:p>
           <a:p>
@@ -6802,13 +6802,17 @@
           </a:p>
           <a:p>
             <a:pPr lvl="0" algn="l"/>
-            <a:endParaRPr lang="en-IN" sz="1800" dirty="0"/>
-          </a:p>
-          <a:p>
-            <a:pPr lvl="0" algn="l"/>
+            <a:endParaRPr lang="en-IN" sz="1800" dirty="0" smtClean="0"/>
+          </a:p>
+          <a:p>
+            <a:pPr lvl="0" algn="l"/>
+            <a:r>
+              <a:rPr lang="en-IN" sz="1800" dirty="0" smtClean="0"/>
+              <a:t># </a:t>
+            </a:r>
             <a:r>
               <a:rPr lang="en-IN" sz="1800" dirty="0"/>
-              <a:t># Create the default web file to be hosted</a:t>
+              <a:t>Create the default web file to be hosted</a:t>
             </a:r>
           </a:p>
           <a:p>
@@ -6850,7 +6854,7 @@
 
 <file path=ppt/slides/slide13.xml><?xml version="1.0" encoding="utf-8"?>
 <p:sld xmlns:a="http://schemas.openxmlformats.org/drawingml/2006/main" xmlns:r="http://schemas.openxmlformats.org/officeDocument/2006/relationships" xmlns:p="http://schemas.openxmlformats.org/presentationml/2006/main">
-  <p:cSld>
+  <p:cSld name="page11">
     <p:spTree>
       <p:nvGrpSpPr>
         <p:cNvPr id="1" name=""/>
@@ -6877,8 +6881,8 @@
         </p:nvSpPr>
         <p:spPr>
           <a:xfrm>
-            <a:off x="216000" y="222480"/>
-            <a:ext cx="9720000" cy="6010200"/>
+            <a:off x="0" y="0"/>
+            <a:ext cx="9936000" cy="7559674"/>
           </a:xfrm>
         </p:spPr>
         <p:txBody>
@@ -6887,37 +6891,184 @@
           <a:p>
             <a:pPr lvl="0" algn="l"/>
             <a:r>
-              <a:rPr lang="en-IN" sz="2500" dirty="0" smtClean="0"/>
-              <a:t>DOCKER RENAME</a:t>
-            </a:r>
-          </a:p>
-          <a:p>
-            <a:pPr lvl="0" algn="l"/>
-            <a:r>
-              <a:rPr lang="en-IN" sz="2500" dirty="0" smtClean="0"/>
-              <a:t># </a:t>
-            </a:r>
-            <a:r>
-              <a:rPr lang="en-IN" sz="2500" dirty="0" err="1" smtClean="0"/>
-              <a:t>docker</a:t>
-            </a:r>
-            <a:r>
-              <a:rPr lang="en-IN" sz="2500" dirty="0" smtClean="0"/>
-              <a:t> rename &lt;old name&gt; &lt;new name&gt;</a:t>
-            </a:r>
-          </a:p>
-          <a:p>
-            <a:pPr lvl="0" algn="l"/>
-            <a:endParaRPr lang="en-IN" sz="2500" dirty="0"/>
+              <a:rPr lang="en-IN" sz="1400" dirty="0"/>
+              <a:t>FROM centos</a:t>
+            </a:r>
+          </a:p>
+          <a:p>
+            <a:pPr lvl="0" algn="l"/>
+            <a:endParaRPr lang="en-IN" sz="1400" dirty="0"/>
+          </a:p>
+          <a:p>
+            <a:pPr lvl="0" algn="l"/>
+            <a:r>
+              <a:rPr lang="en-IN" sz="1400" dirty="0"/>
+              <a:t># File Author / Maintainer</a:t>
+            </a:r>
+          </a:p>
+          <a:p>
+            <a:pPr lvl="0" algn="l"/>
+            <a:r>
+              <a:rPr lang="en-IN" sz="1400" dirty="0"/>
+              <a:t>MAINTAINER </a:t>
+            </a:r>
+            <a:r>
+              <a:rPr lang="en-IN" sz="1400" dirty="0" err="1"/>
+              <a:t>mayank</a:t>
+            </a:r>
+            <a:r>
+              <a:rPr lang="en-IN" sz="1400" dirty="0"/>
+              <a:t> </a:t>
+            </a:r>
+            <a:r>
+              <a:rPr lang="en-IN" sz="1400" dirty="0" err="1"/>
+              <a:t>sharma</a:t>
+            </a:r>
+            <a:endParaRPr lang="en-IN" sz="1400" dirty="0"/>
+          </a:p>
+          <a:p>
+            <a:pPr lvl="0" algn="l"/>
+            <a:endParaRPr lang="en-IN" sz="1400" dirty="0"/>
+          </a:p>
+          <a:p>
+            <a:pPr lvl="0" algn="l"/>
+            <a:r>
+              <a:rPr lang="en-IN" sz="1400" dirty="0"/>
+              <a:t>#adding </a:t>
+            </a:r>
+            <a:r>
+              <a:rPr lang="en-IN" sz="1400" dirty="0" err="1"/>
+              <a:t>mongodb</a:t>
+            </a:r>
+            <a:r>
+              <a:rPr lang="en-IN" sz="1400" dirty="0"/>
+              <a:t> repo from base to container</a:t>
+            </a:r>
+          </a:p>
+          <a:p>
+            <a:pPr lvl="0" algn="l"/>
+            <a:r>
+              <a:rPr lang="en-IN" sz="1400" dirty="0"/>
+              <a:t>ADD mongo-</a:t>
+            </a:r>
+            <a:r>
+              <a:rPr lang="en-IN" sz="1400" dirty="0" err="1"/>
+              <a:t>db.repo</a:t>
+            </a:r>
+            <a:r>
+              <a:rPr lang="en-IN" sz="1400" dirty="0"/>
+              <a:t> /</a:t>
+            </a:r>
+            <a:r>
+              <a:rPr lang="en-IN" sz="1400" dirty="0" err="1"/>
+              <a:t>etc</a:t>
+            </a:r>
+            <a:r>
+              <a:rPr lang="en-IN" sz="1400" dirty="0"/>
+              <a:t>/</a:t>
+            </a:r>
+            <a:r>
+              <a:rPr lang="en-IN" sz="1400" dirty="0" err="1"/>
+              <a:t>yum.repos.d</a:t>
+            </a:r>
+            <a:r>
+              <a:rPr lang="en-IN" sz="1400" dirty="0"/>
+              <a:t>/mongo-</a:t>
+            </a:r>
+            <a:r>
+              <a:rPr lang="en-IN" sz="1400" dirty="0" err="1"/>
+              <a:t>db.repo</a:t>
+            </a:r>
+            <a:r>
+              <a:rPr lang="en-IN" sz="1400" dirty="0"/>
+              <a:t>  </a:t>
+            </a:r>
+          </a:p>
+          <a:p>
+            <a:pPr lvl="0" algn="l"/>
+            <a:endParaRPr lang="en-IN" sz="1400" dirty="0"/>
+          </a:p>
+          <a:p>
+            <a:pPr lvl="0" algn="l"/>
+            <a:r>
+              <a:rPr lang="en-IN" sz="1400" dirty="0"/>
+              <a:t>#updating repos</a:t>
+            </a:r>
+          </a:p>
+          <a:p>
+            <a:pPr lvl="0" algn="l"/>
+            <a:r>
+              <a:rPr lang="en-IN" sz="1400" dirty="0"/>
+              <a:t>RUN yum update all</a:t>
+            </a:r>
+          </a:p>
+          <a:p>
+            <a:pPr lvl="0" algn="l"/>
+            <a:endParaRPr lang="en-IN" sz="1400" dirty="0"/>
+          </a:p>
+          <a:p>
+            <a:pPr lvl="0" algn="l"/>
+            <a:r>
+              <a:rPr lang="en-IN" sz="1400" dirty="0"/>
+              <a:t>#installing require packages</a:t>
+            </a:r>
+          </a:p>
+          <a:p>
+            <a:pPr lvl="0" algn="l"/>
+            <a:r>
+              <a:rPr lang="en-IN" sz="1400" dirty="0"/>
+              <a:t>RUN yum install </a:t>
+            </a:r>
+            <a:r>
+              <a:rPr lang="en-IN" sz="1400" dirty="0" err="1"/>
+              <a:t>httpd</a:t>
+            </a:r>
+            <a:r>
+              <a:rPr lang="en-IN" sz="1400" dirty="0"/>
+              <a:t> </a:t>
+            </a:r>
+            <a:r>
+              <a:rPr lang="en-IN" sz="1400" dirty="0" err="1"/>
+              <a:t>mongodb</a:t>
+            </a:r>
+            <a:r>
+              <a:rPr lang="en-IN" sz="1400" dirty="0"/>
+              <a:t>-org python -y</a:t>
+            </a:r>
+          </a:p>
+          <a:p>
+            <a:pPr lvl="0" algn="l"/>
+            <a:endParaRPr lang="en-IN" sz="1400" dirty="0"/>
+          </a:p>
+          <a:p>
+            <a:pPr lvl="0" algn="l"/>
+            <a:r>
+              <a:rPr lang="en-IN" sz="1400" dirty="0"/>
+              <a:t># Create the default web file to be hosted</a:t>
+            </a:r>
+          </a:p>
+          <a:p>
+            <a:pPr lvl="0" algn="l"/>
+            <a:r>
+              <a:rPr lang="en-IN" sz="1400" dirty="0"/>
+              <a:t>RUN echo "default website" &gt; /</a:t>
+            </a:r>
+            <a:r>
+              <a:rPr lang="en-IN" sz="1400" dirty="0" err="1"/>
+              <a:t>var</a:t>
+            </a:r>
+            <a:r>
+              <a:rPr lang="en-IN" sz="1400" dirty="0"/>
+              <a:t>/www/html/index.html</a:t>
+            </a:r>
+          </a:p>
+          <a:p>
+            <a:pPr lvl="0" algn="l"/>
+            <a:endParaRPr lang="en-IN" sz="1400" dirty="0"/>
           </a:p>
         </p:txBody>
       </p:sp>
     </p:spTree>
-    <p:extLst>
-      <p:ext uri="{BB962C8B-B14F-4D97-AF65-F5344CB8AC3E}">
-        <p14:creationId xmlns:p14="http://schemas.microsoft.com/office/powerpoint/2010/main" val="1660295050"/>
-      </p:ext>
-    </p:extLst>
   </p:cSld>
   <p:clrMapOvr>
     <a:masterClrMapping/>
@@ -6962,8 +7113,8 @@
         </p:nvSpPr>
         <p:spPr>
           <a:xfrm>
-            <a:off x="216000" y="-1"/>
-            <a:ext cx="9720000" cy="7559675"/>
+            <a:off x="216000" y="222480"/>
+            <a:ext cx="9720000" cy="6010200"/>
           </a:xfrm>
         </p:spPr>
         <p:txBody>
@@ -6972,141 +7123,35 @@
           <a:p>
             <a:pPr lvl="0" algn="l"/>
             <a:r>
-              <a:rPr lang="en-IN" sz="3600" dirty="0" smtClean="0"/>
-              <a:t>			</a:t>
-            </a:r>
-            <a:r>
-              <a:rPr lang="en-IN" sz="3600" dirty="0" err="1" smtClean="0"/>
-              <a:t>Docker</a:t>
-            </a:r>
-            <a:r>
-              <a:rPr lang="en-IN" sz="3600" dirty="0" smtClean="0"/>
-              <a:t> file</a:t>
-            </a:r>
-          </a:p>
-          <a:p>
-            <a:pPr lvl="0" algn="l"/>
-            <a:r>
-              <a:rPr lang="en-IN" sz="1600" dirty="0" smtClean="0"/>
-              <a:t>CMD =&gt;  when you run container then CMD command will run </a:t>
-            </a:r>
-            <a:r>
-              <a:rPr lang="en-IN" sz="1600" dirty="0" err="1" smtClean="0"/>
-              <a:t>automaticlly</a:t>
-            </a:r>
-            <a:endParaRPr lang="en-IN" sz="1600" dirty="0" smtClean="0"/>
-          </a:p>
-          <a:p>
-            <a:pPr lvl="0" algn="l"/>
-            <a:r>
-              <a:rPr lang="en-IN" sz="1600" dirty="0"/>
-              <a:t>ENTRYPOINT</a:t>
-            </a:r>
-            <a:endParaRPr lang="en-IN" sz="1600" dirty="0" smtClean="0"/>
-          </a:p>
-          <a:p>
-            <a:pPr lvl="0" algn="l"/>
-            <a:endParaRPr lang="en-IN" sz="1600" dirty="0"/>
-          </a:p>
-          <a:p>
-            <a:pPr lvl="0" algn="l"/>
-            <a:r>
-              <a:rPr lang="en-IN" sz="1600" dirty="0" smtClean="0"/>
-              <a:t>Create </a:t>
-            </a:r>
-            <a:r>
-              <a:rPr lang="en-IN" sz="1600" dirty="0" err="1" smtClean="0"/>
-              <a:t>Dockerfile</a:t>
-            </a:r>
-            <a:endParaRPr lang="en-IN" sz="1600" dirty="0" smtClean="0"/>
-          </a:p>
-          <a:p>
-            <a:pPr lvl="0" algn="l"/>
-            <a:r>
-              <a:rPr lang="en-IN" sz="1600" dirty="0" smtClean="0"/>
-              <a:t>Vim </a:t>
-            </a:r>
-            <a:r>
-              <a:rPr lang="en-IN" sz="1600" dirty="0" err="1" smtClean="0"/>
-              <a:t>Dockerfile</a:t>
-            </a:r>
-            <a:endParaRPr lang="en-IN" sz="1600" dirty="0" smtClean="0"/>
-          </a:p>
-          <a:p>
-            <a:pPr lvl="0" algn="l"/>
-            <a:r>
-              <a:rPr lang="en-IN" sz="1600" b="1" dirty="0"/>
-              <a:t>FROM      </a:t>
-            </a:r>
-            <a:r>
-              <a:rPr lang="en-IN" sz="1600" b="1" dirty="0" err="1"/>
-              <a:t>ubuntu</a:t>
-            </a:r>
-            <a:endParaRPr lang="en-IN" sz="1600" b="1" dirty="0"/>
-          </a:p>
-          <a:p>
-            <a:pPr lvl="0" algn="l"/>
-            <a:r>
-              <a:rPr lang="en-IN" sz="1600" b="1" dirty="0"/>
-              <a:t>MAINTAINER MAYANK SHARMA</a:t>
-            </a:r>
-          </a:p>
-          <a:p>
-            <a:pPr lvl="0" algn="l"/>
-            <a:r>
-              <a:rPr lang="en-IN" sz="1600" b="1" dirty="0" smtClean="0"/>
-              <a:t>RUN </a:t>
-            </a:r>
-            <a:r>
-              <a:rPr lang="en-IN" sz="1600" b="1" dirty="0"/>
-              <a:t>apt-get update</a:t>
-            </a:r>
-          </a:p>
-          <a:p>
-            <a:pPr lvl="0" algn="l"/>
-            <a:r>
-              <a:rPr lang="en-IN" sz="1600" b="1" dirty="0" smtClean="0"/>
-              <a:t>RUN </a:t>
-            </a:r>
-            <a:r>
-              <a:rPr lang="en-IN" sz="1600" b="1" dirty="0"/>
-              <a:t>apt-get install -y </a:t>
-            </a:r>
-            <a:r>
-              <a:rPr lang="en-IN" sz="1600" b="1" dirty="0" err="1"/>
-              <a:t>wget</a:t>
-            </a:r>
-            <a:endParaRPr lang="en-IN" sz="1600" b="1" dirty="0"/>
-          </a:p>
-          <a:p>
-            <a:pPr lvl="0" algn="l"/>
-            <a:r>
-              <a:rPr lang="en-IN" sz="1600" b="1" dirty="0" smtClean="0"/>
-              <a:t>CMD </a:t>
-            </a:r>
-            <a:r>
-              <a:rPr lang="en-IN" sz="1600" b="1" dirty="0" err="1"/>
-              <a:t>df</a:t>
-            </a:r>
-            <a:r>
-              <a:rPr lang="en-IN" sz="1600" b="1" dirty="0"/>
-              <a:t> </a:t>
-            </a:r>
-            <a:r>
-              <a:rPr lang="en-IN" sz="1600" b="1" dirty="0" smtClean="0"/>
-              <a:t>–h</a:t>
-            </a:r>
-          </a:p>
-          <a:p>
-            <a:pPr lvl="0" algn="l"/>
-            <a:endParaRPr lang="en-IN" sz="1600" b="1" dirty="0"/>
+              <a:rPr lang="en-IN" sz="2500" dirty="0" smtClean="0"/>
+              <a:t>DOCKER RENAME</a:t>
+            </a:r>
+          </a:p>
+          <a:p>
+            <a:pPr lvl="0" algn="l"/>
+            <a:r>
+              <a:rPr lang="en-IN" sz="2500" dirty="0" smtClean="0"/>
+              <a:t># </a:t>
+            </a:r>
+            <a:r>
+              <a:rPr lang="en-IN" sz="2500" dirty="0" err="1" smtClean="0"/>
+              <a:t>docker</a:t>
+            </a:r>
+            <a:r>
+              <a:rPr lang="en-IN" sz="2500" dirty="0" smtClean="0"/>
+              <a:t> rename &lt;old name&gt; &lt;new name&gt;</a:t>
+            </a:r>
+          </a:p>
+          <a:p>
+            <a:pPr lvl="0" algn="l"/>
+            <a:endParaRPr lang="en-IN" sz="2500" dirty="0"/>
           </a:p>
         </p:txBody>
       </p:sp>
     </p:spTree>
     <p:extLst>
       <p:ext uri="{BB962C8B-B14F-4D97-AF65-F5344CB8AC3E}">
-        <p14:creationId xmlns:p14="http://schemas.microsoft.com/office/powerpoint/2010/main" val="4056215692"/>
+        <p14:creationId xmlns:p14="http://schemas.microsoft.com/office/powerpoint/2010/main" val="1660295050"/>
       </p:ext>
     </p:extLst>
   </p:cSld>
@@ -7178,14 +7223,14 @@
           <a:p>
             <a:pPr lvl="0" algn="l"/>
             <a:r>
-              <a:rPr lang="en-IN" sz="1600" b="1" dirty="0" smtClean="0"/>
+              <a:rPr lang="en-IN" sz="1600" dirty="0" smtClean="0"/>
               <a:t>CMD =&gt;  when you run container then CMD command will run </a:t>
             </a:r>
             <a:r>
-              <a:rPr lang="en-IN" sz="1600" b="1" dirty="0" err="1" smtClean="0"/>
+              <a:rPr lang="en-IN" sz="1600" dirty="0" err="1" smtClean="0"/>
               <a:t>automaticlly</a:t>
             </a:r>
-            <a:endParaRPr lang="en-IN" sz="1600" b="1" dirty="0" smtClean="0"/>
+            <a:endParaRPr lang="en-IN" sz="1600" dirty="0" smtClean="0"/>
           </a:p>
           <a:p>
             <a:pPr lvl="0" algn="l"/>
@@ -7203,7 +7248,7 @@
             <a:pPr lvl="0" algn="l"/>
             <a:r>
               <a:rPr lang="en-IN" sz="1600" dirty="0" smtClean="0"/>
-              <a:t>#Vim </a:t>
+              <a:t>Create </a:t>
             </a:r>
             <a:r>
               <a:rPr lang="en-IN" sz="1600" dirty="0" err="1" smtClean="0"/>
@@ -7214,6 +7259,18 @@
           <a:p>
             <a:pPr lvl="0" algn="l"/>
             <a:r>
+              <a:rPr lang="en-IN" sz="1600" dirty="0" smtClean="0"/>
+              <a:t>Vim </a:t>
+            </a:r>
+            <a:r>
+              <a:rPr lang="en-IN" sz="1600" dirty="0" err="1" smtClean="0"/>
+              <a:t>Dockerfile</a:t>
+            </a:r>
+            <a:endParaRPr lang="en-IN" sz="1600" dirty="0" smtClean="0"/>
+          </a:p>
+          <a:p>
+            <a:pPr lvl="0" algn="l"/>
+            <a:r>
               <a:rPr lang="en-IN" sz="1600" b="1" dirty="0"/>
               <a:t>FROM      </a:t>
             </a:r>
@@ -7275,75 +7332,6 @@
               <a:rPr lang="en-IN" sz="1600" b="1" dirty="0" smtClean="0"/>
               <a:t>–h</a:t>
             </a:r>
-          </a:p>
-          <a:p>
-            <a:pPr lvl="0" algn="l"/>
-            <a:r>
-              <a:rPr lang="en-IN" sz="1600" dirty="0" smtClean="0"/>
-              <a:t>#</a:t>
-            </a:r>
-            <a:r>
-              <a:rPr lang="en-IN" sz="1600" dirty="0" err="1" smtClean="0"/>
-              <a:t>docker</a:t>
-            </a:r>
-            <a:r>
-              <a:rPr lang="en-IN" sz="1600" dirty="0" smtClean="0"/>
-              <a:t> build –t </a:t>
-            </a:r>
-            <a:r>
-              <a:rPr lang="en-IN" sz="1600" dirty="0" err="1" smtClean="0"/>
-              <a:t>mycmdtest</a:t>
-            </a:r>
-            <a:r>
-              <a:rPr lang="en-IN" sz="1600" dirty="0" smtClean="0"/>
-              <a:t> .</a:t>
-            </a:r>
-          </a:p>
-          <a:p>
-            <a:pPr lvl="0" algn="l"/>
-            <a:r>
-              <a:rPr lang="en-IN" sz="1600" dirty="0" smtClean="0"/>
-              <a:t>#</a:t>
-            </a:r>
-            <a:r>
-              <a:rPr lang="en-IN" sz="1600" dirty="0" err="1"/>
-              <a:t>d</a:t>
-            </a:r>
-            <a:r>
-              <a:rPr lang="en-IN" sz="1600" dirty="0" err="1" smtClean="0"/>
-              <a:t>ocker</a:t>
-            </a:r>
-            <a:r>
-              <a:rPr lang="en-IN" sz="1600" dirty="0" smtClean="0"/>
-              <a:t> run &lt;</a:t>
-            </a:r>
-            <a:r>
-              <a:rPr lang="en-IN" sz="1600" dirty="0" err="1" smtClean="0"/>
-              <a:t>image_id</a:t>
-            </a:r>
-            <a:r>
-              <a:rPr lang="en-IN" sz="1600" dirty="0" smtClean="0"/>
-              <a:t>&gt;</a:t>
-            </a:r>
-          </a:p>
-          <a:p>
-            <a:pPr lvl="0" algn="l"/>
-            <a:r>
-              <a:rPr lang="en-IN" sz="1600" b="1" dirty="0" smtClean="0"/>
-              <a:t>&lt;output of </a:t>
-            </a:r>
-            <a:r>
-              <a:rPr lang="en-IN" sz="1600" b="1" dirty="0" err="1" smtClean="0"/>
-              <a:t>df</a:t>
-            </a:r>
-            <a:r>
-              <a:rPr lang="en-IN" sz="1600" b="1" dirty="0" smtClean="0"/>
-              <a:t> –h&gt;</a:t>
-            </a:r>
-          </a:p>
-          <a:p>
-            <a:pPr lvl="0" algn="l"/>
-            <a:endParaRPr lang="en-IN" sz="1600" b="1" dirty="0" smtClean="0"/>
           </a:p>
           <a:p>
             <a:pPr lvl="0" algn="l"/>
@@ -7354,7 +7342,7 @@
     </p:spTree>
     <p:extLst>
       <p:ext uri="{BB962C8B-B14F-4D97-AF65-F5344CB8AC3E}">
-        <p14:creationId xmlns:p14="http://schemas.microsoft.com/office/powerpoint/2010/main" val="4137332120"/>
+        <p14:creationId xmlns:p14="http://schemas.microsoft.com/office/powerpoint/2010/main" val="4056215692"/>
       </p:ext>
     </p:extLst>
   </p:cSld>
@@ -7426,34 +7414,22 @@
           <a:p>
             <a:pPr lvl="0" algn="l"/>
             <a:r>
-              <a:rPr lang="en-IN" sz="1600" dirty="0" smtClean="0"/>
+              <a:rPr lang="en-IN" sz="1600" b="1" dirty="0" smtClean="0"/>
               <a:t>CMD =&gt;  when you run container then CMD command will run </a:t>
             </a:r>
             <a:r>
-              <a:rPr lang="en-IN" sz="1600" dirty="0" err="1" smtClean="0"/>
+              <a:rPr lang="en-IN" sz="1600" b="1" dirty="0" err="1" smtClean="0"/>
               <a:t>automaticlly</a:t>
             </a:r>
+            <a:endParaRPr lang="en-IN" sz="1600" b="1" dirty="0" smtClean="0"/>
+          </a:p>
+          <a:p>
+            <a:pPr lvl="0" algn="l"/>
+            <a:r>
+              <a:rPr lang="en-IN" sz="1600" dirty="0"/>
+              <a:t>ENTRYPOINT</a:t>
+            </a:r>
             <a:endParaRPr lang="en-IN" sz="1600" dirty="0" smtClean="0"/>
-          </a:p>
-          <a:p>
-            <a:pPr algn="l"/>
-            <a:r>
-              <a:rPr lang="en-IN" sz="1600" b="1" dirty="0" smtClean="0"/>
-              <a:t>ENTRYPOINT =&gt; when </a:t>
-            </a:r>
-            <a:r>
-              <a:rPr lang="en-IN" sz="1600" b="1" dirty="0"/>
-              <a:t>container start where its located and where your command </a:t>
-            </a:r>
-            <a:r>
-              <a:rPr lang="en-IN" sz="1600" b="1" dirty="0" smtClean="0"/>
-              <a:t>execute</a:t>
-            </a:r>
-            <a:endParaRPr lang="en-IN" sz="1600" b="1" dirty="0"/>
-          </a:p>
-          <a:p>
-            <a:pPr lvl="0" algn="l"/>
-            <a:endParaRPr lang="en-IN" sz="1600" b="1" dirty="0" smtClean="0"/>
           </a:p>
           <a:p>
             <a:pPr lvl="0" algn="l"/>
@@ -7521,19 +7497,19 @@
             <a:pPr lvl="0" algn="l"/>
             <a:r>
               <a:rPr lang="en-IN" sz="1600" b="1" dirty="0" smtClean="0"/>
-              <a:t>ENTRYPOINT  </a:t>
+              <a:t>CMD </a:t>
+            </a:r>
+            <a:r>
+              <a:rPr lang="en-IN" sz="1600" b="1" dirty="0" err="1"/>
+              <a:t>df</a:t>
             </a:r>
             <a:r>
               <a:rPr lang="en-IN" sz="1600" b="1" dirty="0"/>
-              <a:t>[ "</a:t>
-            </a:r>
-            <a:r>
-              <a:rPr lang="en-IN" sz="1600" b="1" dirty="0" err="1"/>
-              <a:t>ls</a:t>
-            </a:r>
-            <a:r>
-              <a:rPr lang="en-IN" sz="1600" b="1" dirty="0"/>
-              <a:t>" , "-l" ]</a:t>
+              <a:t> </a:t>
+            </a:r>
+            <a:r>
+              <a:rPr lang="en-IN" sz="1600" b="1" dirty="0" smtClean="0"/>
+              <a:t>–h</a:t>
             </a:r>
           </a:p>
           <a:p>
@@ -7552,7 +7528,7 @@
             </a:r>
             <a:r>
               <a:rPr lang="en-IN" sz="1600" dirty="0" err="1" smtClean="0"/>
-              <a:t>myentrypointtest</a:t>
+              <a:t>mycmdtest</a:t>
             </a:r>
             <a:r>
               <a:rPr lang="en-IN" sz="1600" dirty="0" smtClean="0"/>
@@ -7583,7 +7559,7 @@
             </a:r>
             <a:r>
               <a:rPr lang="en-IN" sz="1600" dirty="0" smtClean="0"/>
-              <a:t>&gt; /root</a:t>
+              <a:t>&gt;</a:t>
             </a:r>
           </a:p>
           <a:p>
@@ -7594,11 +7570,11 @@
             </a:r>
             <a:r>
               <a:rPr lang="en-IN" sz="1600" b="1" dirty="0" err="1" smtClean="0"/>
-              <a:t>ls</a:t>
+              <a:t>df</a:t>
             </a:r>
             <a:r>
               <a:rPr lang="en-IN" sz="1600" b="1" dirty="0" smtClean="0"/>
-              <a:t> –l /root&gt;</a:t>
+              <a:t> –h&gt;</a:t>
             </a:r>
           </a:p>
           <a:p>
@@ -7614,7 +7590,7 @@
     </p:spTree>
     <p:extLst>
       <p:ext uri="{BB962C8B-B14F-4D97-AF65-F5344CB8AC3E}">
-        <p14:creationId xmlns:p14="http://schemas.microsoft.com/office/powerpoint/2010/main" val="3062140385"/>
+        <p14:creationId xmlns:p14="http://schemas.microsoft.com/office/powerpoint/2010/main" val="4137332120"/>
       </p:ext>
     </p:extLst>
   </p:cSld>
@@ -7686,12 +7662,8 @@
           <a:p>
             <a:pPr lvl="0" algn="l"/>
             <a:r>
-              <a:rPr lang="en-IN" sz="1600" b="1" dirty="0" smtClean="0"/>
-              <a:t>CMD </a:t>
-            </a:r>
-            <a:r>
               <a:rPr lang="en-IN" sz="1600" dirty="0" smtClean="0"/>
-              <a:t>=&gt;  when you run container then CMD command will run </a:t>
+              <a:t>CMD =&gt;  when you run container then CMD command will run </a:t>
             </a:r>
             <a:r>
               <a:rPr lang="en-IN" sz="1600" dirty="0" err="1" smtClean="0"/>
@@ -7700,11 +7672,24 @@
             <a:endParaRPr lang="en-IN" sz="1600" dirty="0" smtClean="0"/>
           </a:p>
           <a:p>
-            <a:pPr lvl="0" algn="l"/>
+            <a:pPr algn="l"/>
             <a:r>
               <a:rPr lang="en-IN" sz="1600" b="1" dirty="0" smtClean="0"/>
-              <a:t>ENTRYPOINT =&gt; when container start where its located and where your command execute</a:t>
-            </a:r>
+              <a:t>ENTRYPOINT =&gt; when </a:t>
+            </a:r>
+            <a:r>
+              <a:rPr lang="en-IN" sz="1600" b="1" dirty="0"/>
+              <a:t>container start where its located and where your command </a:t>
+            </a:r>
+            <a:r>
+              <a:rPr lang="en-IN" sz="1600" b="1" dirty="0" smtClean="0"/>
+              <a:t>execute</a:t>
+            </a:r>
+            <a:endParaRPr lang="en-IN" sz="1600" b="1" dirty="0"/>
+          </a:p>
+          <a:p>
+            <a:pPr lvl="0" algn="l"/>
+            <a:endParaRPr lang="en-IN" sz="1600" b="1" dirty="0" smtClean="0"/>
           </a:p>
           <a:p>
             <a:pPr lvl="0" algn="l"/>
@@ -7790,18 +7775,6 @@
           <a:p>
             <a:pPr lvl="0" algn="l"/>
             <a:r>
-              <a:rPr lang="en-IN" sz="1600" b="1" dirty="0"/>
-              <a:t>CMD </a:t>
-            </a:r>
-            <a:r>
-              <a:rPr lang="en-IN" sz="1600" b="1" dirty="0" smtClean="0"/>
-              <a:t>/root</a:t>
-            </a:r>
-            <a:endParaRPr lang="en-IN" sz="1600" b="1" dirty="0"/>
-          </a:p>
-          <a:p>
-            <a:pPr lvl="0" algn="l"/>
-            <a:r>
               <a:rPr lang="en-IN" sz="1600" dirty="0" smtClean="0"/>
               <a:t>#</a:t>
             </a:r>
@@ -7815,7 +7788,7 @@
             </a:r>
             <a:r>
               <a:rPr lang="en-IN" sz="1600" dirty="0" err="1" smtClean="0"/>
-              <a:t>myentrypointcmdtest</a:t>
+              <a:t>myentrypointtest</a:t>
             </a:r>
             <a:r>
               <a:rPr lang="en-IN" sz="1600" dirty="0" smtClean="0"/>
@@ -7829,8 +7802,12 @@
               <a:t>#</a:t>
             </a:r>
             <a:r>
+              <a:rPr lang="en-IN" sz="1600" dirty="0" err="1"/>
+              <a:t>d</a:t>
+            </a:r>
+            <a:r>
               <a:rPr lang="en-IN" sz="1600" dirty="0" err="1" smtClean="0"/>
-              <a:t>docker</a:t>
+              <a:t>ocker</a:t>
             </a:r>
             <a:r>
               <a:rPr lang="en-IN" sz="1600" dirty="0" smtClean="0"/>
@@ -7862,49 +7839,7 @@
           </a:p>
           <a:p>
             <a:pPr lvl="0" algn="l"/>
-            <a:r>
-              <a:rPr lang="en-IN" sz="1600" b="1" dirty="0" smtClean="0"/>
-              <a:t>NOTE:IF you pass any </a:t>
-            </a:r>
-            <a:r>
-              <a:rPr lang="en-IN" sz="1600" b="1" dirty="0" err="1" smtClean="0"/>
-              <a:t>arg</a:t>
-            </a:r>
-            <a:r>
-              <a:rPr lang="en-IN" sz="1600" b="1" dirty="0" smtClean="0"/>
-              <a:t> during container create it’ll </a:t>
-            </a:r>
-            <a:r>
-              <a:rPr lang="en-IN" sz="1600" b="1" dirty="0" err="1" smtClean="0"/>
-              <a:t>overright</a:t>
-            </a:r>
-            <a:r>
-              <a:rPr lang="en-IN" sz="1600" b="1" dirty="0" smtClean="0"/>
-              <a:t> /root (CMD)and pass  .</a:t>
-            </a:r>
-          </a:p>
-          <a:p>
-            <a:pPr lvl="0" algn="l"/>
-            <a:r>
-              <a:rPr lang="en-IN" sz="1600" b="1" dirty="0" smtClean="0"/>
-              <a:t>IF you not pass any </a:t>
-            </a:r>
-            <a:r>
-              <a:rPr lang="en-IN" sz="1600" b="1" dirty="0" err="1" smtClean="0"/>
-              <a:t>arg</a:t>
-            </a:r>
-            <a:r>
-              <a:rPr lang="en-IN" sz="1600" b="1" dirty="0" smtClean="0"/>
-              <a:t> it’ll go to </a:t>
-            </a:r>
-            <a:r>
-              <a:rPr lang="en-IN" sz="1600" b="1" dirty="0" err="1" smtClean="0"/>
-              <a:t>ls</a:t>
-            </a:r>
-            <a:r>
-              <a:rPr lang="en-IN" sz="1600" b="1" dirty="0" smtClean="0"/>
-              <a:t> –l(ENTRYPOINT) and /root(CMD).</a:t>
-            </a:r>
+            <a:endParaRPr lang="en-IN" sz="1600" b="1" dirty="0" smtClean="0"/>
           </a:p>
           <a:p>
             <a:pPr lvl="0" algn="l"/>
@@ -7915,7 +7850,7 @@
     </p:spTree>
     <p:extLst>
       <p:ext uri="{BB962C8B-B14F-4D97-AF65-F5344CB8AC3E}">
-        <p14:creationId xmlns:p14="http://schemas.microsoft.com/office/powerpoint/2010/main" val="1872702137"/>
+        <p14:creationId xmlns:p14="http://schemas.microsoft.com/office/powerpoint/2010/main" val="3062140385"/>
       </p:ext>
     </p:extLst>
   </p:cSld>
@@ -7972,91 +7907,243 @@
           <a:p>
             <a:pPr lvl="0" algn="l"/>
             <a:r>
+              <a:rPr lang="en-IN" sz="3600" dirty="0" smtClean="0"/>
+              <a:t>			</a:t>
+            </a:r>
+            <a:r>
               <a:rPr lang="en-IN" sz="3600" dirty="0" err="1" smtClean="0"/>
               <a:t>Docker</a:t>
             </a:r>
             <a:r>
               <a:rPr lang="en-IN" sz="3600" dirty="0" smtClean="0"/>
-              <a:t> networking</a:t>
-            </a:r>
-          </a:p>
-          <a:p>
-            <a:pPr lvl="0" algn="l"/>
-            <a:endParaRPr lang="en-IN" sz="3600" b="1" dirty="0"/>
+              <a:t> file</a:t>
+            </a:r>
           </a:p>
           <a:p>
             <a:pPr lvl="0" algn="l"/>
             <a:r>
               <a:rPr lang="en-IN" sz="1600" b="1" dirty="0" smtClean="0"/>
+              <a:t>CMD </a:t>
+            </a:r>
+            <a:r>
+              <a:rPr lang="en-IN" sz="1600" dirty="0" smtClean="0"/>
+              <a:t>=&gt;  when you run container then CMD command will run </a:t>
+            </a:r>
+            <a:r>
+              <a:rPr lang="en-IN" sz="1600" dirty="0" err="1" smtClean="0"/>
+              <a:t>automaticlly</a:t>
+            </a:r>
+            <a:endParaRPr lang="en-IN" sz="1600" dirty="0" smtClean="0"/>
+          </a:p>
+          <a:p>
+            <a:pPr lvl="0" algn="l"/>
+            <a:r>
+              <a:rPr lang="en-IN" sz="1600" b="1" dirty="0" smtClean="0"/>
+              <a:t>ENTRYPOINT =&gt; when container start where its located and where your command execute</a:t>
+            </a:r>
+          </a:p>
+          <a:p>
+            <a:pPr lvl="0" algn="l"/>
+            <a:endParaRPr lang="en-IN" sz="1600" dirty="0"/>
+          </a:p>
+          <a:p>
+            <a:pPr lvl="0" algn="l"/>
+            <a:r>
+              <a:rPr lang="en-IN" sz="1600" dirty="0" smtClean="0"/>
+              <a:t>#Vim </a:t>
+            </a:r>
+            <a:r>
+              <a:rPr lang="en-IN" sz="1600" dirty="0" err="1" smtClean="0"/>
+              <a:t>Dockerfile</a:t>
+            </a:r>
+            <a:endParaRPr lang="en-IN" sz="1600" dirty="0" smtClean="0"/>
+          </a:p>
+          <a:p>
+            <a:pPr lvl="0" algn="l"/>
+            <a:r>
+              <a:rPr lang="en-IN" sz="1600" b="1" dirty="0"/>
+              <a:t>FROM      </a:t>
+            </a:r>
+            <a:r>
+              <a:rPr lang="en-IN" sz="1600" b="1" dirty="0" err="1"/>
+              <a:t>ubuntu</a:t>
+            </a:r>
+            <a:endParaRPr lang="en-IN" sz="1600" b="1" dirty="0"/>
+          </a:p>
+          <a:p>
+            <a:pPr lvl="0" algn="l"/>
+            <a:r>
+              <a:rPr lang="en-IN" sz="1600" b="1" dirty="0"/>
+              <a:t>MAINTAINER MAYANK SHARMA</a:t>
+            </a:r>
+          </a:p>
+          <a:p>
+            <a:pPr lvl="0" algn="l"/>
+            <a:r>
+              <a:rPr lang="en-IN" sz="1600" b="1" dirty="0" smtClean="0"/>
+              <a:t>RUN </a:t>
+            </a:r>
+            <a:r>
+              <a:rPr lang="en-IN" sz="1600" b="1" dirty="0"/>
+              <a:t>apt-get update</a:t>
+            </a:r>
+          </a:p>
+          <a:p>
+            <a:pPr lvl="0" algn="l"/>
+            <a:r>
+              <a:rPr lang="en-IN" sz="1600" b="1" dirty="0" smtClean="0"/>
+              <a:t>RUN </a:t>
+            </a:r>
+            <a:r>
+              <a:rPr lang="en-IN" sz="1600" b="1" dirty="0"/>
+              <a:t>apt-get install -y </a:t>
+            </a:r>
+            <a:r>
+              <a:rPr lang="en-IN" sz="1600" b="1" dirty="0" err="1"/>
+              <a:t>wget</a:t>
+            </a:r>
+            <a:endParaRPr lang="en-IN" sz="1600" b="1" dirty="0"/>
+          </a:p>
+          <a:p>
+            <a:pPr lvl="0" algn="l"/>
+            <a:r>
+              <a:rPr lang="en-IN" sz="1600" b="1" dirty="0" smtClean="0"/>
+              <a:t>ENTRYPOINT  </a:t>
+            </a:r>
+            <a:r>
+              <a:rPr lang="en-IN" sz="1600" b="1" dirty="0"/>
+              <a:t>[ "</a:t>
+            </a:r>
+            <a:r>
+              <a:rPr lang="en-IN" sz="1600" b="1" dirty="0" err="1"/>
+              <a:t>ls</a:t>
+            </a:r>
+            <a:r>
+              <a:rPr lang="en-IN" sz="1600" b="1" dirty="0"/>
+              <a:t>" , "-l" ]</a:t>
+            </a:r>
+          </a:p>
+          <a:p>
+            <a:pPr lvl="0" algn="l"/>
+            <a:r>
+              <a:rPr lang="en-IN" sz="1600" b="1" dirty="0"/>
+              <a:t>CMD </a:t>
+            </a:r>
+            <a:r>
+              <a:rPr lang="en-IN" sz="1600" b="1" dirty="0" smtClean="0"/>
+              <a:t>/root</a:t>
+            </a:r>
+            <a:endParaRPr lang="en-IN" sz="1600" b="1" dirty="0"/>
+          </a:p>
+          <a:p>
+            <a:pPr lvl="0" algn="l"/>
+            <a:r>
+              <a:rPr lang="en-IN" sz="1600" dirty="0" smtClean="0"/>
               <a:t>#</a:t>
             </a:r>
             <a:r>
-              <a:rPr lang="en-US" sz="2000" b="1" dirty="0" err="1"/>
+              <a:rPr lang="en-IN" sz="1600" dirty="0" err="1" smtClean="0"/>
               <a:t>docker</a:t>
             </a:r>
             <a:r>
-              <a:rPr lang="en-US" sz="2000" b="1" dirty="0"/>
-              <a:t> run -d --publish-all </a:t>
-            </a:r>
-            <a:r>
-              <a:rPr lang="en-US" sz="2000" b="1" dirty="0" err="1"/>
-              <a:t>jpetazzo</a:t>
-            </a:r>
-            <a:r>
-              <a:rPr lang="en-US" sz="2000" b="1" dirty="0"/>
-              <a:t>/web</a:t>
-            </a:r>
-          </a:p>
-          <a:p>
-            <a:pPr lvl="0" algn="l"/>
-            <a:r>
-              <a:rPr lang="en-IN" sz="2000" b="1" dirty="0" smtClean="0"/>
+              <a:rPr lang="en-IN" sz="1600" dirty="0" smtClean="0"/>
+              <a:t> build –t </a:t>
+            </a:r>
+            <a:r>
+              <a:rPr lang="en-IN" sz="1600" dirty="0" err="1" smtClean="0"/>
+              <a:t>myentrypointcmdtest</a:t>
+            </a:r>
+            <a:r>
+              <a:rPr lang="en-IN" sz="1600" dirty="0" smtClean="0"/>
+              <a:t> .</a:t>
+            </a:r>
+          </a:p>
+          <a:p>
+            <a:pPr lvl="0" algn="l"/>
+            <a:r>
+              <a:rPr lang="en-IN" sz="1600" dirty="0" smtClean="0"/>
               <a:t>#</a:t>
             </a:r>
             <a:r>
-              <a:rPr lang="en-IN" sz="2000" b="1" dirty="0" err="1" smtClean="0"/>
+              <a:rPr lang="en-IN" sz="1600" dirty="0" err="1" smtClean="0"/>
               <a:t>docker</a:t>
             </a:r>
             <a:r>
-              <a:rPr lang="en-IN" sz="2000" b="1" dirty="0" smtClean="0"/>
-              <a:t> </a:t>
-            </a:r>
-            <a:r>
-              <a:rPr lang="en-IN" sz="2000" b="1" dirty="0"/>
-              <a:t>inspect --format '{{.</a:t>
-            </a:r>
-            <a:r>
-              <a:rPr lang="en-IN" sz="2000" b="1" dirty="0" err="1"/>
-              <a:t>NetworkSettings.IPAddress</a:t>
-            </a:r>
-            <a:r>
-              <a:rPr lang="en-IN" sz="2000" b="1" dirty="0"/>
-              <a:t>}}' </a:t>
-            </a:r>
-            <a:r>
-              <a:rPr lang="en-IN" sz="2000" b="1" dirty="0" smtClean="0"/>
-              <a:t>Container IP</a:t>
-            </a:r>
-            <a:endParaRPr lang="en-IN" sz="2000" b="1" dirty="0"/>
-          </a:p>
-          <a:p>
-            <a:pPr lvl="0" algn="l"/>
-            <a:endParaRPr lang="en-IN" sz="1600" b="1" dirty="0" smtClean="0"/>
+              <a:rPr lang="en-IN" sz="1600" dirty="0" smtClean="0"/>
+              <a:t> run &lt;</a:t>
+            </a:r>
+            <a:r>
+              <a:rPr lang="en-IN" sz="1600" dirty="0" err="1" smtClean="0"/>
+              <a:t>image_id</a:t>
+            </a:r>
+            <a:r>
+              <a:rPr lang="en-IN" sz="1600" dirty="0" smtClean="0"/>
+              <a:t>&gt; /root</a:t>
+            </a:r>
           </a:p>
           <a:p>
             <a:pPr lvl="0" algn="l"/>
             <a:r>
               <a:rPr lang="en-IN" sz="1600" b="1" dirty="0" smtClean="0"/>
-              <a:t>So you’ll se </a:t>
+              <a:t>&lt;output of </a:t>
             </a:r>
             <a:r>
               <a:rPr lang="en-IN" sz="1600" b="1" dirty="0" err="1" smtClean="0"/>
-              <a:t>ip</a:t>
+              <a:t>ls</a:t>
             </a:r>
             <a:r>
               <a:rPr lang="en-IN" sz="1600" b="1" dirty="0" smtClean="0"/>
-              <a:t> a of container </a:t>
-            </a:r>
+              <a:t> –l /root&gt;</a:t>
+            </a:r>
+          </a:p>
+          <a:p>
+            <a:pPr lvl="0" algn="l"/>
+            <a:r>
+              <a:rPr lang="en-IN" sz="1600" b="1" dirty="0" smtClean="0"/>
+              <a:t>NOTE:IF you pass any </a:t>
+            </a:r>
+            <a:r>
+              <a:rPr lang="en-IN" sz="1600" b="1" dirty="0" err="1" smtClean="0"/>
+              <a:t>arg</a:t>
+            </a:r>
+            <a:r>
+              <a:rPr lang="en-IN" sz="1600" b="1" dirty="0" smtClean="0"/>
+              <a:t> during container create it’ll </a:t>
+            </a:r>
+            <a:r>
+              <a:rPr lang="en-IN" sz="1600" b="1" dirty="0" err="1" smtClean="0"/>
+              <a:t>overright</a:t>
+            </a:r>
+            <a:r>
+              <a:rPr lang="en-IN" sz="1600" b="1" dirty="0" smtClean="0"/>
+              <a:t> /root (CMD)and pass  .</a:t>
+            </a:r>
+          </a:p>
+          <a:p>
+            <a:pPr lvl="0" algn="l"/>
+            <a:r>
+              <a:rPr lang="en-IN" sz="1600" b="1" dirty="0" smtClean="0"/>
+              <a:t>IF you not pass any </a:t>
+            </a:r>
+            <a:r>
+              <a:rPr lang="en-IN" sz="1600" b="1" dirty="0" err="1" smtClean="0"/>
+              <a:t>arg</a:t>
+            </a:r>
+            <a:r>
+              <a:rPr lang="en-IN" sz="1600" b="1" dirty="0" smtClean="0"/>
+              <a:t> it’ll go to </a:t>
+            </a:r>
+            <a:r>
+              <a:rPr lang="en-IN" sz="1600" b="1" dirty="0" err="1" smtClean="0"/>
+              <a:t>ls</a:t>
+            </a:r>
+            <a:r>
+              <a:rPr lang="en-IN" sz="1600" b="1" dirty="0" smtClean="0"/>
+              <a:t> –l(ENTRYPOINT) and /root(CMD).</a:t>
+            </a:r>
+          </a:p>
+          <a:p>
+            <a:pPr lvl="0" algn="l"/>
             <a:endParaRPr lang="en-IN" sz="1600" b="1" dirty="0"/>
           </a:p>
         </p:txBody>
@@ -8064,7 +8151,7 @@
     </p:spTree>
     <p:extLst>
       <p:ext uri="{BB962C8B-B14F-4D97-AF65-F5344CB8AC3E}">
-        <p14:creationId xmlns:p14="http://schemas.microsoft.com/office/powerpoint/2010/main" val="1963731300"/>
+        <p14:creationId xmlns:p14="http://schemas.microsoft.com/office/powerpoint/2010/main" val="1872702137"/>
       </p:ext>
     </p:extLst>
   </p:cSld>
@@ -8121,171 +8208,90 @@
           <a:p>
             <a:pPr lvl="0" algn="l"/>
             <a:r>
-              <a:rPr lang="en-US" sz="3600" dirty="0" smtClean="0"/>
-              <a:t>Volumes</a:t>
-            </a:r>
-          </a:p>
-          <a:p>
-            <a:pPr lvl="0" algn="l"/>
-            <a:r>
-              <a:rPr lang="en-IN" sz="1600" b="1" dirty="0"/>
+              <a:rPr lang="en-IN" sz="3600" dirty="0" err="1" smtClean="0"/>
+              <a:t>Docker</a:t>
+            </a:r>
+            <a:r>
+              <a:rPr lang="en-IN" sz="3600" dirty="0" smtClean="0"/>
+              <a:t> networking</a:t>
+            </a:r>
+          </a:p>
+          <a:p>
+            <a:pPr lvl="0" algn="l"/>
+            <a:endParaRPr lang="en-IN" sz="3600" b="1" dirty="0"/>
+          </a:p>
+          <a:p>
+            <a:pPr lvl="0" algn="l"/>
+            <a:r>
+              <a:rPr lang="en-IN" sz="1600" b="1" dirty="0" smtClean="0"/>
+              <a:t>#</a:t>
+            </a:r>
+            <a:r>
+              <a:rPr lang="en-US" sz="2000" b="1" dirty="0" err="1"/>
+              <a:t>docker</a:t>
+            </a:r>
+            <a:r>
+              <a:rPr lang="en-US" sz="2000" b="1" dirty="0"/>
+              <a:t> run -d --publish-all </a:t>
+            </a:r>
+            <a:r>
+              <a:rPr lang="en-US" sz="2000" b="1" dirty="0" err="1"/>
+              <a:t>jpetazzo</a:t>
+            </a:r>
+            <a:r>
+              <a:rPr lang="en-US" sz="2000" b="1" dirty="0"/>
+              <a:t>/web</a:t>
+            </a:r>
+          </a:p>
+          <a:p>
+            <a:pPr lvl="0" algn="l"/>
+            <a:r>
+              <a:rPr lang="en-IN" sz="2000" b="1" dirty="0" smtClean="0"/>
+              <a:t>#</a:t>
+            </a:r>
+            <a:r>
+              <a:rPr lang="en-IN" sz="2000" b="1" dirty="0" err="1" smtClean="0"/>
+              <a:t>docker</a:t>
+            </a:r>
+            <a:r>
+              <a:rPr lang="en-IN" sz="2000" b="1" dirty="0" smtClean="0"/>
               <a:t> </a:t>
             </a:r>
             <a:r>
-              <a:rPr lang="en-IN" sz="1600" b="1" dirty="0" err="1"/>
-              <a:t>mkdir</a:t>
-            </a:r>
-            <a:r>
-              <a:rPr lang="en-IN" sz="1600" b="1" dirty="0"/>
-              <a:t> /data</a:t>
-            </a:r>
-          </a:p>
-          <a:p>
-            <a:pPr lvl="0" algn="l"/>
-            <a:r>
-              <a:rPr lang="en-IN" sz="1600" b="1" dirty="0"/>
-              <a:t>cd /data</a:t>
-            </a:r>
-          </a:p>
-          <a:p>
-            <a:pPr lvl="0" algn="l"/>
-            <a:r>
-              <a:rPr lang="en-IN" sz="1600" b="1" dirty="0"/>
-              <a:t> echo </a:t>
-            </a:r>
-            <a:r>
-              <a:rPr lang="en-IN" sz="1600" b="1" dirty="0" err="1"/>
-              <a:t>mayank</a:t>
-            </a:r>
-            <a:r>
-              <a:rPr lang="en-IN" sz="1600" b="1" dirty="0"/>
-              <a:t> &gt; index.html</a:t>
-            </a:r>
-          </a:p>
-          <a:p>
-            <a:pPr lvl="0" algn="l"/>
-            <a:r>
-              <a:rPr lang="en-US" sz="1600" b="1" dirty="0" err="1"/>
-              <a:t>docker</a:t>
-            </a:r>
-            <a:r>
-              <a:rPr lang="en-US" sz="1600" b="1" dirty="0"/>
-              <a:t> run -d -p 8080:80 -v /data:/</a:t>
-            </a:r>
-            <a:r>
-              <a:rPr lang="en-US" sz="1600" b="1" dirty="0" err="1"/>
-              <a:t>var</a:t>
-            </a:r>
-            <a:r>
-              <a:rPr lang="en-US" sz="1600" b="1" dirty="0"/>
-              <a:t>/www/html --name </a:t>
-            </a:r>
-            <a:r>
-              <a:rPr lang="en-US" sz="1600" b="1" dirty="0" smtClean="0"/>
-              <a:t>mywebsite_C1centos/</a:t>
-            </a:r>
-            <a:r>
-              <a:rPr lang="en-US" sz="1600" b="1" dirty="0" err="1" smtClean="0"/>
-              <a:t>httpd</a:t>
-            </a:r>
-            <a:endParaRPr lang="en-US" sz="1600" b="1" dirty="0"/>
-          </a:p>
-          <a:p>
-            <a:pPr lvl="0" algn="l"/>
-            <a:r>
-              <a:rPr lang="en-US" sz="1600" b="1" dirty="0" err="1"/>
-              <a:t>docker</a:t>
-            </a:r>
-            <a:r>
-              <a:rPr lang="en-US" sz="1600" b="1" dirty="0"/>
-              <a:t> run -d -p 8081:80 -v /data:/</a:t>
-            </a:r>
-            <a:r>
-              <a:rPr lang="en-US" sz="1600" b="1" dirty="0" err="1"/>
-              <a:t>var</a:t>
-            </a:r>
-            <a:r>
-              <a:rPr lang="en-US" sz="1600" b="1" dirty="0"/>
-              <a:t>/www/html --name </a:t>
-            </a:r>
-            <a:r>
-              <a:rPr lang="en-US" sz="1600" b="1" dirty="0" smtClean="0"/>
-              <a:t>mywebsite_sC2 </a:t>
-            </a:r>
-            <a:r>
-              <a:rPr lang="en-US" sz="1600" b="1" dirty="0"/>
-              <a:t>centos/</a:t>
-            </a:r>
-            <a:r>
-              <a:rPr lang="en-US" sz="1600" b="1" dirty="0" err="1"/>
-              <a:t>httpd</a:t>
-            </a:r>
-            <a:endParaRPr lang="en-US" sz="1600" b="1" dirty="0"/>
-          </a:p>
-          <a:p>
-            <a:pPr lvl="0" algn="l"/>
-            <a:r>
-              <a:rPr lang="en-US" sz="1600" b="1" dirty="0" err="1"/>
-              <a:t>docker</a:t>
-            </a:r>
-            <a:r>
-              <a:rPr lang="en-US" sz="1600" b="1" dirty="0"/>
-              <a:t> run -d -p 80:80 -v /data:/</a:t>
-            </a:r>
-            <a:r>
-              <a:rPr lang="en-US" sz="1600" b="1" dirty="0" err="1"/>
-              <a:t>var</a:t>
-            </a:r>
-            <a:r>
-              <a:rPr lang="en-US" sz="1600" b="1" dirty="0"/>
-              <a:t>/www/html --name </a:t>
-            </a:r>
-            <a:r>
-              <a:rPr lang="en-US" sz="1600" b="1" dirty="0" smtClean="0"/>
-              <a:t>mywebsite_C3 </a:t>
-            </a:r>
-            <a:r>
-              <a:rPr lang="en-US" sz="1600" b="1" dirty="0"/>
-              <a:t>centos/</a:t>
-            </a:r>
-            <a:r>
-              <a:rPr lang="en-US" sz="1600" b="1" dirty="0" err="1"/>
-              <a:t>httpd</a:t>
-            </a:r>
-            <a:endParaRPr lang="en-US" sz="1600" b="1" dirty="0"/>
+              <a:rPr lang="en-IN" sz="2000" b="1" dirty="0"/>
+              <a:t>inspect --format '{{.</a:t>
+            </a:r>
+            <a:r>
+              <a:rPr lang="en-IN" sz="2000" b="1" dirty="0" err="1"/>
+              <a:t>NetworkSettings.IPAddress</a:t>
+            </a:r>
+            <a:r>
+              <a:rPr lang="en-IN" sz="2000" b="1" dirty="0"/>
+              <a:t>}}' </a:t>
+            </a:r>
+            <a:r>
+              <a:rPr lang="en-IN" sz="2000" b="1" dirty="0" smtClean="0"/>
+              <a:t>Container ID</a:t>
+            </a:r>
+            <a:endParaRPr lang="en-IN" sz="2000" b="1" dirty="0"/>
+          </a:p>
+          <a:p>
+            <a:pPr lvl="0" algn="l"/>
+            <a:endParaRPr lang="en-IN" sz="1600" b="1" dirty="0" smtClean="0"/>
           </a:p>
           <a:p>
             <a:pPr lvl="0" algn="l"/>
             <a:r>
               <a:rPr lang="en-IN" sz="1600" b="1" dirty="0" smtClean="0"/>
-              <a:t>GOTO browser and type localhost:8080,</a:t>
-            </a:r>
-            <a:r>
-              <a:rPr lang="en-IN" sz="1600" b="1" dirty="0"/>
-              <a:t> </a:t>
+              <a:t>So you’ll se </a:t>
+            </a:r>
+            <a:r>
+              <a:rPr lang="en-IN" sz="1600" b="1" dirty="0" err="1" smtClean="0"/>
+              <a:t>ip</a:t>
             </a:r>
             <a:r>
               <a:rPr lang="en-IN" sz="1600" b="1" dirty="0" smtClean="0"/>
-              <a:t>localhost:8081,</a:t>
-            </a:r>
-            <a:r>
-              <a:rPr lang="en-IN" sz="1600" b="1" dirty="0"/>
-              <a:t> </a:t>
-            </a:r>
-            <a:r>
-              <a:rPr lang="en-IN" sz="1600" b="1" dirty="0" smtClean="0"/>
-              <a:t>localhost:80.</a:t>
-            </a:r>
-          </a:p>
-          <a:p>
-            <a:pPr lvl="0" algn="l"/>
-            <a:endParaRPr lang="en-IN" sz="1600" b="1" dirty="0"/>
-          </a:p>
-          <a:p>
-            <a:pPr lvl="0" algn="l"/>
-            <a:r>
-              <a:rPr lang="en-IN" sz="1600" b="1" dirty="0" smtClean="0"/>
-              <a:t>Now we have shared volume environment three container with same folder shared with them</a:t>
+              <a:t> a of container </a:t>
             </a:r>
             <a:endParaRPr lang="en-IN" sz="1600" b="1" dirty="0"/>
           </a:p>
@@ -8294,7 +8300,7 @@
     </p:spTree>
     <p:extLst>
       <p:ext uri="{BB962C8B-B14F-4D97-AF65-F5344CB8AC3E}">
-        <p14:creationId xmlns:p14="http://schemas.microsoft.com/office/powerpoint/2010/main" val="3444446453"/>
+        <p14:creationId xmlns:p14="http://schemas.microsoft.com/office/powerpoint/2010/main" val="1963731300"/>
       </p:ext>
     </p:extLst>
   </p:cSld>
@@ -8314,7 +8320,7 @@
 
 <file path=ppt/slides/slide2.xml><?xml version="1.0" encoding="utf-8"?>
 <p:sld xmlns:a="http://schemas.openxmlformats.org/drawingml/2006/main" xmlns:r="http://schemas.openxmlformats.org/officeDocument/2006/relationships" xmlns:p="http://schemas.openxmlformats.org/presentationml/2006/main">
-  <p:cSld>
+  <p:cSld name="page1">
     <p:spTree>
       <p:nvGrpSpPr>
         <p:cNvPr id="1" name=""/>
@@ -8351,257 +8357,432 @@
           <a:p>
             <a:pPr lvl="0" algn="l"/>
             <a:r>
-              <a:rPr lang="en-US" sz="1800" dirty="0" err="1" smtClean="0">
+              <a:rPr lang="en-IN" sz="1600" dirty="0">
+                <a:latin typeface="Ubuntu" pitchFamily="18"/>
+              </a:rPr>
+              <a:t>			</a:t>
+            </a:r>
+            <a:r>
+              <a:rPr lang="en-IN" sz="1600" dirty="0" smtClean="0">
+                <a:latin typeface="Ubuntu" pitchFamily="18"/>
+              </a:rPr>
+              <a:t>	</a:t>
+            </a:r>
+            <a:r>
+              <a:rPr lang="en-IN" sz="2000" b="1" u="sng" dirty="0" smtClean="0">
+                <a:latin typeface="Ubuntu" pitchFamily="18"/>
+              </a:rPr>
+              <a:t>Basics </a:t>
+            </a:r>
+            <a:r>
+              <a:rPr lang="en-IN" sz="2000" b="1" u="sng" dirty="0">
+                <a:latin typeface="Ubuntu" pitchFamily="18"/>
+              </a:rPr>
+              <a:t>commands</a:t>
+            </a:r>
+          </a:p>
+          <a:p>
+            <a:pPr lvl="0" algn="l"/>
+            <a:r>
+              <a:rPr lang="en-IN" sz="1600" dirty="0" err="1" smtClean="0">
                 <a:latin typeface="Ubuntu" pitchFamily="18"/>
               </a:rPr>
               <a:t>Docker</a:t>
             </a:r>
             <a:r>
-              <a:rPr lang="en-US" sz="1800" dirty="0" smtClean="0">
+              <a:rPr lang="en-IN" sz="1600" dirty="0" smtClean="0">
                 <a:latin typeface="Ubuntu" pitchFamily="18"/>
               </a:rPr>
               <a:t> </a:t>
             </a:r>
             <a:r>
-              <a:rPr lang="en-US" sz="1800" dirty="0">
-                <a:latin typeface="Ubuntu" pitchFamily="18"/>
-              </a:rPr>
-              <a:t>port =&gt; </a:t>
-            </a:r>
-            <a:r>
-              <a:rPr lang="en-US" sz="1800" dirty="0" smtClean="0">
-                <a:latin typeface="Ubuntu" pitchFamily="18"/>
-              </a:rPr>
-              <a:t>	Lookup </a:t>
-            </a:r>
-            <a:r>
-              <a:rPr lang="en-US" sz="1800" dirty="0">
-                <a:latin typeface="Ubuntu" pitchFamily="18"/>
-              </a:rPr>
-              <a:t>the public-facing port that is NAT-</a:t>
-            </a:r>
-            <a:r>
-              <a:rPr lang="en-US" sz="1800" dirty="0" err="1">
-                <a:latin typeface="Ubuntu" pitchFamily="18"/>
-              </a:rPr>
-              <a:t>ed</a:t>
-            </a:r>
-            <a:r>
-              <a:rPr lang="en-US" sz="1800" dirty="0">
-                <a:latin typeface="Ubuntu" pitchFamily="18"/>
-              </a:rPr>
-              <a:t> to </a:t>
-            </a:r>
-            <a:r>
-              <a:rPr lang="en-US" sz="1800" dirty="0" smtClean="0">
-                <a:latin typeface="Ubuntu" pitchFamily="18"/>
-              </a:rPr>
-              <a:t>PRIVATE_PORT</a:t>
-            </a:r>
-          </a:p>
-          <a:p>
-            <a:pPr lvl="0" algn="l"/>
-            <a:r>
-              <a:rPr lang="en-US" sz="1800" dirty="0" smtClean="0">
-                <a:latin typeface="Ubuntu" pitchFamily="18"/>
-              </a:rPr>
-              <a:t>	</a:t>
-            </a:r>
-            <a:r>
-              <a:rPr lang="en-US" sz="1800" dirty="0" err="1" smtClean="0">
-                <a:latin typeface="Ubuntu" pitchFamily="18"/>
-              </a:rPr>
-              <a:t>ex:</a:t>
-            </a:r>
-            <a:r>
-              <a:rPr lang="en-US" sz="1800" b="1" dirty="0" err="1" smtClean="0">
+              <a:rPr lang="en-IN" sz="1600" dirty="0">
+                <a:latin typeface="Ubuntu" pitchFamily="18"/>
+              </a:rPr>
+              <a:t>images 			=&gt; to see all images</a:t>
+            </a:r>
+          </a:p>
+          <a:p>
+            <a:pPr lvl="0" algn="l"/>
+            <a:r>
+              <a:rPr lang="en-IN" sz="1600" dirty="0" err="1">
+                <a:latin typeface="Ubuntu" pitchFamily="18"/>
+              </a:rPr>
+              <a:t>Docker</a:t>
+            </a:r>
+            <a:r>
+              <a:rPr lang="en-IN" sz="1600" dirty="0">
+                <a:latin typeface="Ubuntu" pitchFamily="18"/>
+              </a:rPr>
+              <a:t> pull </a:t>
+            </a:r>
+            <a:r>
+              <a:rPr lang="en-IN" sz="1600" dirty="0" err="1" smtClean="0">
+                <a:latin typeface="Ubuntu" pitchFamily="18"/>
+              </a:rPr>
+              <a:t>image_name</a:t>
+            </a:r>
+            <a:r>
+              <a:rPr lang="en-IN" sz="1600" dirty="0">
+                <a:latin typeface="Ubuntu" pitchFamily="18"/>
+              </a:rPr>
+              <a:t>		=&gt; to get images from online repos</a:t>
+            </a:r>
+          </a:p>
+          <a:p>
+            <a:pPr lvl="0" algn="l"/>
+            <a:r>
+              <a:rPr lang="en-IN" sz="1600" dirty="0" err="1">
+                <a:latin typeface="Ubuntu" pitchFamily="18"/>
+              </a:rPr>
+              <a:t>Docker</a:t>
+            </a:r>
+            <a:r>
+              <a:rPr lang="en-IN" sz="1600" dirty="0">
+                <a:latin typeface="Ubuntu" pitchFamily="18"/>
+              </a:rPr>
+              <a:t> search 			=&gt; to search </a:t>
+            </a:r>
+            <a:r>
+              <a:rPr lang="en-IN" sz="1600" dirty="0" err="1">
                 <a:latin typeface="Ubuntu" pitchFamily="18"/>
               </a:rPr>
               <a:t>docker</a:t>
             </a:r>
             <a:r>
-              <a:rPr lang="en-US" sz="1800" b="1" dirty="0" smtClean="0">
-                <a:latin typeface="Ubuntu" pitchFamily="18"/>
-              </a:rPr>
-              <a:t> port &lt;CONTAINER_ID&gt;</a:t>
-            </a:r>
-          </a:p>
-          <a:p>
-            <a:pPr lvl="0" algn="l"/>
-            <a:r>
-              <a:rPr lang="en-US" sz="1800" dirty="0" err="1" smtClean="0">
+              <a:rPr lang="en-IN" sz="1600" dirty="0">
+                <a:latin typeface="Ubuntu" pitchFamily="18"/>
+              </a:rPr>
+              <a:t> image from online repos</a:t>
+            </a:r>
+          </a:p>
+          <a:p>
+            <a:pPr lvl="0" algn="l"/>
+            <a:r>
+              <a:rPr lang="en-IN" sz="1600" dirty="0" err="1">
                 <a:latin typeface="Ubuntu" pitchFamily="18"/>
               </a:rPr>
               <a:t>Docker</a:t>
             </a:r>
             <a:r>
-              <a:rPr lang="en-US" sz="1800" dirty="0" smtClean="0">
+              <a:rPr lang="en-IN" sz="1600" dirty="0">
+                <a:latin typeface="Ubuntu" pitchFamily="18"/>
+              </a:rPr>
+              <a:t> stop			=&gt; to stop running container</a:t>
+            </a:r>
+          </a:p>
+          <a:p>
+            <a:pPr lvl="0" algn="l"/>
+            <a:r>
+              <a:rPr lang="en-IN" sz="1600" dirty="0" err="1">
+                <a:latin typeface="Ubuntu" pitchFamily="18"/>
+              </a:rPr>
+              <a:t>Docker</a:t>
+            </a:r>
+            <a:r>
+              <a:rPr lang="en-IN" sz="1600" dirty="0">
+                <a:latin typeface="Ubuntu" pitchFamily="18"/>
+              </a:rPr>
+              <a:t> start			=&gt; to start </a:t>
+            </a:r>
+            <a:r>
+              <a:rPr lang="en-IN" sz="1600" dirty="0" err="1">
+                <a:latin typeface="Ubuntu" pitchFamily="18"/>
+              </a:rPr>
+              <a:t>stoped</a:t>
+            </a:r>
+            <a:r>
+              <a:rPr lang="en-IN" sz="1600" dirty="0">
+                <a:latin typeface="Ubuntu" pitchFamily="18"/>
+              </a:rPr>
+              <a:t> container</a:t>
+            </a:r>
+          </a:p>
+          <a:p>
+            <a:pPr lvl="0" algn="l"/>
+            <a:r>
+              <a:rPr lang="en-IN" sz="1600" dirty="0" err="1">
+                <a:latin typeface="Ubuntu" pitchFamily="18"/>
+              </a:rPr>
+              <a:t>Docker</a:t>
+            </a:r>
+            <a:r>
+              <a:rPr lang="en-IN" sz="1600" dirty="0">
+                <a:latin typeface="Ubuntu" pitchFamily="18"/>
+              </a:rPr>
+              <a:t> attach			=&gt; to attach and get shell of running </a:t>
+            </a:r>
+            <a:r>
+              <a:rPr lang="en-IN" sz="1600" dirty="0" smtClean="0">
+                <a:latin typeface="Ubuntu" pitchFamily="18"/>
+              </a:rPr>
+              <a:t>container</a:t>
+            </a:r>
+            <a:r>
+              <a:rPr lang="en-IN" sz="1600" dirty="0">
+                <a:latin typeface="Ubuntu" pitchFamily="18"/>
+              </a:rPr>
+              <a:t>.</a:t>
+            </a:r>
+          </a:p>
+          <a:p>
+            <a:pPr lvl="0" algn="l"/>
+            <a:r>
+              <a:rPr lang="en-IN" sz="1600" dirty="0" err="1">
+                <a:latin typeface="Ubuntu" pitchFamily="18"/>
+              </a:rPr>
+              <a:t>Docker</a:t>
+            </a:r>
+            <a:r>
+              <a:rPr lang="en-IN" sz="1600" dirty="0">
                 <a:latin typeface="Ubuntu" pitchFamily="18"/>
               </a:rPr>
               <a:t> </a:t>
             </a:r>
             <a:r>
-              <a:rPr lang="en-US" sz="1800" dirty="0">
-                <a:latin typeface="Ubuntu" pitchFamily="18"/>
-              </a:rPr>
-              <a:t>save =&gt;	 Save an image to a tar </a:t>
-            </a:r>
-            <a:r>
-              <a:rPr lang="en-US" sz="1800" dirty="0" smtClean="0">
-                <a:latin typeface="Ubuntu" pitchFamily="18"/>
-              </a:rPr>
-              <a:t>archive</a:t>
-            </a:r>
-          </a:p>
-          <a:p>
-            <a:pPr lvl="0" algn="l"/>
-            <a:r>
-              <a:rPr lang="en-US" sz="1800" dirty="0">
-                <a:latin typeface="Ubuntu" pitchFamily="18"/>
-              </a:rPr>
-              <a:t>	</a:t>
-            </a:r>
-            <a:r>
-              <a:rPr lang="en-US" sz="1800" dirty="0" err="1" smtClean="0">
-                <a:latin typeface="Ubuntu" pitchFamily="18"/>
-              </a:rPr>
-              <a:t>ex:</a:t>
-            </a:r>
-            <a:r>
-              <a:rPr lang="en-US" sz="1800" b="1" dirty="0" err="1" smtClean="0">
+              <a:rPr lang="en-IN" sz="1600" dirty="0" err="1">
+                <a:latin typeface="Ubuntu" pitchFamily="18"/>
+              </a:rPr>
+              <a:t>rm</a:t>
+            </a:r>
+            <a:r>
+              <a:rPr lang="en-IN" sz="1600" dirty="0">
+                <a:latin typeface="Ubuntu" pitchFamily="18"/>
+              </a:rPr>
+              <a:t> 			</a:t>
+            </a:r>
+            <a:r>
+              <a:rPr lang="en-IN" sz="1600" dirty="0" smtClean="0">
+                <a:latin typeface="Ubuntu" pitchFamily="18"/>
+              </a:rPr>
+              <a:t>=&gt; </a:t>
+            </a:r>
+            <a:r>
+              <a:rPr lang="en-IN" sz="1600" dirty="0">
+                <a:latin typeface="Ubuntu" pitchFamily="18"/>
+              </a:rPr>
+              <a:t>remove containers</a:t>
+            </a:r>
+          </a:p>
+          <a:p>
+            <a:pPr lvl="0" algn="l"/>
+            <a:r>
+              <a:rPr lang="en-IN" sz="1600" dirty="0" err="1">
+                <a:latin typeface="Ubuntu" pitchFamily="18"/>
+              </a:rPr>
+              <a:t>Docker</a:t>
+            </a:r>
+            <a:r>
+              <a:rPr lang="en-IN" sz="1600" dirty="0">
+                <a:latin typeface="Ubuntu" pitchFamily="18"/>
+              </a:rPr>
+              <a:t> </a:t>
+            </a:r>
+            <a:r>
+              <a:rPr lang="en-IN" sz="1600" dirty="0" err="1">
+                <a:latin typeface="Ubuntu" pitchFamily="18"/>
+              </a:rPr>
+              <a:t>rmi</a:t>
+            </a:r>
+            <a:r>
+              <a:rPr lang="en-IN" sz="1600" dirty="0">
+                <a:latin typeface="Ubuntu" pitchFamily="18"/>
+              </a:rPr>
+              <a:t> 			</a:t>
+            </a:r>
+            <a:r>
+              <a:rPr lang="en-IN" sz="1600" dirty="0" smtClean="0">
+                <a:latin typeface="Ubuntu" pitchFamily="18"/>
+              </a:rPr>
+              <a:t>=&gt; </a:t>
+            </a:r>
+            <a:r>
+              <a:rPr lang="en-IN" sz="1600" dirty="0">
+                <a:latin typeface="Ubuntu" pitchFamily="18"/>
+              </a:rPr>
+              <a:t>remove images</a:t>
+            </a:r>
+          </a:p>
+          <a:p>
+            <a:pPr lvl="0" algn="l"/>
+            <a:r>
+              <a:rPr lang="en-IN" sz="1600" dirty="0" err="1" smtClean="0">
+                <a:latin typeface="Ubuntu" pitchFamily="18"/>
+              </a:rPr>
+              <a:t>Docker</a:t>
+            </a:r>
+            <a:r>
+              <a:rPr lang="en-IN" sz="1600" dirty="0" smtClean="0">
+                <a:latin typeface="Ubuntu" pitchFamily="18"/>
+              </a:rPr>
+              <a:t> rename			=&gt; rename a container</a:t>
+            </a:r>
+          </a:p>
+          <a:p>
+            <a:pPr lvl="0" algn="l"/>
+            <a:r>
+              <a:rPr lang="en-IN" sz="1600" dirty="0" err="1" smtClean="0">
+                <a:latin typeface="Ubuntu" pitchFamily="18"/>
+              </a:rPr>
+              <a:t>Docker</a:t>
+            </a:r>
+            <a:r>
+              <a:rPr lang="en-IN" sz="1600" dirty="0" smtClean="0">
+                <a:latin typeface="Ubuntu" pitchFamily="18"/>
+              </a:rPr>
+              <a:t> build			=&gt; build </a:t>
+            </a:r>
+            <a:r>
+              <a:rPr lang="en-IN" sz="1600" dirty="0" err="1" smtClean="0">
+                <a:latin typeface="Ubuntu" pitchFamily="18"/>
+              </a:rPr>
+              <a:t>custome</a:t>
+            </a:r>
+            <a:r>
+              <a:rPr lang="en-IN" sz="1600" dirty="0" smtClean="0">
+                <a:latin typeface="Ubuntu" pitchFamily="18"/>
+              </a:rPr>
+              <a:t> </a:t>
+            </a:r>
+            <a:r>
+              <a:rPr lang="en-IN" sz="1600" dirty="0" err="1" smtClean="0">
                 <a:latin typeface="Ubuntu" pitchFamily="18"/>
               </a:rPr>
               <a:t>docker</a:t>
             </a:r>
             <a:r>
-              <a:rPr lang="en-US" sz="1800" b="1" dirty="0" smtClean="0">
-                <a:latin typeface="Ubuntu" pitchFamily="18"/>
-              </a:rPr>
-              <a:t> save –o /</a:t>
-            </a:r>
-            <a:r>
-              <a:rPr lang="en-US" sz="1800" b="1" dirty="0" err="1" smtClean="0">
-                <a:latin typeface="Ubuntu" pitchFamily="18"/>
-              </a:rPr>
-              <a:t>tmp</a:t>
-            </a:r>
-            <a:r>
-              <a:rPr lang="en-US" sz="1800" b="1" dirty="0" smtClean="0">
-                <a:latin typeface="Ubuntu" pitchFamily="18"/>
-              </a:rPr>
-              <a:t>/</a:t>
-            </a:r>
-            <a:r>
-              <a:rPr lang="en-US" sz="1800" b="1" dirty="0" err="1" smtClean="0">
-                <a:latin typeface="Ubuntu" pitchFamily="18"/>
-              </a:rPr>
-              <a:t>mydata</a:t>
-            </a:r>
-            <a:r>
-              <a:rPr lang="en-US" sz="1800" b="1" dirty="0" smtClean="0">
-                <a:latin typeface="Ubuntu" pitchFamily="18"/>
-              </a:rPr>
-              <a:t> &lt;IMAGE_ID&gt;</a:t>
-            </a:r>
-          </a:p>
-          <a:p>
-            <a:pPr lvl="0" algn="l"/>
-            <a:r>
-              <a:rPr lang="en-US" sz="1800" dirty="0" err="1" smtClean="0">
-                <a:latin typeface="Ubuntu" pitchFamily="18"/>
-              </a:rPr>
-              <a:t>Docker</a:t>
-            </a:r>
-            <a:r>
-              <a:rPr lang="en-US" sz="1800" dirty="0" smtClean="0">
-                <a:latin typeface="Ubuntu" pitchFamily="18"/>
-              </a:rPr>
-              <a:t> stats </a:t>
-            </a:r>
-            <a:r>
-              <a:rPr lang="en-US" sz="1800" b="1" dirty="0" smtClean="0">
-                <a:latin typeface="Ubuntu" pitchFamily="18"/>
-              </a:rPr>
-              <a:t>=&gt;  </a:t>
-            </a:r>
-            <a:r>
-              <a:rPr lang="en-US" sz="1800" dirty="0" smtClean="0">
-                <a:latin typeface="Ubuntu" pitchFamily="18"/>
-              </a:rPr>
-              <a:t>display </a:t>
-            </a:r>
-            <a:r>
-              <a:rPr lang="en-US" sz="1800" dirty="0" err="1" smtClean="0">
-                <a:latin typeface="Ubuntu" pitchFamily="18"/>
-              </a:rPr>
-              <a:t>cpu,mem,net</a:t>
-            </a:r>
-            <a:r>
-              <a:rPr lang="en-US" sz="1800" dirty="0" smtClean="0">
-                <a:latin typeface="Ubuntu" pitchFamily="18"/>
-              </a:rPr>
-              <a:t> </a:t>
-            </a:r>
-            <a:r>
-              <a:rPr lang="en-US" sz="1800" dirty="0" err="1" smtClean="0">
-                <a:latin typeface="Ubuntu" pitchFamily="18"/>
-              </a:rPr>
-              <a:t>usageg</a:t>
-            </a:r>
-            <a:endParaRPr lang="en-US" sz="1800" dirty="0" smtClean="0">
+              <a:rPr lang="en-IN" sz="1600" dirty="0" smtClean="0">
+                <a:latin typeface="Ubuntu" pitchFamily="18"/>
+              </a:rPr>
+              <a:t> images using </a:t>
+            </a:r>
+            <a:r>
+              <a:rPr lang="en-IN" sz="1600" dirty="0" err="1" smtClean="0">
+                <a:latin typeface="Ubuntu" pitchFamily="18"/>
+              </a:rPr>
+              <a:t>Dockerfile</a:t>
+            </a:r>
+            <a:endParaRPr lang="en-IN" sz="1600" dirty="0">
               <a:latin typeface="Ubuntu" pitchFamily="18"/>
             </a:endParaRPr>
           </a:p>
           <a:p>
             <a:pPr lvl="0" algn="l"/>
             <a:r>
-              <a:rPr lang="en-US" sz="1800" dirty="0">
-                <a:latin typeface="Ubuntu" pitchFamily="18"/>
-              </a:rPr>
-              <a:t>	</a:t>
-            </a:r>
-            <a:r>
-              <a:rPr lang="en-US" sz="1800" dirty="0" smtClean="0">
-                <a:latin typeface="Ubuntu" pitchFamily="18"/>
-              </a:rPr>
-              <a:t>ex: </a:t>
-            </a:r>
-            <a:r>
-              <a:rPr lang="en-US" sz="1800" b="1" dirty="0" err="1" smtClean="0">
-                <a:latin typeface="Ubuntu" pitchFamily="18"/>
-              </a:rPr>
-              <a:t>docker</a:t>
-            </a:r>
-            <a:r>
-              <a:rPr lang="en-US" sz="1800" b="1" dirty="0" smtClean="0">
-                <a:latin typeface="Ubuntu" pitchFamily="18"/>
-              </a:rPr>
-              <a:t> stats &lt;</a:t>
-            </a:r>
-            <a:r>
-              <a:rPr lang="en-US" sz="1800" b="1" dirty="0" err="1" smtClean="0">
-                <a:latin typeface="Ubuntu" pitchFamily="18"/>
-              </a:rPr>
-              <a:t>container_id</a:t>
-            </a:r>
-            <a:r>
-              <a:rPr lang="en-US" sz="1800" b="1" dirty="0" smtClean="0">
-                <a:latin typeface="Ubuntu" pitchFamily="18"/>
-              </a:rPr>
-              <a:t>&gt;</a:t>
-            </a:r>
-            <a:endParaRPr lang="en-IN" sz="1800" b="1" dirty="0">
+              <a:rPr lang="en-IN" sz="1600" dirty="0" err="1" smtClean="0">
+                <a:latin typeface="Ubuntu" pitchFamily="18"/>
+              </a:rPr>
+              <a:t>Docker</a:t>
+            </a:r>
+            <a:r>
+              <a:rPr lang="en-IN" sz="1600" dirty="0" smtClean="0">
+                <a:latin typeface="Ubuntu" pitchFamily="18"/>
+              </a:rPr>
+              <a:t> commit			=&gt; </a:t>
+            </a:r>
+            <a:r>
+              <a:rPr lang="en-US" sz="1600" dirty="0" smtClean="0">
+                <a:latin typeface="Ubuntu" pitchFamily="18"/>
+              </a:rPr>
+              <a:t>Create a new image from a container's changes</a:t>
+            </a:r>
+          </a:p>
+          <a:p>
+            <a:pPr lvl="0" algn="l"/>
+            <a:r>
+              <a:rPr lang="en-US" sz="1600" dirty="0" err="1" smtClean="0">
+                <a:latin typeface="Ubuntu" pitchFamily="18"/>
+              </a:rPr>
+              <a:t>Docker</a:t>
+            </a:r>
+            <a:r>
+              <a:rPr lang="en-US" sz="1600" dirty="0" smtClean="0">
+                <a:latin typeface="Ubuntu" pitchFamily="18"/>
+              </a:rPr>
+              <a:t> </a:t>
+            </a:r>
+            <a:r>
+              <a:rPr lang="en-US" sz="1600" dirty="0" err="1" smtClean="0">
+                <a:latin typeface="Ubuntu" pitchFamily="18"/>
+              </a:rPr>
+              <a:t>cp</a:t>
+            </a:r>
+            <a:r>
+              <a:rPr lang="en-US" sz="1600" dirty="0" smtClean="0">
+                <a:latin typeface="Ubuntu" pitchFamily="18"/>
+              </a:rPr>
+              <a:t>			=&gt;Copy files/folders from a container's </a:t>
+            </a:r>
+            <a:r>
+              <a:rPr lang="en-US" sz="1600" dirty="0" err="1" smtClean="0">
+                <a:latin typeface="Ubuntu" pitchFamily="18"/>
+              </a:rPr>
+              <a:t>filesystem</a:t>
+            </a:r>
+            <a:r>
+              <a:rPr lang="en-US" sz="1600" dirty="0" smtClean="0">
+                <a:latin typeface="Ubuntu" pitchFamily="18"/>
+              </a:rPr>
+              <a:t> to the host path</a:t>
+            </a:r>
+          </a:p>
+          <a:p>
+            <a:pPr lvl="0" algn="l"/>
+            <a:r>
+              <a:rPr lang="en-IN" sz="1600" dirty="0" err="1" smtClean="0">
+                <a:latin typeface="Ubuntu" pitchFamily="18"/>
+              </a:rPr>
+              <a:t>Docker</a:t>
+            </a:r>
+            <a:r>
+              <a:rPr lang="en-IN" sz="1600" dirty="0" smtClean="0">
+                <a:latin typeface="Ubuntu" pitchFamily="18"/>
+              </a:rPr>
+              <a:t> diff			=&gt; to see difference from base image to container or see changes 				      made in container.</a:t>
+            </a:r>
+          </a:p>
+          <a:p>
+            <a:pPr lvl="0" algn="l"/>
+            <a:r>
+              <a:rPr lang="en-IN" sz="1600" dirty="0" err="1" smtClean="0">
+                <a:latin typeface="Ubuntu" pitchFamily="18"/>
+              </a:rPr>
+              <a:t>Docker</a:t>
+            </a:r>
+            <a:r>
+              <a:rPr lang="en-IN" sz="1600" dirty="0" smtClean="0">
+                <a:latin typeface="Ubuntu" pitchFamily="18"/>
+              </a:rPr>
+              <a:t> exec			=&gt; execute command inside container</a:t>
+            </a:r>
+          </a:p>
+          <a:p>
+            <a:pPr lvl="0" algn="l"/>
+            <a:r>
+              <a:rPr lang="en-IN" sz="1600" dirty="0" err="1" smtClean="0">
+                <a:latin typeface="Ubuntu" pitchFamily="18"/>
+              </a:rPr>
+              <a:t>Docker</a:t>
+            </a:r>
+            <a:r>
+              <a:rPr lang="en-IN" sz="1600" dirty="0" smtClean="0">
+                <a:latin typeface="Ubuntu" pitchFamily="18"/>
+              </a:rPr>
+              <a:t> inspect			=&gt; to </a:t>
+            </a:r>
+            <a:r>
+              <a:rPr lang="en-US" sz="1600" dirty="0">
+                <a:latin typeface="Ubuntu" pitchFamily="18"/>
+              </a:rPr>
+              <a:t>Return low-level information on a container or image</a:t>
+            </a:r>
+            <a:endParaRPr lang="en-IN" sz="1600" dirty="0">
               <a:latin typeface="Ubuntu" pitchFamily="18"/>
             </a:endParaRPr>
           </a:p>
         </p:txBody>
       </p:sp>
     </p:spTree>
-    <p:extLst>
-      <p:ext uri="{BB962C8B-B14F-4D97-AF65-F5344CB8AC3E}">
-        <p14:creationId xmlns:p14="http://schemas.microsoft.com/office/powerpoint/2010/main" val="78207707"/>
-      </p:ext>
-    </p:extLst>
   </p:cSld>
   <p:clrMapOvr>
     <a:masterClrMapping/>
@@ -8656,25 +8837,172 @@
           <a:p>
             <a:pPr lvl="0" algn="l"/>
             <a:r>
+              <a:rPr lang="en-US" sz="3600" dirty="0" smtClean="0"/>
+              <a:t>Volumes</a:t>
+            </a:r>
+          </a:p>
+          <a:p>
+            <a:pPr lvl="0" algn="l"/>
+            <a:r>
+              <a:rPr lang="en-IN" sz="1600" b="1" dirty="0"/>
+              <a:t> </a:t>
+            </a:r>
+            <a:r>
+              <a:rPr lang="en-IN" sz="1600" b="1" dirty="0" err="1"/>
+              <a:t>mkdir</a:t>
+            </a:r>
+            <a:r>
+              <a:rPr lang="en-IN" sz="1600" b="1" dirty="0"/>
+              <a:t> /data</a:t>
+            </a:r>
+          </a:p>
+          <a:p>
+            <a:pPr lvl="0" algn="l"/>
+            <a:r>
+              <a:rPr lang="en-IN" sz="1600" b="1" dirty="0"/>
+              <a:t>cd /data</a:t>
+            </a:r>
+          </a:p>
+          <a:p>
+            <a:pPr lvl="0" algn="l"/>
+            <a:r>
+              <a:rPr lang="en-IN" sz="1600" b="1" dirty="0"/>
+              <a:t> echo </a:t>
+            </a:r>
+            <a:r>
+              <a:rPr lang="en-IN" sz="1600" b="1" dirty="0" err="1"/>
+              <a:t>mayank</a:t>
+            </a:r>
+            <a:r>
+              <a:rPr lang="en-IN" sz="1600" b="1" dirty="0"/>
+              <a:t> &gt; index.html</a:t>
+            </a:r>
+          </a:p>
+          <a:p>
+            <a:pPr lvl="0" algn="l"/>
+            <a:r>
               <a:rPr lang="en-US" sz="1600" b="1" dirty="0" err="1"/>
               <a:t>docker</a:t>
             </a:r>
             <a:r>
               <a:rPr lang="en-US" sz="1600" b="1" dirty="0"/>
-              <a:t> run -d -p 9090:80 --name shared-volume1 --volumes-from mywebsite_sec2 </a:t>
+              <a:t> run -d -p 8080:80 -v /data:/</a:t>
+            </a:r>
+            <a:r>
+              <a:rPr lang="en-US" sz="1600" b="1" dirty="0" err="1"/>
+              <a:t>var</a:t>
+            </a:r>
+            <a:r>
+              <a:rPr lang="en-US" sz="1600" b="1" dirty="0"/>
+              <a:t>/www/html --name </a:t>
             </a:r>
             <a:r>
               <a:rPr lang="en-US" sz="1600" b="1" dirty="0" smtClean="0"/>
-              <a:t>centos/</a:t>
+              <a:t>mywebsite_C1centos/</a:t>
             </a:r>
             <a:r>
               <a:rPr lang="en-US" sz="1600" b="1" dirty="0" err="1" smtClean="0"/>
               <a:t>httpd</a:t>
             </a:r>
-            <a:endParaRPr lang="en-US" sz="1600" b="1" dirty="0" smtClean="0"/>
-          </a:p>
-          <a:p>
-            <a:pPr lvl="0" algn="l"/>
+            <a:endParaRPr lang="en-US" sz="1600" b="1" dirty="0"/>
+          </a:p>
+          <a:p>
+            <a:pPr lvl="0" algn="l"/>
+            <a:r>
+              <a:rPr lang="en-US" sz="1600" b="1" dirty="0" err="1"/>
+              <a:t>docker</a:t>
+            </a:r>
+            <a:r>
+              <a:rPr lang="en-US" sz="1600" b="1" dirty="0"/>
+              <a:t> run -d -p 8081:80 -v /data:/</a:t>
+            </a:r>
+            <a:r>
+              <a:rPr lang="en-US" sz="1600" b="1" dirty="0" err="1"/>
+              <a:t>var</a:t>
+            </a:r>
+            <a:r>
+              <a:rPr lang="en-US" sz="1600" b="1" dirty="0"/>
+              <a:t>/www/html --name </a:t>
+            </a:r>
+            <a:r>
+              <a:rPr lang="en-US" sz="1600" b="1" dirty="0" smtClean="0"/>
+              <a:t>mywebsite_sC2 </a:t>
+            </a:r>
+            <a:r>
+              <a:rPr lang="en-US" sz="1600" b="1" dirty="0"/>
+              <a:t>centos/</a:t>
+            </a:r>
+            <a:r>
+              <a:rPr lang="en-US" sz="1600" b="1" dirty="0" err="1"/>
+              <a:t>httpd</a:t>
+            </a:r>
+            <a:endParaRPr lang="en-US" sz="1600" b="1" dirty="0"/>
+          </a:p>
+          <a:p>
+            <a:pPr lvl="0" algn="l"/>
+            <a:r>
+              <a:rPr lang="en-US" sz="1600" b="1" dirty="0" err="1"/>
+              <a:t>docker</a:t>
+            </a:r>
+            <a:r>
+              <a:rPr lang="en-US" sz="1600" b="1" dirty="0"/>
+              <a:t> run -d -p 80:80 -v /data:/</a:t>
+            </a:r>
+            <a:r>
+              <a:rPr lang="en-US" sz="1600" b="1" dirty="0" err="1"/>
+              <a:t>var</a:t>
+            </a:r>
+            <a:r>
+              <a:rPr lang="en-US" sz="1600" b="1" dirty="0"/>
+              <a:t>/www/html --name </a:t>
+            </a:r>
+            <a:r>
+              <a:rPr lang="en-US" sz="1600" b="1" dirty="0" smtClean="0"/>
+              <a:t>mywebsite_C3 </a:t>
+            </a:r>
+            <a:r>
+              <a:rPr lang="en-US" sz="1600" b="1" dirty="0"/>
+              <a:t>centos/</a:t>
+            </a:r>
+            <a:r>
+              <a:rPr lang="en-US" sz="1600" b="1" dirty="0" err="1"/>
+              <a:t>httpd</a:t>
+            </a:r>
+            <a:endParaRPr lang="en-US" sz="1600" b="1" dirty="0"/>
+          </a:p>
+          <a:p>
+            <a:pPr lvl="0" algn="l"/>
+            <a:r>
+              <a:rPr lang="en-IN" sz="1600" b="1" dirty="0" smtClean="0"/>
+              <a:t>GOTO browser and type localhost:8080,</a:t>
+            </a:r>
+            <a:r>
+              <a:rPr lang="en-IN" sz="1600" b="1" dirty="0"/>
+              <a:t> </a:t>
+            </a:r>
+            <a:r>
+              <a:rPr lang="en-IN" sz="1600" b="1" dirty="0" smtClean="0"/>
+              <a:t>localhost:8081,</a:t>
+            </a:r>
+            <a:r>
+              <a:rPr lang="en-IN" sz="1600" b="1" dirty="0"/>
+              <a:t> </a:t>
+            </a:r>
+            <a:r>
+              <a:rPr lang="en-IN" sz="1600" b="1" dirty="0" smtClean="0"/>
+              <a:t>localhost:80.</a:t>
+            </a:r>
+          </a:p>
+          <a:p>
+            <a:pPr lvl="0" algn="l"/>
+            <a:endParaRPr lang="en-IN" sz="1600" b="1" dirty="0"/>
+          </a:p>
+          <a:p>
+            <a:pPr lvl="0" algn="l"/>
+            <a:r>
+              <a:rPr lang="en-IN" sz="1600" b="1" dirty="0" smtClean="0"/>
+              <a:t>Now we have shared volume environment three container with same folder shared with them</a:t>
+            </a:r>
             <a:endParaRPr lang="en-IN" sz="1600" b="1" dirty="0"/>
           </a:p>
         </p:txBody>
@@ -8682,7 +9010,7 @@
     </p:spTree>
     <p:extLst>
       <p:ext uri="{BB962C8B-B14F-4D97-AF65-F5344CB8AC3E}">
-        <p14:creationId xmlns:p14="http://schemas.microsoft.com/office/powerpoint/2010/main" val="119432482"/>
+        <p14:creationId xmlns:p14="http://schemas.microsoft.com/office/powerpoint/2010/main" val="3444446453"/>
       </p:ext>
     </p:extLst>
   </p:cSld>
@@ -8739,6 +9067,89 @@
           <a:p>
             <a:pPr lvl="0" algn="l"/>
             <a:r>
+              <a:rPr lang="en-US" sz="1600" b="1" dirty="0" err="1"/>
+              <a:t>docker</a:t>
+            </a:r>
+            <a:r>
+              <a:rPr lang="en-US" sz="1600" b="1" dirty="0"/>
+              <a:t> run -d -p 9090:80 --name shared-volume1 --volumes-from mywebsite_sec2 </a:t>
+            </a:r>
+            <a:r>
+              <a:rPr lang="en-US" sz="1600" b="1" dirty="0" smtClean="0"/>
+              <a:t>centos/</a:t>
+            </a:r>
+            <a:r>
+              <a:rPr lang="en-US" sz="1600" b="1" dirty="0" err="1" smtClean="0"/>
+              <a:t>httpd</a:t>
+            </a:r>
+            <a:endParaRPr lang="en-US" sz="1600" b="1" dirty="0" smtClean="0"/>
+          </a:p>
+          <a:p>
+            <a:pPr lvl="0" algn="l"/>
+            <a:endParaRPr lang="en-IN" sz="1600" b="1" dirty="0"/>
+          </a:p>
+        </p:txBody>
+      </p:sp>
+    </p:spTree>
+    <p:extLst>
+      <p:ext uri="{BB962C8B-B14F-4D97-AF65-F5344CB8AC3E}">
+        <p14:creationId xmlns:p14="http://schemas.microsoft.com/office/powerpoint/2010/main" val="119432482"/>
+      </p:ext>
+    </p:extLst>
+  </p:cSld>
+  <p:clrMapOvr>
+    <a:masterClrMapping/>
+  </p:clrMapOvr>
+  <mc:AlternateContent xmlns:mc="http://schemas.openxmlformats.org/markup-compatibility/2006" xmlns:p14="http://schemas.microsoft.com/office/powerpoint/2010/main">
+    <mc:Choice Requires="p14">
+      <p:transition spd="slow" p14:dur="2000"/>
+    </mc:Choice>
+    <mc:Fallback xmlns="">
+      <p:transition spd="slow"/>
+    </mc:Fallback>
+  </mc:AlternateContent>
+</p:sld>
+</file>
+
+<file path=ppt/slides/slide22.xml><?xml version="1.0" encoding="utf-8"?>
+<p:sld xmlns:a="http://schemas.openxmlformats.org/drawingml/2006/main" xmlns:r="http://schemas.openxmlformats.org/officeDocument/2006/relationships" xmlns:p="http://schemas.openxmlformats.org/presentationml/2006/main">
+  <p:cSld>
+    <p:spTree>
+      <p:nvGrpSpPr>
+        <p:cNvPr id="1" name=""/>
+        <p:cNvGrpSpPr/>
+        <p:nvPr/>
+      </p:nvGrpSpPr>
+      <p:grpSpPr>
+        <a:xfrm>
+          <a:off x="0" y="0"/>
+          <a:ext cx="0" cy="0"/>
+          <a:chOff x="0" y="0"/>
+          <a:chExt cx="0" cy="0"/>
+        </a:xfrm>
+      </p:grpSpPr>
+      <p:sp>
+        <p:nvSpPr>
+          <p:cNvPr id="2" name="Subtitle 1"/>
+          <p:cNvSpPr txBox="1">
+            <a:spLocks noGrp="1"/>
+          </p:cNvSpPr>
+          <p:nvPr>
+            <p:ph type="subTitle" idx="4294967295"/>
+          </p:nvPr>
+        </p:nvSpPr>
+        <p:spPr>
+          <a:xfrm>
+            <a:off x="216000" y="-1"/>
+            <a:ext cx="9720000" cy="7559675"/>
+          </a:xfrm>
+        </p:spPr>
+        <p:txBody>
+          <a:bodyPr anchor="ctr"/>
+          <a:lstStyle/>
+          <a:p>
+            <a:pPr lvl="0" algn="l"/>
+            <a:r>
               <a:rPr lang="en-US" sz="1600" b="1" dirty="0" err="1" smtClean="0"/>
               <a:t>Docker</a:t>
             </a:r>
@@ -8750,6 +9161,85 @@
               <a:rPr lang="en-US" sz="1600" b="1" dirty="0" err="1" smtClean="0"/>
               <a:t>container_name</a:t>
             </a:r>
+            <a:endParaRPr lang="en-US" sz="1600" b="1" dirty="0" smtClean="0"/>
+          </a:p>
+          <a:p>
+            <a:pPr lvl="0" algn="l"/>
+            <a:endParaRPr lang="en-US" sz="1600" b="1" dirty="0"/>
+          </a:p>
+          <a:p>
+            <a:pPr lvl="0" algn="l"/>
+            <a:r>
+              <a:rPr lang="en-US" sz="1600" b="1" u="sng" dirty="0" smtClean="0"/>
+              <a:t>DOCKER-COMPOSE</a:t>
+            </a:r>
+          </a:p>
+          <a:p>
+            <a:pPr lvl="0" algn="l"/>
+            <a:endParaRPr lang="en-US" sz="1600" b="1" dirty="0" smtClean="0"/>
+          </a:p>
+          <a:p>
+            <a:pPr lvl="0" algn="l"/>
+            <a:r>
+              <a:rPr lang="en-US" sz="1600" b="1" dirty="0"/>
+              <a:t> yum install </a:t>
+            </a:r>
+            <a:r>
+              <a:rPr lang="en-US" sz="1600" b="1" dirty="0" err="1"/>
+              <a:t>epel</a:t>
+            </a:r>
+            <a:r>
+              <a:rPr lang="en-US" sz="1600" b="1" dirty="0"/>
+              <a:t>-release</a:t>
+            </a:r>
+          </a:p>
+          <a:p>
+            <a:pPr lvl="0" algn="l"/>
+            <a:r>
+              <a:rPr lang="en-US" sz="1600" b="1" dirty="0" smtClean="0"/>
+              <a:t> </a:t>
+            </a:r>
+            <a:r>
+              <a:rPr lang="en-US" sz="1600" b="1" dirty="0"/>
+              <a:t>yum install -y python-pip</a:t>
+            </a:r>
+          </a:p>
+          <a:p>
+            <a:pPr lvl="0" algn="l"/>
+            <a:r>
+              <a:rPr lang="en-US" sz="1600" b="1" dirty="0" smtClean="0"/>
+              <a:t> </a:t>
+            </a:r>
+            <a:r>
+              <a:rPr lang="en-US" sz="1600" b="1" dirty="0"/>
+              <a:t>pip install </a:t>
+            </a:r>
+            <a:r>
+              <a:rPr lang="en-US" sz="1600" b="1" dirty="0" err="1"/>
+              <a:t>docker</a:t>
+            </a:r>
+            <a:r>
+              <a:rPr lang="en-US" sz="1600" b="1" dirty="0"/>
+              <a:t>-compose</a:t>
+            </a:r>
+          </a:p>
+          <a:p>
+            <a:pPr lvl="0" algn="l"/>
+            <a:r>
+              <a:rPr lang="en-US" sz="1600" b="1" dirty="0" smtClean="0"/>
+              <a:t> </a:t>
+            </a:r>
+            <a:r>
+              <a:rPr lang="en-US" sz="1600" b="1" dirty="0"/>
+              <a:t>yum upgrade python*</a:t>
+            </a:r>
+          </a:p>
+          <a:p>
+            <a:pPr lvl="0" algn="l"/>
+            <a:endParaRPr lang="en-US" sz="1600" b="1" dirty="0"/>
+          </a:p>
+          <a:p>
+            <a:pPr lvl="0" algn="l"/>
             <a:endParaRPr lang="en-US" sz="1600" b="1" dirty="0" smtClean="0"/>
           </a:p>
           <a:p>
@@ -8781,7 +9271,7 @@
 
 <file path=ppt/slides/slide3.xml><?xml version="1.0" encoding="utf-8"?>
 <p:sld xmlns:a="http://schemas.openxmlformats.org/drawingml/2006/main" xmlns:r="http://schemas.openxmlformats.org/officeDocument/2006/relationships" xmlns:p="http://schemas.openxmlformats.org/presentationml/2006/main">
-  <p:cSld name="page2">
+  <p:cSld>
     <p:spTree>
       <p:nvGrpSpPr>
         <p:cNvPr id="1" name=""/>
@@ -8808,25 +9298,267 @@
         </p:nvSpPr>
         <p:spPr>
           <a:xfrm>
-            <a:off x="216000" y="301320"/>
-            <a:ext cx="9720000" cy="5852160"/>
+            <a:off x="216000" y="-609599"/>
+            <a:ext cx="9720000" cy="8169274"/>
           </a:xfrm>
         </p:spPr>
         <p:txBody>
           <a:bodyPr anchor="ctr"/>
           <a:lstStyle/>
           <a:p>
-            <a:pPr lvl="0" algn="ctr"/>
-            <a:r>
-              <a:rPr lang="en-IN" sz="3500">
-                <a:latin typeface="Ubuntu" pitchFamily="18"/>
-              </a:rPr>
-              <a:t>INSTALL APACHE ON UBUNTU CONTAINER</a:t>
-            </a:r>
+            <a:pPr lvl="0" algn="l"/>
+            <a:r>
+              <a:rPr lang="en-US" sz="1800" dirty="0" err="1" smtClean="0">
+                <a:latin typeface="Ubuntu" pitchFamily="18"/>
+              </a:rPr>
+              <a:t>Docker</a:t>
+            </a:r>
+            <a:r>
+              <a:rPr lang="en-US" sz="1800" dirty="0" smtClean="0">
+                <a:latin typeface="Ubuntu" pitchFamily="18"/>
+              </a:rPr>
+              <a:t> </a:t>
+            </a:r>
+            <a:r>
+              <a:rPr lang="en-US" sz="1800" dirty="0">
+                <a:latin typeface="Ubuntu" pitchFamily="18"/>
+              </a:rPr>
+              <a:t>port =&gt; </a:t>
+            </a:r>
+            <a:r>
+              <a:rPr lang="en-US" sz="1800" dirty="0" smtClean="0">
+                <a:latin typeface="Ubuntu" pitchFamily="18"/>
+              </a:rPr>
+              <a:t>	Lookup </a:t>
+            </a:r>
+            <a:r>
+              <a:rPr lang="en-US" sz="1800" dirty="0">
+                <a:latin typeface="Ubuntu" pitchFamily="18"/>
+              </a:rPr>
+              <a:t>the public-facing port that is NAT-</a:t>
+            </a:r>
+            <a:r>
+              <a:rPr lang="en-US" sz="1800" dirty="0" err="1">
+                <a:latin typeface="Ubuntu" pitchFamily="18"/>
+              </a:rPr>
+              <a:t>ed</a:t>
+            </a:r>
+            <a:r>
+              <a:rPr lang="en-US" sz="1800" dirty="0">
+                <a:latin typeface="Ubuntu" pitchFamily="18"/>
+              </a:rPr>
+              <a:t> to </a:t>
+            </a:r>
+            <a:r>
+              <a:rPr lang="en-US" sz="1800" dirty="0" smtClean="0">
+                <a:latin typeface="Ubuntu" pitchFamily="18"/>
+              </a:rPr>
+              <a:t>PRIVATE_PORT</a:t>
+            </a:r>
+          </a:p>
+          <a:p>
+            <a:pPr lvl="0" algn="l"/>
+            <a:r>
+              <a:rPr lang="en-US" sz="1800" dirty="0" smtClean="0">
+                <a:latin typeface="Ubuntu" pitchFamily="18"/>
+              </a:rPr>
+              <a:t>	</a:t>
+            </a:r>
+            <a:r>
+              <a:rPr lang="en-US" sz="1800" dirty="0" err="1" smtClean="0">
+                <a:latin typeface="Ubuntu" pitchFamily="18"/>
+              </a:rPr>
+              <a:t>ex:</a:t>
+            </a:r>
+            <a:r>
+              <a:rPr lang="en-US" sz="1800" b="1" dirty="0" err="1" smtClean="0">
+                <a:latin typeface="Ubuntu" pitchFamily="18"/>
+              </a:rPr>
+              <a:t>docker</a:t>
+            </a:r>
+            <a:r>
+              <a:rPr lang="en-US" sz="1800" b="1" dirty="0" smtClean="0">
+                <a:latin typeface="Ubuntu" pitchFamily="18"/>
+              </a:rPr>
+              <a:t> port &lt;CONTAINER_ID&gt;</a:t>
+            </a:r>
+          </a:p>
+          <a:p>
+            <a:pPr lvl="0" algn="l"/>
+            <a:r>
+              <a:rPr lang="en-US" sz="1800" dirty="0" err="1" smtClean="0">
+                <a:latin typeface="Ubuntu" pitchFamily="18"/>
+              </a:rPr>
+              <a:t>Docker</a:t>
+            </a:r>
+            <a:r>
+              <a:rPr lang="en-US" sz="1800" dirty="0" smtClean="0">
+                <a:latin typeface="Ubuntu" pitchFamily="18"/>
+              </a:rPr>
+              <a:t> </a:t>
+            </a:r>
+            <a:r>
+              <a:rPr lang="en-US" sz="1800" dirty="0">
+                <a:latin typeface="Ubuntu" pitchFamily="18"/>
+              </a:rPr>
+              <a:t>save =&gt;	 Save an image to a tar </a:t>
+            </a:r>
+            <a:r>
+              <a:rPr lang="en-US" sz="1800" dirty="0" smtClean="0">
+                <a:latin typeface="Ubuntu" pitchFamily="18"/>
+              </a:rPr>
+              <a:t>archive</a:t>
+            </a:r>
+          </a:p>
+          <a:p>
+            <a:pPr lvl="0" algn="l"/>
+            <a:r>
+              <a:rPr lang="en-US" sz="1800" dirty="0">
+                <a:latin typeface="Ubuntu" pitchFamily="18"/>
+              </a:rPr>
+              <a:t>	</a:t>
+            </a:r>
+            <a:r>
+              <a:rPr lang="en-US" sz="1800" dirty="0" err="1" smtClean="0">
+                <a:latin typeface="Ubuntu" pitchFamily="18"/>
+              </a:rPr>
+              <a:t>ex:</a:t>
+            </a:r>
+            <a:r>
+              <a:rPr lang="en-US" sz="1800" b="1" dirty="0" err="1" smtClean="0">
+                <a:latin typeface="Ubuntu" pitchFamily="18"/>
+              </a:rPr>
+              <a:t>docker</a:t>
+            </a:r>
+            <a:r>
+              <a:rPr lang="en-US" sz="1800" b="1" dirty="0" smtClean="0">
+                <a:latin typeface="Ubuntu" pitchFamily="18"/>
+              </a:rPr>
+              <a:t> save –o /</a:t>
+            </a:r>
+            <a:r>
+              <a:rPr lang="en-US" sz="1800" b="1" dirty="0" err="1" smtClean="0">
+                <a:latin typeface="Ubuntu" pitchFamily="18"/>
+              </a:rPr>
+              <a:t>tmp</a:t>
+            </a:r>
+            <a:r>
+              <a:rPr lang="en-US" sz="1800" b="1" dirty="0" smtClean="0">
+                <a:latin typeface="Ubuntu" pitchFamily="18"/>
+              </a:rPr>
+              <a:t>/</a:t>
+            </a:r>
+            <a:r>
+              <a:rPr lang="en-US" sz="1800" b="1" dirty="0" err="1" smtClean="0">
+                <a:latin typeface="Ubuntu" pitchFamily="18"/>
+              </a:rPr>
+              <a:t>mydata</a:t>
+            </a:r>
+            <a:r>
+              <a:rPr lang="en-US" sz="1800" b="1" dirty="0" smtClean="0">
+                <a:latin typeface="Ubuntu" pitchFamily="18"/>
+              </a:rPr>
+              <a:t> &lt;IMAGE_ID&gt;</a:t>
+            </a:r>
+          </a:p>
+          <a:p>
+            <a:pPr lvl="0" algn="l"/>
+            <a:r>
+              <a:rPr lang="en-US" sz="1800" dirty="0" err="1" smtClean="0">
+                <a:latin typeface="Ubuntu" pitchFamily="18"/>
+              </a:rPr>
+              <a:t>Docker</a:t>
+            </a:r>
+            <a:r>
+              <a:rPr lang="en-US" sz="1800" dirty="0" smtClean="0">
+                <a:latin typeface="Ubuntu" pitchFamily="18"/>
+              </a:rPr>
+              <a:t> stats </a:t>
+            </a:r>
+            <a:r>
+              <a:rPr lang="en-US" sz="1800" b="1" dirty="0" smtClean="0">
+                <a:latin typeface="Ubuntu" pitchFamily="18"/>
+              </a:rPr>
+              <a:t>=&gt;  </a:t>
+            </a:r>
+            <a:r>
+              <a:rPr lang="en-US" sz="1800" dirty="0" smtClean="0">
+                <a:latin typeface="Ubuntu" pitchFamily="18"/>
+              </a:rPr>
+              <a:t>display </a:t>
+            </a:r>
+            <a:r>
+              <a:rPr lang="en-US" sz="1800" dirty="0" err="1" smtClean="0">
+                <a:latin typeface="Ubuntu" pitchFamily="18"/>
+              </a:rPr>
+              <a:t>cpu,mem,net</a:t>
+            </a:r>
+            <a:r>
+              <a:rPr lang="en-US" sz="1800" dirty="0" smtClean="0">
+                <a:latin typeface="Ubuntu" pitchFamily="18"/>
+              </a:rPr>
+              <a:t> </a:t>
+            </a:r>
+            <a:r>
+              <a:rPr lang="en-US" sz="1800" dirty="0" err="1" smtClean="0">
+                <a:latin typeface="Ubuntu" pitchFamily="18"/>
+              </a:rPr>
+              <a:t>usageg</a:t>
+            </a:r>
+            <a:endParaRPr lang="en-US" sz="1800" dirty="0" smtClean="0">
+              <a:latin typeface="Ubuntu" pitchFamily="18"/>
+            </a:endParaRPr>
+          </a:p>
+          <a:p>
+            <a:pPr lvl="0" algn="l"/>
+            <a:r>
+              <a:rPr lang="en-US" sz="1800" dirty="0">
+                <a:latin typeface="Ubuntu" pitchFamily="18"/>
+              </a:rPr>
+              <a:t>	</a:t>
+            </a:r>
+            <a:r>
+              <a:rPr lang="en-US" sz="1800" dirty="0" smtClean="0">
+                <a:latin typeface="Ubuntu" pitchFamily="18"/>
+              </a:rPr>
+              <a:t>ex: </a:t>
+            </a:r>
+            <a:r>
+              <a:rPr lang="en-US" sz="1800" b="1" dirty="0" err="1" smtClean="0">
+                <a:latin typeface="Ubuntu" pitchFamily="18"/>
+              </a:rPr>
+              <a:t>docker</a:t>
+            </a:r>
+            <a:r>
+              <a:rPr lang="en-US" sz="1800" b="1" dirty="0" smtClean="0">
+                <a:latin typeface="Ubuntu" pitchFamily="18"/>
+              </a:rPr>
+              <a:t> stats &lt;</a:t>
+            </a:r>
+            <a:r>
+              <a:rPr lang="en-US" sz="1800" b="1" dirty="0" err="1" smtClean="0">
+                <a:latin typeface="Ubuntu" pitchFamily="18"/>
+              </a:rPr>
+              <a:t>container_id</a:t>
+            </a:r>
+            <a:r>
+              <a:rPr lang="en-US" sz="1800" b="1" dirty="0" smtClean="0">
+                <a:latin typeface="Ubuntu" pitchFamily="18"/>
+              </a:rPr>
+              <a:t>&gt;</a:t>
+            </a:r>
+            <a:endParaRPr lang="en-IN" sz="1800" b="1" dirty="0">
+              <a:latin typeface="Ubuntu" pitchFamily="18"/>
+            </a:endParaRPr>
           </a:p>
         </p:txBody>
       </p:sp>
     </p:spTree>
+    <p:extLst>
+      <p:ext uri="{BB962C8B-B14F-4D97-AF65-F5344CB8AC3E}">
+        <p14:creationId xmlns:p14="http://schemas.microsoft.com/office/powerpoint/2010/main" val="78207707"/>
+      </p:ext>
+    </p:extLst>
   </p:cSld>
   <p:clrMapOvr>
     <a:masterClrMapping/>
@@ -8844,7 +9576,7 @@
 
 <file path=ppt/slides/slide4.xml><?xml version="1.0" encoding="utf-8"?>
 <p:sld xmlns:a="http://schemas.openxmlformats.org/drawingml/2006/main" xmlns:r="http://schemas.openxmlformats.org/officeDocument/2006/relationships" xmlns:p="http://schemas.openxmlformats.org/presentationml/2006/main">
-  <p:cSld name="page3">
+  <p:cSld name="page2">
     <p:spTree>
       <p:nvGrpSpPr>
         <p:cNvPr id="1" name=""/>
@@ -8871,356 +9603,20 @@
         </p:nvSpPr>
         <p:spPr>
           <a:xfrm>
-            <a:off x="158850" y="-1"/>
-            <a:ext cx="9720000" cy="7559675"/>
+            <a:off x="216000" y="301320"/>
+            <a:ext cx="9720000" cy="5852160"/>
           </a:xfrm>
         </p:spPr>
         <p:txBody>
           <a:bodyPr anchor="ctr"/>
           <a:lstStyle/>
           <a:p>
-            <a:pPr lvl="0" algn="l"/>
-            <a:r>
-              <a:rPr lang="en-IN" sz="1400" dirty="0">
-                <a:latin typeface="Ubuntu" pitchFamily="18"/>
-              </a:rPr>
-              <a:t>#</a:t>
-            </a:r>
-            <a:r>
-              <a:rPr lang="en-IN" sz="1400" dirty="0" err="1">
-                <a:latin typeface="Ubuntu" pitchFamily="18"/>
-              </a:rPr>
-              <a:t>docker</a:t>
-            </a:r>
-            <a:r>
-              <a:rPr lang="en-IN" sz="1400" dirty="0">
-                <a:latin typeface="Ubuntu" pitchFamily="18"/>
-              </a:rPr>
-              <a:t> images -&gt; to see all downloaded images on system</a:t>
-            </a:r>
-          </a:p>
-          <a:p>
-            <a:pPr lvl="0" algn="l"/>
-            <a:endParaRPr lang="en-IN" sz="1400" dirty="0">
-              <a:latin typeface="Ubuntu" pitchFamily="18"/>
-            </a:endParaRPr>
-          </a:p>
-          <a:p>
-            <a:pPr lvl="0" algn="l"/>
-            <a:r>
-              <a:rPr lang="en-IN" sz="1400" dirty="0">
-                <a:latin typeface="Ubuntu" pitchFamily="18"/>
-              </a:rPr>
-              <a:t>#</a:t>
-            </a:r>
-            <a:r>
-              <a:rPr lang="en-IN" sz="1400" dirty="0" err="1">
-                <a:latin typeface="Ubuntu" pitchFamily="18"/>
-              </a:rPr>
-              <a:t>docker</a:t>
-            </a:r>
-            <a:r>
-              <a:rPr lang="en-IN" sz="1400" dirty="0">
-                <a:latin typeface="Ubuntu" pitchFamily="18"/>
-              </a:rPr>
-              <a:t> search </a:t>
-            </a:r>
-            <a:r>
-              <a:rPr lang="en-IN" sz="1400" dirty="0" err="1">
-                <a:latin typeface="Ubuntu" pitchFamily="18"/>
-              </a:rPr>
-              <a:t>ubuntu</a:t>
-            </a:r>
-            <a:r>
-              <a:rPr lang="en-IN" sz="1400" dirty="0">
-                <a:latin typeface="Ubuntu" pitchFamily="18"/>
-              </a:rPr>
-              <a:t> -&gt; to search all </a:t>
-            </a:r>
-            <a:r>
-              <a:rPr lang="en-IN" sz="1400" dirty="0" err="1">
-                <a:latin typeface="Ubuntu" pitchFamily="18"/>
-              </a:rPr>
-              <a:t>docker</a:t>
-            </a:r>
-            <a:r>
-              <a:rPr lang="en-IN" sz="1400" dirty="0">
-                <a:latin typeface="Ubuntu" pitchFamily="18"/>
-              </a:rPr>
-              <a:t> </a:t>
-            </a:r>
-            <a:r>
-              <a:rPr lang="en-IN" sz="1400" dirty="0" err="1">
-                <a:latin typeface="Ubuntu" pitchFamily="18"/>
-              </a:rPr>
-              <a:t>ubuntu</a:t>
-            </a:r>
-            <a:r>
-              <a:rPr lang="en-IN" sz="1400" dirty="0">
-                <a:latin typeface="Ubuntu" pitchFamily="18"/>
-              </a:rPr>
-              <a:t> images</a:t>
-            </a:r>
-          </a:p>
-          <a:p>
-            <a:pPr lvl="0" algn="l"/>
-            <a:endParaRPr lang="en-IN" sz="1400" dirty="0">
-              <a:latin typeface="Ubuntu" pitchFamily="18"/>
-            </a:endParaRPr>
-          </a:p>
-          <a:p>
-            <a:pPr lvl="0" algn="l"/>
-            <a:r>
-              <a:rPr lang="en-IN" sz="1400" dirty="0">
-                <a:latin typeface="Ubuntu" pitchFamily="18"/>
-              </a:rPr>
-              <a:t>#</a:t>
-            </a:r>
-            <a:r>
-              <a:rPr lang="en-IN" sz="1400" dirty="0" err="1">
-                <a:latin typeface="Ubuntu" pitchFamily="18"/>
-              </a:rPr>
-              <a:t>docker</a:t>
-            </a:r>
-            <a:r>
-              <a:rPr lang="en-IN" sz="1400" dirty="0">
-                <a:latin typeface="Ubuntu" pitchFamily="18"/>
-              </a:rPr>
-              <a:t> pull </a:t>
-            </a:r>
-            <a:r>
-              <a:rPr lang="en-IN" sz="1400" dirty="0" err="1">
-                <a:latin typeface="Ubuntu" pitchFamily="18"/>
-              </a:rPr>
-              <a:t>ubuntu</a:t>
-            </a:r>
-            <a:r>
-              <a:rPr lang="en-IN" sz="1400" dirty="0">
-                <a:latin typeface="Ubuntu" pitchFamily="18"/>
-              </a:rPr>
-              <a:t> -&gt; downloading image of </a:t>
-            </a:r>
-            <a:r>
-              <a:rPr lang="en-IN" sz="1400" dirty="0" err="1">
-                <a:latin typeface="Ubuntu" pitchFamily="18"/>
-              </a:rPr>
-              <a:t>ubuntu</a:t>
-            </a:r>
-            <a:r>
-              <a:rPr lang="en-IN" sz="1400" dirty="0">
-                <a:latin typeface="Ubuntu" pitchFamily="18"/>
-              </a:rPr>
-              <a:t> on local machine</a:t>
-            </a:r>
-          </a:p>
-          <a:p>
-            <a:pPr lvl="0" algn="l"/>
-            <a:endParaRPr lang="en-IN" sz="1400" dirty="0">
-              <a:latin typeface="Ubuntu" pitchFamily="18"/>
-            </a:endParaRPr>
-          </a:p>
-          <a:p>
-            <a:pPr lvl="0" algn="l"/>
-            <a:r>
-              <a:rPr lang="en-IN" sz="1400" dirty="0">
-                <a:latin typeface="Ubuntu" pitchFamily="18"/>
-              </a:rPr>
-              <a:t>#</a:t>
-            </a:r>
-            <a:r>
-              <a:rPr lang="en-IN" sz="1400" dirty="0" err="1">
-                <a:latin typeface="Ubuntu" pitchFamily="18"/>
-              </a:rPr>
-              <a:t>docker</a:t>
-            </a:r>
-            <a:r>
-              <a:rPr lang="en-IN" sz="1400" dirty="0">
-                <a:latin typeface="Ubuntu" pitchFamily="18"/>
-              </a:rPr>
-              <a:t> run -it –name “</a:t>
-            </a:r>
-            <a:r>
-              <a:rPr lang="en-IN" sz="1400" dirty="0" err="1">
-                <a:latin typeface="Ubuntu" pitchFamily="18"/>
-              </a:rPr>
-              <a:t>ubuntu_test</a:t>
-            </a:r>
-            <a:r>
-              <a:rPr lang="en-IN" sz="1400" dirty="0">
-                <a:latin typeface="Ubuntu" pitchFamily="18"/>
-              </a:rPr>
-              <a:t>” </a:t>
-            </a:r>
-            <a:r>
-              <a:rPr lang="en-IN" sz="1400" dirty="0" err="1">
-                <a:latin typeface="Ubuntu" pitchFamily="18"/>
-              </a:rPr>
-              <a:t>ubuntu</a:t>
-            </a:r>
-            <a:r>
-              <a:rPr lang="en-IN" sz="1400" dirty="0">
-                <a:latin typeface="Ubuntu" pitchFamily="18"/>
-              </a:rPr>
-              <a:t> /bin/bash</a:t>
-            </a:r>
-          </a:p>
-          <a:p>
-            <a:pPr lvl="0" algn="l"/>
-            <a:endParaRPr lang="en-IN" sz="1400" dirty="0">
-              <a:latin typeface="Ubuntu" pitchFamily="18"/>
-            </a:endParaRPr>
-          </a:p>
-          <a:p>
-            <a:pPr lvl="0" algn="l"/>
-            <a:r>
-              <a:rPr lang="en-IN" sz="1400" dirty="0">
-                <a:latin typeface="Ubuntu" pitchFamily="18"/>
-              </a:rPr>
-              <a:t>[container]#apt-get update -&gt; to update container repos</a:t>
-            </a:r>
-          </a:p>
-          <a:p>
-            <a:pPr lvl="0" algn="l"/>
-            <a:r>
-              <a:rPr lang="en-IN" sz="1400" dirty="0">
-                <a:latin typeface="Ubuntu" pitchFamily="18"/>
-              </a:rPr>
-              <a:t>[container]#apt-get install apache2</a:t>
-            </a:r>
-          </a:p>
-          <a:p>
-            <a:pPr lvl="0" algn="l"/>
-            <a:r>
-              <a:rPr lang="en-IN" sz="1400" dirty="0">
-                <a:latin typeface="Ubuntu" pitchFamily="18"/>
-              </a:rPr>
-              <a:t>[container]#exit</a:t>
-            </a:r>
-          </a:p>
-          <a:p>
-            <a:pPr lvl="0" algn="l"/>
-            <a:endParaRPr lang="en-IN" sz="1400" dirty="0">
-              <a:latin typeface="Ubuntu" pitchFamily="18"/>
-            </a:endParaRPr>
-          </a:p>
-          <a:p>
-            <a:pPr lvl="0" algn="l"/>
-            <a:r>
-              <a:rPr lang="en-IN" sz="1400" dirty="0">
-                <a:latin typeface="Ubuntu" pitchFamily="18"/>
-              </a:rPr>
-              <a:t>#</a:t>
-            </a:r>
-            <a:r>
-              <a:rPr lang="en-IN" sz="1400" dirty="0" err="1">
-                <a:latin typeface="Ubuntu" pitchFamily="18"/>
-              </a:rPr>
-              <a:t>docker</a:t>
-            </a:r>
-            <a:r>
-              <a:rPr lang="en-IN" sz="1400" dirty="0">
-                <a:latin typeface="Ubuntu" pitchFamily="18"/>
-              </a:rPr>
-              <a:t> </a:t>
-            </a:r>
-            <a:r>
-              <a:rPr lang="en-IN" sz="1400" dirty="0" err="1">
-                <a:latin typeface="Ubuntu" pitchFamily="18"/>
-              </a:rPr>
-              <a:t>ps</a:t>
-            </a:r>
-            <a:r>
-              <a:rPr lang="en-IN" sz="1400" dirty="0">
-                <a:latin typeface="Ubuntu" pitchFamily="18"/>
-              </a:rPr>
-              <a:t> -a -&gt;  to see al </a:t>
-            </a:r>
-            <a:r>
-              <a:rPr lang="en-IN" sz="1400" dirty="0" err="1">
-                <a:latin typeface="Ubuntu" pitchFamily="18"/>
-              </a:rPr>
-              <a:t>container_id</a:t>
-            </a:r>
-            <a:endParaRPr lang="en-IN" sz="1400" dirty="0">
-              <a:latin typeface="Ubuntu" pitchFamily="18"/>
-            </a:endParaRPr>
-          </a:p>
-          <a:p>
-            <a:pPr lvl="0" algn="l"/>
-            <a:endParaRPr lang="en-IN" sz="1400" dirty="0">
-              <a:latin typeface="Ubuntu" pitchFamily="18"/>
-            </a:endParaRPr>
-          </a:p>
-          <a:p>
-            <a:pPr lvl="0" algn="l"/>
-            <a:r>
-              <a:rPr lang="en-IN" sz="1400" dirty="0">
-                <a:latin typeface="Ubuntu" pitchFamily="18"/>
-              </a:rPr>
-              <a:t>#</a:t>
-            </a:r>
-            <a:r>
-              <a:rPr lang="en-IN" sz="1400" dirty="0" err="1">
-                <a:latin typeface="Ubuntu" pitchFamily="18"/>
-              </a:rPr>
-              <a:t>docker</a:t>
-            </a:r>
-            <a:r>
-              <a:rPr lang="en-IN" sz="1400" dirty="0">
-                <a:latin typeface="Ubuntu" pitchFamily="18"/>
-              </a:rPr>
-              <a:t> commit -m “installed apache” </a:t>
-            </a:r>
-            <a:r>
-              <a:rPr lang="en-IN" sz="1400" dirty="0" err="1">
-                <a:latin typeface="Ubuntu" pitchFamily="18"/>
-              </a:rPr>
-              <a:t>container_ID</a:t>
-            </a:r>
-            <a:r>
-              <a:rPr lang="en-IN" sz="1400" dirty="0">
-                <a:latin typeface="Ubuntu" pitchFamily="18"/>
-              </a:rPr>
-              <a:t> IMAGENAME:TAGS</a:t>
-            </a:r>
-          </a:p>
-          <a:p>
-            <a:pPr lvl="0" algn="l"/>
-            <a:endParaRPr lang="en-IN" sz="1400" dirty="0">
-              <a:latin typeface="Ubuntu" pitchFamily="18"/>
-            </a:endParaRPr>
-          </a:p>
-          <a:p>
-            <a:pPr lvl="0" algn="l"/>
-            <a:r>
-              <a:rPr lang="en-IN" sz="1400" dirty="0">
-                <a:latin typeface="Ubuntu" pitchFamily="18"/>
-              </a:rPr>
-              <a:t>#</a:t>
-            </a:r>
-            <a:r>
-              <a:rPr lang="en-IN" sz="1400" dirty="0" err="1">
-                <a:latin typeface="Ubuntu" pitchFamily="18"/>
-              </a:rPr>
-              <a:t>dockers</a:t>
-            </a:r>
-            <a:r>
-              <a:rPr lang="en-IN" sz="1400" dirty="0">
-                <a:latin typeface="Ubuntu" pitchFamily="18"/>
-              </a:rPr>
-              <a:t> images -&gt;  Now we can see </a:t>
-            </a:r>
-            <a:r>
-              <a:rPr lang="en-IN" sz="1400" dirty="0" err="1">
-                <a:latin typeface="Ubuntu" pitchFamily="18"/>
-              </a:rPr>
-              <a:t>comited</a:t>
-            </a:r>
-            <a:r>
-              <a:rPr lang="en-IN" sz="1400" dirty="0">
-                <a:latin typeface="Ubuntu" pitchFamily="18"/>
-              </a:rPr>
-              <a:t> image</a:t>
+            <a:pPr lvl="0" algn="ctr"/>
+            <a:r>
+              <a:rPr lang="en-IN" sz="3500">
+                <a:latin typeface="Ubuntu" pitchFamily="18"/>
+              </a:rPr>
+              <a:t>INSTALL APACHE ON UBUNTU CONTAINER</a:t>
             </a:r>
           </a:p>
         </p:txBody>
@@ -9243,7 +9639,7 @@
 
 <file path=ppt/slides/slide5.xml><?xml version="1.0" encoding="utf-8"?>
 <p:sld xmlns:a="http://schemas.openxmlformats.org/drawingml/2006/main" xmlns:r="http://schemas.openxmlformats.org/officeDocument/2006/relationships" xmlns:p="http://schemas.openxmlformats.org/presentationml/2006/main">
-  <p:cSld name="page4">
+  <p:cSld name="page3">
     <p:spTree>
       <p:nvGrpSpPr>
         <p:cNvPr id="1" name=""/>
@@ -9270,8 +9666,8 @@
         </p:nvSpPr>
         <p:spPr>
           <a:xfrm>
-            <a:off x="216000" y="-68760"/>
-            <a:ext cx="9720000" cy="6592680"/>
+            <a:off x="158850" y="-1"/>
+            <a:ext cx="9720000" cy="7559675"/>
           </a:xfrm>
         </p:spPr>
         <p:txBody>
@@ -9280,15 +9676,6 @@
           <a:p>
             <a:pPr lvl="0" algn="l"/>
             <a:r>
-              <a:rPr lang="en-IN" sz="1800" b="1" dirty="0">
-                <a:latin typeface="Ubuntu" pitchFamily="18"/>
-              </a:rPr>
-              <a:t>NOW RUN THE COMMITED IMAGES</a:t>
-            </a:r>
-          </a:p>
-          <a:p>
-            <a:pPr lvl="0" algn="l"/>
-            <a:r>
               <a:rPr lang="en-IN" sz="1800" dirty="0">
                 <a:latin typeface="Ubuntu" pitchFamily="18"/>
               </a:rPr>
@@ -9304,19 +9691,154 @@
               <a:rPr lang="en-IN" sz="1800" dirty="0">
                 <a:latin typeface="Ubuntu" pitchFamily="18"/>
               </a:rPr>
-              <a:t> run -it -p 80:80 --name “</a:t>
+              <a:t> images -&gt; to see all downloaded images on system</a:t>
+            </a:r>
+          </a:p>
+          <a:p>
+            <a:pPr lvl="0" algn="l"/>
+            <a:r>
+              <a:rPr lang="en-IN" sz="1800" dirty="0" smtClean="0">
+                <a:latin typeface="Ubuntu" pitchFamily="18"/>
+              </a:rPr>
+              <a:t>#</a:t>
             </a:r>
             <a:r>
               <a:rPr lang="en-IN" sz="1800" dirty="0" err="1">
                 <a:latin typeface="Ubuntu" pitchFamily="18"/>
               </a:rPr>
+              <a:t>docker</a:t>
+            </a:r>
+            <a:r>
+              <a:rPr lang="en-IN" sz="1800" dirty="0">
+                <a:latin typeface="Ubuntu" pitchFamily="18"/>
+              </a:rPr>
+              <a:t> search </a:t>
+            </a:r>
+            <a:r>
+              <a:rPr lang="en-IN" sz="1800" dirty="0" err="1">
+                <a:latin typeface="Ubuntu" pitchFamily="18"/>
+              </a:rPr>
+              <a:t>ubuntu</a:t>
+            </a:r>
+            <a:r>
+              <a:rPr lang="en-IN" sz="1800" dirty="0">
+                <a:latin typeface="Ubuntu" pitchFamily="18"/>
+              </a:rPr>
+              <a:t> -&gt; to search all </a:t>
+            </a:r>
+            <a:r>
+              <a:rPr lang="en-IN" sz="1800" dirty="0" err="1">
+                <a:latin typeface="Ubuntu" pitchFamily="18"/>
+              </a:rPr>
+              <a:t>docker</a:t>
+            </a:r>
+            <a:r>
+              <a:rPr lang="en-IN" sz="1800" dirty="0">
+                <a:latin typeface="Ubuntu" pitchFamily="18"/>
+              </a:rPr>
+              <a:t> </a:t>
+            </a:r>
+            <a:r>
+              <a:rPr lang="en-IN" sz="1800" dirty="0" err="1">
+                <a:latin typeface="Ubuntu" pitchFamily="18"/>
+              </a:rPr>
+              <a:t>ubuntu</a:t>
+            </a:r>
+            <a:r>
+              <a:rPr lang="en-IN" sz="1800" dirty="0">
+                <a:latin typeface="Ubuntu" pitchFamily="18"/>
+              </a:rPr>
+              <a:t> images</a:t>
+            </a:r>
+          </a:p>
+          <a:p>
+            <a:pPr lvl="0" algn="l"/>
+            <a:r>
+              <a:rPr lang="en-IN" sz="1800" dirty="0" smtClean="0">
+                <a:latin typeface="Ubuntu" pitchFamily="18"/>
+              </a:rPr>
+              <a:t>#</a:t>
+            </a:r>
+            <a:r>
+              <a:rPr lang="en-IN" sz="1800" dirty="0" err="1">
+                <a:latin typeface="Ubuntu" pitchFamily="18"/>
+              </a:rPr>
+              <a:t>docker</a:t>
+            </a:r>
+            <a:r>
+              <a:rPr lang="en-IN" sz="1800" dirty="0">
+                <a:latin typeface="Ubuntu" pitchFamily="18"/>
+              </a:rPr>
+              <a:t> pull </a:t>
+            </a:r>
+            <a:r>
+              <a:rPr lang="en-IN" sz="1800" dirty="0" err="1">
+                <a:latin typeface="Ubuntu" pitchFamily="18"/>
+              </a:rPr>
+              <a:t>ubuntu</a:t>
+            </a:r>
+            <a:r>
+              <a:rPr lang="en-IN" sz="1800" dirty="0">
+                <a:latin typeface="Ubuntu" pitchFamily="18"/>
+              </a:rPr>
+              <a:t> -&gt; downloading image of </a:t>
+            </a:r>
+            <a:r>
+              <a:rPr lang="en-IN" sz="1800" dirty="0" err="1">
+                <a:latin typeface="Ubuntu" pitchFamily="18"/>
+              </a:rPr>
+              <a:t>ubuntu</a:t>
+            </a:r>
+            <a:r>
+              <a:rPr lang="en-IN" sz="1800" dirty="0">
+                <a:latin typeface="Ubuntu" pitchFamily="18"/>
+              </a:rPr>
+              <a:t> on local machine</a:t>
+            </a:r>
+          </a:p>
+          <a:p>
+            <a:pPr lvl="0" algn="l"/>
+            <a:r>
+              <a:rPr lang="en-IN" sz="1800" dirty="0" smtClean="0">
+                <a:latin typeface="Ubuntu" pitchFamily="18"/>
+              </a:rPr>
+              <a:t>#</a:t>
+            </a:r>
+            <a:r>
+              <a:rPr lang="en-IN" sz="1800" dirty="0" err="1">
+                <a:latin typeface="Ubuntu" pitchFamily="18"/>
+              </a:rPr>
+              <a:t>docker</a:t>
+            </a:r>
+            <a:r>
+              <a:rPr lang="en-IN" sz="1800" dirty="0">
+                <a:latin typeface="Ubuntu" pitchFamily="18"/>
+              </a:rPr>
+              <a:t> run -it –name “</a:t>
+            </a:r>
+            <a:r>
+              <a:rPr lang="en-IN" sz="1800" dirty="0" err="1">
+                <a:latin typeface="Ubuntu" pitchFamily="18"/>
+              </a:rPr>
               <a:t>ubuntu_test</a:t>
             </a:r>
             <a:r>
               <a:rPr lang="en-IN" sz="1800" dirty="0">
                 <a:latin typeface="Ubuntu" pitchFamily="18"/>
               </a:rPr>
-              <a:t>” IMAGENAME:TAGS /bin/bash</a:t>
+              <a:t>” </a:t>
+            </a:r>
+            <a:r>
+              <a:rPr lang="en-IN" sz="1800" dirty="0" err="1">
+                <a:latin typeface="Ubuntu" pitchFamily="18"/>
+              </a:rPr>
+              <a:t>ubuntu</a:t>
+            </a:r>
+            <a:r>
+              <a:rPr lang="en-IN" sz="1800" dirty="0">
+                <a:latin typeface="Ubuntu" pitchFamily="18"/>
+              </a:rPr>
+              <a:t> /bin/bash</a:t>
             </a:r>
           </a:p>
           <a:p>
@@ -9331,62 +9853,26 @@
               <a:rPr lang="en-IN" sz="1800" dirty="0">
                 <a:latin typeface="Ubuntu" pitchFamily="18"/>
               </a:rPr>
-              <a:t>container]#service apache2 start   -&gt; now we hosted apache on container</a:t>
-            </a:r>
-          </a:p>
-          <a:p>
-            <a:pPr lvl="0" algn="l"/>
-            <a:r>
-              <a:rPr lang="en-IN" sz="1800" b="1" dirty="0" err="1" smtClean="0">
-                <a:latin typeface="Ubuntu" pitchFamily="18"/>
-              </a:rPr>
-              <a:t>NOTE:cnt+p,cnt+q</a:t>
-            </a:r>
-            <a:r>
-              <a:rPr lang="en-IN" sz="1800" b="1" dirty="0" smtClean="0">
-                <a:latin typeface="Ubuntu" pitchFamily="18"/>
-              </a:rPr>
-              <a:t>  </a:t>
-            </a:r>
-            <a:r>
-              <a:rPr lang="en-IN" sz="1800" b="1" dirty="0">
-                <a:latin typeface="Ubuntu" pitchFamily="18"/>
-              </a:rPr>
-              <a:t>to exit from container without </a:t>
-            </a:r>
-            <a:r>
-              <a:rPr lang="en-IN" sz="1800" b="1" dirty="0" err="1">
-                <a:latin typeface="Ubuntu" pitchFamily="18"/>
-              </a:rPr>
-              <a:t>stoping</a:t>
-            </a:r>
-            <a:r>
-              <a:rPr lang="en-IN" sz="1800" b="1" dirty="0">
-                <a:latin typeface="Ubuntu" pitchFamily="18"/>
-              </a:rPr>
-              <a:t> them</a:t>
-            </a:r>
-          </a:p>
-          <a:p>
-            <a:pPr lvl="0" algn="l"/>
-            <a:r>
-              <a:rPr lang="en-IN" sz="1800" b="1" dirty="0" smtClean="0">
-                <a:latin typeface="Ubuntu" pitchFamily="18"/>
-              </a:rPr>
-              <a:t>NOTE</a:t>
-            </a:r>
-            <a:r>
-              <a:rPr lang="en-IN" sz="1800" b="1" dirty="0">
-                <a:latin typeface="Ubuntu" pitchFamily="18"/>
-              </a:rPr>
-              <a:t>: exit to stop container and exit</a:t>
-            </a:r>
-          </a:p>
-          <a:p>
-            <a:pPr lvl="0" algn="l"/>
-            <a:endParaRPr lang="en-IN" sz="1800" dirty="0" smtClean="0">
-              <a:latin typeface="Ubuntu" pitchFamily="18"/>
-            </a:endParaRPr>
+              <a:t>container]#apt-get update -&gt; to update container repos</a:t>
+            </a:r>
+          </a:p>
+          <a:p>
+            <a:pPr lvl="0" algn="l"/>
+            <a:r>
+              <a:rPr lang="en-IN" sz="1800" dirty="0">
+                <a:latin typeface="Ubuntu" pitchFamily="18"/>
+              </a:rPr>
+              <a:t>[container]#apt-get install apache2</a:t>
+            </a:r>
+          </a:p>
+          <a:p>
+            <a:pPr lvl="0" algn="l"/>
+            <a:r>
+              <a:rPr lang="en-IN" sz="1800" dirty="0">
+                <a:latin typeface="Ubuntu" pitchFamily="18"/>
+              </a:rPr>
+              <a:t>[container]#exit</a:t>
+            </a:r>
           </a:p>
           <a:p>
             <a:pPr lvl="0" algn="l"/>
@@ -9394,55 +9880,37 @@
               <a:rPr lang="en-IN" sz="1800" dirty="0" smtClean="0">
                 <a:latin typeface="Ubuntu" pitchFamily="18"/>
               </a:rPr>
-              <a:t>If </a:t>
+              <a:t>#</a:t>
+            </a:r>
+            <a:r>
+              <a:rPr lang="en-IN" sz="1800" dirty="0" err="1">
+                <a:latin typeface="Ubuntu" pitchFamily="18"/>
+              </a:rPr>
+              <a:t>docker</a:t>
             </a:r>
             <a:r>
               <a:rPr lang="en-IN" sz="1800" dirty="0">
                 <a:latin typeface="Ubuntu" pitchFamily="18"/>
               </a:rPr>
-              <a:t>we stop it we need to start it</a:t>
-            </a:r>
-          </a:p>
-          <a:p>
-            <a:pPr lvl="0" algn="l"/>
-            <a:r>
-              <a:rPr lang="en-IN" sz="1800" dirty="0" smtClean="0">
-                <a:latin typeface="Ubuntu" pitchFamily="18"/>
-              </a:rPr>
-              <a:t>#</a:t>
+              <a:t> </a:t>
             </a:r>
             <a:r>
               <a:rPr lang="en-IN" sz="1800" dirty="0" err="1">
                 <a:latin typeface="Ubuntu" pitchFamily="18"/>
               </a:rPr>
-              <a:t>docker</a:t>
+              <a:t>ps</a:t>
             </a:r>
             <a:r>
               <a:rPr lang="en-IN" sz="1800" dirty="0">
                 <a:latin typeface="Ubuntu" pitchFamily="18"/>
               </a:rPr>
-              <a:t> start </a:t>
+              <a:t> -a -&gt;  to see al </a:t>
             </a:r>
             <a:r>
               <a:rPr lang="en-IN" sz="1800" dirty="0" err="1">
                 <a:latin typeface="Ubuntu" pitchFamily="18"/>
               </a:rPr>
               <a:t>container_id</a:t>
-            </a:r>
-            <a:r>
-              <a:rPr lang="en-IN" sz="1800" dirty="0">
-                <a:latin typeface="Ubuntu" pitchFamily="18"/>
-              </a:rPr>
-              <a:t> and the attach with it to get shell</a:t>
-            </a:r>
-          </a:p>
-          <a:p>
-            <a:pPr lvl="0" algn="l"/>
-            <a:r>
-              <a:rPr lang="en-IN" sz="1800" dirty="0" smtClean="0">
-                <a:latin typeface="Ubuntu" pitchFamily="18"/>
-              </a:rPr>
-              <a:t>	Or</a:t>
             </a:r>
             <a:endParaRPr lang="en-IN" sz="1800" dirty="0">
               <a:latin typeface="Ubuntu" pitchFamily="18"/>
@@ -9451,10 +9919,34 @@
           <a:p>
             <a:pPr lvl="0" algn="l"/>
             <a:r>
+              <a:rPr lang="en-IN" sz="1800" dirty="0" smtClean="0">
+                <a:latin typeface="Ubuntu" pitchFamily="18"/>
+              </a:rPr>
+              <a:t>#</a:t>
+            </a:r>
+            <a:r>
+              <a:rPr lang="en-IN" sz="1800" dirty="0" err="1">
+                <a:latin typeface="Ubuntu" pitchFamily="18"/>
+              </a:rPr>
+              <a:t>docker</a:t>
+            </a:r>
+            <a:r>
               <a:rPr lang="en-IN" sz="1800" dirty="0">
                 <a:latin typeface="Ubuntu" pitchFamily="18"/>
               </a:rPr>
-              <a:t>If we container is running then we need to attach from it</a:t>
+              <a:t> commit -m “installed apache” </a:t>
+            </a:r>
+            <a:r>
+              <a:rPr lang="en-IN" sz="1800" dirty="0" err="1">
+                <a:latin typeface="Ubuntu" pitchFamily="18"/>
+              </a:rPr>
+              <a:t>container_ID</a:t>
+            </a:r>
+            <a:r>
+              <a:rPr lang="en-IN" sz="1800" dirty="0">
+                <a:latin typeface="Ubuntu" pitchFamily="18"/>
+              </a:rPr>
+              <a:t> IMAGENAME:TAGS</a:t>
             </a:r>
           </a:p>
           <a:p>
@@ -9469,31 +9961,25 @@
               <a:rPr lang="en-IN" sz="1800" dirty="0" err="1">
                 <a:latin typeface="Ubuntu" pitchFamily="18"/>
               </a:rPr>
-              <a:t>docker</a:t>
+              <a:t>dockers</a:t>
             </a:r>
             <a:r>
               <a:rPr lang="en-IN" sz="1800" dirty="0">
                 <a:latin typeface="Ubuntu" pitchFamily="18"/>
               </a:rPr>
-              <a:t> attach </a:t>
+              <a:t> images -&gt;  Now we can see </a:t>
             </a:r>
             <a:r>
               <a:rPr lang="en-IN" sz="1800" dirty="0" err="1">
                 <a:latin typeface="Ubuntu" pitchFamily="18"/>
               </a:rPr>
-              <a:t>container_Id</a:t>
-            </a:r>
-            <a:endParaRPr lang="en-IN" sz="1800" dirty="0">
-              <a:latin typeface="Ubuntu" pitchFamily="18"/>
-            </a:endParaRPr>
-          </a:p>
-          <a:p>
-            <a:pPr lvl="0" algn="l"/>
+              <a:t>comited</a:t>
+            </a:r>
             <a:r>
               <a:rPr lang="en-IN" sz="1800" dirty="0">
                 <a:latin typeface="Ubuntu" pitchFamily="18"/>
               </a:rPr>
-              <a:t>  </a:t>
+              <a:t> image</a:t>
             </a:r>
           </a:p>
         </p:txBody>
@@ -9516,7 +10002,7 @@
 
 <file path=ppt/slides/slide6.xml><?xml version="1.0" encoding="utf-8"?>
 <p:sld xmlns:a="http://schemas.openxmlformats.org/drawingml/2006/main" xmlns:r="http://schemas.openxmlformats.org/officeDocument/2006/relationships" xmlns:p="http://schemas.openxmlformats.org/presentationml/2006/main">
-  <p:cSld name="page5">
+  <p:cSld name="page4">
     <p:spTree>
       <p:nvGrpSpPr>
         <p:cNvPr id="1" name=""/>
@@ -9543,20 +10029,230 @@
         </p:nvSpPr>
         <p:spPr>
           <a:xfrm>
-            <a:off x="216000" y="301320"/>
-            <a:ext cx="9720000" cy="5852160"/>
+            <a:off x="216000" y="-68760"/>
+            <a:ext cx="9720000" cy="6592680"/>
           </a:xfrm>
         </p:spPr>
         <p:txBody>
           <a:bodyPr anchor="ctr"/>
           <a:lstStyle/>
           <a:p>
-            <a:pPr lvl="0" algn="ctr"/>
-            <a:r>
-              <a:rPr lang="en-IN" sz="3500">
-                <a:latin typeface="Ubuntu" pitchFamily="18"/>
-              </a:rPr>
-              <a:t>INSTALL APACHE ON CENTOS7 CONTAINER</a:t>
+            <a:pPr lvl="0" algn="l"/>
+            <a:r>
+              <a:rPr lang="en-IN" sz="1800" b="1" dirty="0">
+                <a:latin typeface="Ubuntu" pitchFamily="18"/>
+              </a:rPr>
+              <a:t>NOW RUN THE COMMITED IMAGES</a:t>
+            </a:r>
+          </a:p>
+          <a:p>
+            <a:pPr lvl="0" algn="l"/>
+            <a:r>
+              <a:rPr lang="en-IN" sz="1800" dirty="0">
+                <a:latin typeface="Ubuntu" pitchFamily="18"/>
+              </a:rPr>
+              <a:t>#</a:t>
+            </a:r>
+            <a:r>
+              <a:rPr lang="en-IN" sz="1800" dirty="0" err="1">
+                <a:latin typeface="Ubuntu" pitchFamily="18"/>
+              </a:rPr>
+              <a:t>docker</a:t>
+            </a:r>
+            <a:r>
+              <a:rPr lang="en-IN" sz="1800" dirty="0">
+                <a:latin typeface="Ubuntu" pitchFamily="18"/>
+              </a:rPr>
+              <a:t> run -it -p 80:80 --name “</a:t>
+            </a:r>
+            <a:r>
+              <a:rPr lang="en-IN" sz="1800" dirty="0" err="1">
+                <a:latin typeface="Ubuntu" pitchFamily="18"/>
+              </a:rPr>
+              <a:t>ubuntu_test</a:t>
+            </a:r>
+            <a:r>
+              <a:rPr lang="en-IN" sz="1800" dirty="0">
+                <a:latin typeface="Ubuntu" pitchFamily="18"/>
+              </a:rPr>
+              <a:t>” IMAGENAME:TAGS /bin/bash</a:t>
+            </a:r>
+          </a:p>
+          <a:p>
+            <a:pPr lvl="0" algn="l"/>
+            <a:r>
+              <a:rPr lang="en-IN" sz="1800" dirty="0" smtClean="0">
+                <a:latin typeface="Ubuntu" pitchFamily="18"/>
+              </a:rPr>
+              <a:t>[</a:t>
+            </a:r>
+            <a:r>
+              <a:rPr lang="en-IN" sz="1800" dirty="0">
+                <a:latin typeface="Ubuntu" pitchFamily="18"/>
+              </a:rPr>
+              <a:t>container]#service apache2 start   -&gt; now we hosted apache on container</a:t>
+            </a:r>
+          </a:p>
+          <a:p>
+            <a:pPr lvl="0" algn="l"/>
+            <a:r>
+              <a:rPr lang="en-IN" sz="1800" b="1" dirty="0" err="1" smtClean="0">
+                <a:latin typeface="Ubuntu" pitchFamily="18"/>
+              </a:rPr>
+              <a:t>NOTE:cnt+p,cnt+q</a:t>
+            </a:r>
+            <a:r>
+              <a:rPr lang="en-IN" sz="1800" b="1" dirty="0" smtClean="0">
+                <a:latin typeface="Ubuntu" pitchFamily="18"/>
+              </a:rPr>
+              <a:t>  </a:t>
+            </a:r>
+            <a:r>
+              <a:rPr lang="en-IN" sz="1800" b="1" dirty="0">
+                <a:latin typeface="Ubuntu" pitchFamily="18"/>
+              </a:rPr>
+              <a:t>to exit from container without </a:t>
+            </a:r>
+            <a:r>
+              <a:rPr lang="en-IN" sz="1800" b="1" dirty="0" err="1">
+                <a:latin typeface="Ubuntu" pitchFamily="18"/>
+              </a:rPr>
+              <a:t>stoping</a:t>
+            </a:r>
+            <a:r>
+              <a:rPr lang="en-IN" sz="1800" b="1" dirty="0">
+                <a:latin typeface="Ubuntu" pitchFamily="18"/>
+              </a:rPr>
+              <a:t> them</a:t>
+            </a:r>
+          </a:p>
+          <a:p>
+            <a:pPr lvl="0" algn="l"/>
+            <a:r>
+              <a:rPr lang="en-IN" sz="1800" b="1" dirty="0" smtClean="0">
+                <a:latin typeface="Ubuntu" pitchFamily="18"/>
+              </a:rPr>
+              <a:t>NOTE</a:t>
+            </a:r>
+            <a:r>
+              <a:rPr lang="en-IN" sz="1800" b="1" dirty="0">
+                <a:latin typeface="Ubuntu" pitchFamily="18"/>
+              </a:rPr>
+              <a:t>: exit to stop container and exit</a:t>
+            </a:r>
+          </a:p>
+          <a:p>
+            <a:pPr lvl="0" algn="l"/>
+            <a:endParaRPr lang="en-IN" sz="1800" dirty="0" smtClean="0">
+              <a:latin typeface="Ubuntu" pitchFamily="18"/>
+            </a:endParaRPr>
+          </a:p>
+          <a:p>
+            <a:pPr lvl="0" algn="l"/>
+            <a:r>
+              <a:rPr lang="en-IN" sz="1800" dirty="0" smtClean="0">
+                <a:latin typeface="Ubuntu" pitchFamily="18"/>
+              </a:rPr>
+              <a:t>If </a:t>
+            </a:r>
+            <a:r>
+              <a:rPr lang="en-IN" sz="1800" dirty="0">
+                <a:latin typeface="Ubuntu" pitchFamily="18"/>
+              </a:rPr>
+              <a:t>we stop it we need to start it</a:t>
+            </a:r>
+          </a:p>
+          <a:p>
+            <a:pPr lvl="0" algn="l"/>
+            <a:r>
+              <a:rPr lang="en-IN" sz="1800" dirty="0" smtClean="0">
+                <a:latin typeface="Ubuntu" pitchFamily="18"/>
+              </a:rPr>
+              <a:t>#</a:t>
+            </a:r>
+            <a:r>
+              <a:rPr lang="en-IN" sz="1800" dirty="0" err="1">
+                <a:latin typeface="Ubuntu" pitchFamily="18"/>
+              </a:rPr>
+              <a:t>docker</a:t>
+            </a:r>
+            <a:r>
+              <a:rPr lang="en-IN" sz="1800" dirty="0">
+                <a:latin typeface="Ubuntu" pitchFamily="18"/>
+              </a:rPr>
+              <a:t> start </a:t>
+            </a:r>
+            <a:r>
+              <a:rPr lang="en-IN" sz="1800" dirty="0" err="1">
+                <a:latin typeface="Ubuntu" pitchFamily="18"/>
+              </a:rPr>
+              <a:t>container_id</a:t>
+            </a:r>
+            <a:r>
+              <a:rPr lang="en-IN" sz="1800" dirty="0">
+                <a:latin typeface="Ubuntu" pitchFamily="18"/>
+              </a:rPr>
+              <a:t> and the attach with it to get shell</a:t>
+            </a:r>
+          </a:p>
+          <a:p>
+            <a:pPr lvl="0" algn="l"/>
+            <a:r>
+              <a:rPr lang="en-IN" sz="1800" dirty="0" smtClean="0">
+                <a:latin typeface="Ubuntu" pitchFamily="18"/>
+              </a:rPr>
+              <a:t>	Or</a:t>
+            </a:r>
+            <a:endParaRPr lang="en-IN" sz="1800" dirty="0">
+              <a:latin typeface="Ubuntu" pitchFamily="18"/>
+            </a:endParaRPr>
+          </a:p>
+          <a:p>
+            <a:pPr lvl="0" algn="l"/>
+            <a:r>
+              <a:rPr lang="en-IN" sz="1800" dirty="0">
+                <a:latin typeface="Ubuntu" pitchFamily="18"/>
+              </a:rPr>
+              <a:t>If we container is running then we need to attach from it</a:t>
+            </a:r>
+          </a:p>
+          <a:p>
+            <a:pPr lvl="0" algn="l"/>
+            <a:r>
+              <a:rPr lang="en-IN" sz="1800" dirty="0" smtClean="0">
+                <a:latin typeface="Ubuntu" pitchFamily="18"/>
+              </a:rPr>
+              <a:t>#</a:t>
+            </a:r>
+            <a:r>
+              <a:rPr lang="en-IN" sz="1800" dirty="0" err="1">
+                <a:latin typeface="Ubuntu" pitchFamily="18"/>
+              </a:rPr>
+              <a:t>docker</a:t>
+            </a:r>
+            <a:r>
+              <a:rPr lang="en-IN" sz="1800" dirty="0">
+                <a:latin typeface="Ubuntu" pitchFamily="18"/>
+              </a:rPr>
+              <a:t> attach </a:t>
+            </a:r>
+            <a:r>
+              <a:rPr lang="en-IN" sz="1800" dirty="0" err="1">
+                <a:latin typeface="Ubuntu" pitchFamily="18"/>
+              </a:rPr>
+              <a:t>container_Id</a:t>
+            </a:r>
+            <a:endParaRPr lang="en-IN" sz="1800" dirty="0">
+              <a:latin typeface="Ubuntu" pitchFamily="18"/>
+            </a:endParaRPr>
+          </a:p>
+          <a:p>
+            <a:pPr lvl="0" algn="l"/>
+            <a:r>
+              <a:rPr lang="en-IN" sz="1800" dirty="0">
+                <a:latin typeface="Ubuntu" pitchFamily="18"/>
+              </a:rPr>
+              <a:t>  </a:t>
             </a:r>
           </a:p>
         </p:txBody>
@@ -9579,7 +10275,7 @@
 
 <file path=ppt/slides/slide7.xml><?xml version="1.0" encoding="utf-8"?>
 <p:sld xmlns:a="http://schemas.openxmlformats.org/drawingml/2006/main" xmlns:r="http://schemas.openxmlformats.org/officeDocument/2006/relationships" xmlns:p="http://schemas.openxmlformats.org/presentationml/2006/main">
-  <p:cSld name="page6">
+  <p:cSld name="page5">
     <p:spTree>
       <p:nvGrpSpPr>
         <p:cNvPr id="1" name=""/>
@@ -9606,317 +10302,20 @@
         </p:nvSpPr>
         <p:spPr>
           <a:xfrm>
-            <a:off x="216000" y="1"/>
-            <a:ext cx="9720000" cy="7559674"/>
+            <a:off x="216000" y="301320"/>
+            <a:ext cx="9720000" cy="5852160"/>
           </a:xfrm>
         </p:spPr>
         <p:txBody>
           <a:bodyPr anchor="ctr"/>
           <a:lstStyle/>
           <a:p>
-            <a:pPr lvl="0" algn="l"/>
-            <a:r>
-              <a:rPr lang="en-IN" sz="2400" dirty="0">
-                <a:latin typeface="Ubuntu" pitchFamily="18"/>
-              </a:rPr>
-              <a:t>#</a:t>
-            </a:r>
-            <a:r>
-              <a:rPr lang="en-IN" sz="2400" dirty="0" err="1">
-                <a:latin typeface="Ubuntu" pitchFamily="18"/>
-              </a:rPr>
-              <a:t>docker</a:t>
-            </a:r>
-            <a:r>
-              <a:rPr lang="en-IN" sz="2400" dirty="0">
-                <a:latin typeface="Ubuntu" pitchFamily="18"/>
-              </a:rPr>
-              <a:t> images -&gt; to see all downloaded images on system</a:t>
-            </a:r>
-          </a:p>
-          <a:p>
-            <a:pPr lvl="0" algn="l"/>
-            <a:r>
-              <a:rPr lang="en-IN" sz="2400" dirty="0" smtClean="0">
-                <a:latin typeface="Ubuntu" pitchFamily="18"/>
-              </a:rPr>
-              <a:t>#</a:t>
-            </a:r>
-            <a:r>
-              <a:rPr lang="en-IN" sz="2400" dirty="0" err="1">
-                <a:latin typeface="Ubuntu" pitchFamily="18"/>
-              </a:rPr>
-              <a:t>docker</a:t>
-            </a:r>
-            <a:r>
-              <a:rPr lang="en-IN" sz="2400" dirty="0">
-                <a:latin typeface="Ubuntu" pitchFamily="18"/>
-              </a:rPr>
-              <a:t> search centos -&gt; to search all </a:t>
-            </a:r>
-            <a:r>
-              <a:rPr lang="en-IN" sz="2400" dirty="0" err="1">
-                <a:latin typeface="Ubuntu" pitchFamily="18"/>
-              </a:rPr>
-              <a:t>docker</a:t>
-            </a:r>
-            <a:r>
-              <a:rPr lang="en-IN" sz="2400" dirty="0">
-                <a:latin typeface="Ubuntu" pitchFamily="18"/>
-              </a:rPr>
-              <a:t> </a:t>
-            </a:r>
-            <a:r>
-              <a:rPr lang="en-IN" sz="2400" dirty="0" err="1">
-                <a:latin typeface="Ubuntu" pitchFamily="18"/>
-              </a:rPr>
-              <a:t>ubuntu</a:t>
-            </a:r>
-            <a:r>
-              <a:rPr lang="en-IN" sz="2400" dirty="0">
-                <a:latin typeface="Ubuntu" pitchFamily="18"/>
-              </a:rPr>
-              <a:t> images</a:t>
-            </a:r>
-          </a:p>
-          <a:p>
-            <a:pPr lvl="0" algn="l"/>
-            <a:r>
-              <a:rPr lang="en-IN" sz="2400" dirty="0" smtClean="0">
-                <a:latin typeface="Ubuntu" pitchFamily="18"/>
-              </a:rPr>
-              <a:t>#</a:t>
-            </a:r>
-            <a:r>
-              <a:rPr lang="en-IN" sz="2400" dirty="0" err="1">
-                <a:latin typeface="Ubuntu" pitchFamily="18"/>
-              </a:rPr>
-              <a:t>docker</a:t>
-            </a:r>
-            <a:r>
-              <a:rPr lang="en-IN" sz="2400" dirty="0">
-                <a:latin typeface="Ubuntu" pitchFamily="18"/>
-              </a:rPr>
-              <a:t> pull centos  -&gt; downloading image of </a:t>
-            </a:r>
-            <a:r>
-              <a:rPr lang="en-IN" sz="2400" dirty="0" err="1">
-                <a:latin typeface="Ubuntu" pitchFamily="18"/>
-              </a:rPr>
-              <a:t>ubuntu</a:t>
-            </a:r>
-            <a:r>
-              <a:rPr lang="en-IN" sz="2400" dirty="0">
-                <a:latin typeface="Ubuntu" pitchFamily="18"/>
-              </a:rPr>
-              <a:t> on local machine</a:t>
-            </a:r>
-          </a:p>
-          <a:p>
-            <a:pPr lvl="0" algn="l"/>
-            <a:endParaRPr lang="en-IN" sz="2400" dirty="0" smtClean="0">
-              <a:latin typeface="Ubuntu" pitchFamily="18"/>
-            </a:endParaRPr>
-          </a:p>
-          <a:p>
-            <a:pPr lvl="0" algn="l"/>
-            <a:r>
-              <a:rPr lang="en-IN" sz="2400" b="1" dirty="0" smtClean="0">
-                <a:latin typeface="Ubuntu" pitchFamily="18"/>
-              </a:rPr>
-              <a:t>#</a:t>
-            </a:r>
-            <a:r>
-              <a:rPr lang="en-IN" sz="2400" b="1" dirty="0" err="1">
-                <a:latin typeface="Ubuntu" pitchFamily="18"/>
-              </a:rPr>
-              <a:t>docker</a:t>
-            </a:r>
-            <a:r>
-              <a:rPr lang="en-IN" sz="2400" b="1" dirty="0">
-                <a:latin typeface="Ubuntu" pitchFamily="18"/>
-              </a:rPr>
-              <a:t> run -it –name “</a:t>
-            </a:r>
-            <a:r>
-              <a:rPr lang="en-IN" sz="2400" b="1" dirty="0" err="1">
-                <a:latin typeface="Ubuntu" pitchFamily="18"/>
-              </a:rPr>
-              <a:t>centos_test</a:t>
-            </a:r>
-            <a:r>
-              <a:rPr lang="en-IN" sz="2400" b="1" dirty="0">
-                <a:latin typeface="Ubuntu" pitchFamily="18"/>
-              </a:rPr>
-              <a:t>” centos /bin/bash</a:t>
-            </a:r>
-          </a:p>
-          <a:p>
-            <a:pPr lvl="0" algn="l"/>
-            <a:r>
-              <a:rPr lang="en-IN" sz="2400" dirty="0" smtClean="0">
-                <a:latin typeface="Ubuntu" pitchFamily="18"/>
-              </a:rPr>
-              <a:t>[</a:t>
-            </a:r>
-            <a:r>
-              <a:rPr lang="en-IN" sz="2400" dirty="0">
-                <a:latin typeface="Ubuntu" pitchFamily="18"/>
-              </a:rPr>
-              <a:t>container]#</a:t>
-            </a:r>
-            <a:r>
-              <a:rPr lang="en-IN" sz="2400" b="1" dirty="0">
-                <a:latin typeface="Ubuntu" pitchFamily="18"/>
-              </a:rPr>
-              <a:t>yum install </a:t>
-            </a:r>
-            <a:r>
-              <a:rPr lang="en-IN" sz="2400" b="1" dirty="0" err="1">
-                <a:latin typeface="Ubuntu" pitchFamily="18"/>
-              </a:rPr>
-              <a:t>httpd</a:t>
-            </a:r>
-            <a:r>
-              <a:rPr lang="en-IN" sz="2400" b="1" dirty="0">
-                <a:latin typeface="Ubuntu" pitchFamily="18"/>
-              </a:rPr>
-              <a:t> -&gt; to update container repos</a:t>
-            </a:r>
-          </a:p>
-          <a:p>
-            <a:pPr lvl="0" algn="l"/>
-            <a:r>
-              <a:rPr lang="en-IN" sz="2400" dirty="0">
-                <a:latin typeface="Ubuntu" pitchFamily="18"/>
-              </a:rPr>
-              <a:t>[container]#</a:t>
-            </a:r>
-            <a:r>
-              <a:rPr lang="en-IN" sz="2400" b="1" dirty="0">
-                <a:latin typeface="Ubuntu" pitchFamily="18"/>
-              </a:rPr>
-              <a:t>exit</a:t>
-            </a:r>
-          </a:p>
-          <a:p>
-            <a:pPr lvl="0" algn="l"/>
-            <a:r>
-              <a:rPr lang="en-IN" sz="2400" dirty="0" smtClean="0">
-                <a:latin typeface="Ubuntu" pitchFamily="18"/>
-              </a:rPr>
-              <a:t>#</a:t>
-            </a:r>
-            <a:r>
-              <a:rPr lang="en-IN" sz="2400" b="1" dirty="0" err="1">
-                <a:latin typeface="Ubuntu" pitchFamily="18"/>
-              </a:rPr>
-              <a:t>docker</a:t>
-            </a:r>
-            <a:r>
-              <a:rPr lang="en-IN" sz="2400" b="1" dirty="0">
-                <a:latin typeface="Ubuntu" pitchFamily="18"/>
-              </a:rPr>
-              <a:t> </a:t>
-            </a:r>
-            <a:r>
-              <a:rPr lang="en-IN" sz="2400" b="1" dirty="0" err="1">
-                <a:latin typeface="Ubuntu" pitchFamily="18"/>
-              </a:rPr>
-              <a:t>ps</a:t>
-            </a:r>
-            <a:r>
-              <a:rPr lang="en-IN" sz="2400" b="1" dirty="0">
-                <a:latin typeface="Ubuntu" pitchFamily="18"/>
-              </a:rPr>
-              <a:t> -a </a:t>
-            </a:r>
-            <a:r>
-              <a:rPr lang="en-IN" sz="2400" dirty="0">
-                <a:latin typeface="Ubuntu" pitchFamily="18"/>
-              </a:rPr>
-              <a:t>-&gt;  to see all </a:t>
-            </a:r>
-            <a:r>
-              <a:rPr lang="en-IN" sz="2400" dirty="0" err="1">
-                <a:latin typeface="Ubuntu" pitchFamily="18"/>
-              </a:rPr>
-              <a:t>container_id</a:t>
-            </a:r>
-            <a:endParaRPr lang="en-IN" sz="2400" dirty="0">
-              <a:latin typeface="Ubuntu" pitchFamily="18"/>
-            </a:endParaRPr>
-          </a:p>
-          <a:p>
-            <a:pPr lvl="0" algn="l"/>
-            <a:r>
-              <a:rPr lang="en-IN" sz="2400" dirty="0" smtClean="0">
-                <a:latin typeface="Ubuntu" pitchFamily="18"/>
-              </a:rPr>
-              <a:t>#</a:t>
-            </a:r>
-            <a:r>
-              <a:rPr lang="en-IN" sz="2400" b="1" dirty="0" err="1">
-                <a:latin typeface="Ubuntu" pitchFamily="18"/>
-              </a:rPr>
-              <a:t>docker</a:t>
-            </a:r>
-            <a:r>
-              <a:rPr lang="en-IN" sz="2400" b="1" dirty="0">
-                <a:latin typeface="Ubuntu" pitchFamily="18"/>
-              </a:rPr>
-              <a:t> commit -m “installed apache” </a:t>
-            </a:r>
-            <a:r>
-              <a:rPr lang="en-IN" sz="2400" b="1" dirty="0" err="1">
-                <a:latin typeface="Ubuntu" pitchFamily="18"/>
-              </a:rPr>
-              <a:t>container_ID</a:t>
-            </a:r>
-            <a:r>
-              <a:rPr lang="en-IN" sz="2400" b="1" dirty="0">
-                <a:latin typeface="Ubuntu" pitchFamily="18"/>
-              </a:rPr>
-              <a:t> IMAGENAME:TAGS</a:t>
-            </a:r>
-          </a:p>
-          <a:p>
-            <a:pPr lvl="0" algn="l"/>
-            <a:r>
-              <a:rPr lang="en-IN" sz="2400" dirty="0" smtClean="0">
-                <a:latin typeface="Ubuntu" pitchFamily="18"/>
-              </a:rPr>
-              <a:t>#</a:t>
-            </a:r>
-            <a:r>
-              <a:rPr lang="en-IN" sz="2400" b="1" dirty="0" err="1">
-                <a:latin typeface="Ubuntu" pitchFamily="18"/>
-              </a:rPr>
-              <a:t>dockers</a:t>
-            </a:r>
-            <a:r>
-              <a:rPr lang="en-IN" sz="2400" b="1" dirty="0">
-                <a:latin typeface="Ubuntu" pitchFamily="18"/>
-              </a:rPr>
-              <a:t> images </a:t>
-            </a:r>
-            <a:r>
-              <a:rPr lang="en-IN" sz="2400" dirty="0">
-                <a:latin typeface="Ubuntu" pitchFamily="18"/>
-              </a:rPr>
-              <a:t>-&gt;  Now we can see </a:t>
-            </a:r>
-            <a:r>
-              <a:rPr lang="en-IN" sz="2400" dirty="0" err="1">
-                <a:latin typeface="Ubuntu" pitchFamily="18"/>
-              </a:rPr>
-              <a:t>comited</a:t>
-            </a:r>
-            <a:r>
-              <a:rPr lang="en-IN" sz="2400" dirty="0">
-                <a:latin typeface="Ubuntu" pitchFamily="18"/>
-              </a:rPr>
-              <a:t> image</a:t>
+            <a:pPr lvl="0" algn="ctr"/>
+            <a:r>
+              <a:rPr lang="en-IN" sz="3500">
+                <a:latin typeface="Ubuntu" pitchFamily="18"/>
+              </a:rPr>
+              <a:t>INSTALL APACHE ON CENTOS7 CONTAINER</a:t>
             </a:r>
           </a:p>
         </p:txBody>
@@ -9939,7 +10338,7 @@
 
 <file path=ppt/slides/slide8.xml><?xml version="1.0" encoding="utf-8"?>
 <p:sld xmlns:a="http://schemas.openxmlformats.org/drawingml/2006/main" xmlns:r="http://schemas.openxmlformats.org/officeDocument/2006/relationships" xmlns:p="http://schemas.openxmlformats.org/presentationml/2006/main">
-  <p:cSld name="page7">
+  <p:cSld name="page6">
     <p:spTree>
       <p:nvGrpSpPr>
         <p:cNvPr id="1" name=""/>
@@ -9966,8 +10365,8 @@
         </p:nvSpPr>
         <p:spPr>
           <a:xfrm>
-            <a:off x="216000" y="-225720"/>
-            <a:ext cx="9720000" cy="6906600"/>
+            <a:off x="216000" y="1"/>
+            <a:ext cx="9720000" cy="7559674"/>
           </a:xfrm>
         </p:spPr>
         <p:txBody>
@@ -9976,259 +10375,307 @@
           <a:p>
             <a:pPr lvl="0" algn="l"/>
             <a:r>
-              <a:rPr lang="en-IN" sz="2000" b="1" dirty="0">
-                <a:latin typeface="Ubuntu" pitchFamily="18"/>
-              </a:rPr>
-              <a:t>NOW RUN THE COMMITED IMAGES</a:t>
-            </a:r>
-          </a:p>
-          <a:p>
-            <a:pPr lvl="0" algn="l"/>
-            <a:r>
-              <a:rPr lang="en-IN" sz="2000" b="1" dirty="0">
+              <a:rPr lang="en-IN" sz="2400" dirty="0">
                 <a:latin typeface="Ubuntu" pitchFamily="18"/>
               </a:rPr>
               <a:t>#</a:t>
             </a:r>
             <a:r>
-              <a:rPr lang="en-IN" sz="2000" b="1" dirty="0" err="1">
+              <a:rPr lang="en-IN" sz="2400" dirty="0" err="1">
                 <a:latin typeface="Ubuntu" pitchFamily="18"/>
               </a:rPr>
               <a:t>docker</a:t>
             </a:r>
             <a:r>
-              <a:rPr lang="en-IN" sz="2000" b="1" dirty="0">
-                <a:latin typeface="Ubuntu" pitchFamily="18"/>
-              </a:rPr>
-              <a:t> run -it -p 80:80 --name “</a:t>
-            </a:r>
-            <a:r>
-              <a:rPr lang="en-IN" sz="2000" b="1" dirty="0" err="1">
-                <a:latin typeface="Ubuntu" pitchFamily="18"/>
-              </a:rPr>
-              <a:t>centos_test</a:t>
-            </a:r>
-            <a:r>
-              <a:rPr lang="en-IN" sz="2000" b="1" dirty="0">
-                <a:latin typeface="Ubuntu" pitchFamily="18"/>
-              </a:rPr>
-              <a:t>” IMAGENAME:TAGS /bin/bash</a:t>
-            </a:r>
-          </a:p>
-          <a:p>
-            <a:pPr lvl="0" algn="l"/>
-            <a:r>
-              <a:rPr lang="en-IN" sz="2000" dirty="0" smtClean="0">
-                <a:latin typeface="Ubuntu" pitchFamily="18"/>
-              </a:rPr>
-              <a:t>[</a:t>
-            </a:r>
-            <a:r>
-              <a:rPr lang="en-IN" sz="2000" dirty="0">
-                <a:latin typeface="Ubuntu" pitchFamily="18"/>
-              </a:rPr>
-              <a:t>container]#</a:t>
-            </a:r>
-            <a:r>
-              <a:rPr lang="en-IN" sz="2000" b="1" dirty="0">
-                <a:latin typeface="Ubuntu" pitchFamily="18"/>
-              </a:rPr>
-              <a:t>/</a:t>
-            </a:r>
-            <a:r>
-              <a:rPr lang="en-IN" sz="2000" b="1" dirty="0" err="1">
-                <a:latin typeface="Ubuntu" pitchFamily="18"/>
-              </a:rPr>
-              <a:t>usr</a:t>
-            </a:r>
-            <a:r>
-              <a:rPr lang="en-IN" sz="2000" b="1" dirty="0">
-                <a:latin typeface="Ubuntu" pitchFamily="18"/>
-              </a:rPr>
-              <a:t>/</a:t>
-            </a:r>
-            <a:r>
-              <a:rPr lang="en-IN" sz="2000" b="1" dirty="0" err="1">
-                <a:latin typeface="Ubuntu" pitchFamily="18"/>
-              </a:rPr>
-              <a:t>sbin</a:t>
-            </a:r>
-            <a:r>
-              <a:rPr lang="en-IN" sz="2000" b="1" dirty="0">
-                <a:latin typeface="Ubuntu" pitchFamily="18"/>
-              </a:rPr>
-              <a:t>/</a:t>
-            </a:r>
-            <a:r>
-              <a:rPr lang="en-IN" sz="2000" b="1" dirty="0" err="1">
-                <a:latin typeface="Ubuntu" pitchFamily="18"/>
-              </a:rPr>
-              <a:t>apachectl</a:t>
-            </a:r>
-            <a:r>
-              <a:rPr lang="en-IN" sz="2000" b="1" dirty="0">
-                <a:latin typeface="Ubuntu" pitchFamily="18"/>
-              </a:rPr>
-              <a:t> -DFOREGROUND &amp; </a:t>
-            </a:r>
-            <a:r>
-              <a:rPr lang="en-IN" sz="2000" dirty="0">
-                <a:latin typeface="Ubuntu" pitchFamily="18"/>
-              </a:rPr>
-              <a:t>-&gt; now we hosted apache on container</a:t>
-            </a:r>
-          </a:p>
-          <a:p>
-            <a:pPr lvl="0" algn="l"/>
-            <a:r>
-              <a:rPr lang="en-IN" sz="2000" b="1" dirty="0" err="1" smtClean="0">
-                <a:latin typeface="Ubuntu" pitchFamily="18"/>
-              </a:rPr>
-              <a:t>NOTE:cnt+p,cnt+q</a:t>
-            </a:r>
-            <a:r>
-              <a:rPr lang="en-IN" sz="2000" b="1" dirty="0" smtClean="0">
-                <a:latin typeface="Ubuntu" pitchFamily="18"/>
-              </a:rPr>
-              <a:t>  </a:t>
-            </a:r>
-            <a:r>
-              <a:rPr lang="en-IN" sz="2000" b="1" dirty="0">
-                <a:latin typeface="Ubuntu" pitchFamily="18"/>
-              </a:rPr>
-              <a:t>to exit from container without </a:t>
-            </a:r>
-            <a:r>
-              <a:rPr lang="en-IN" sz="2000" b="1" dirty="0" err="1">
-                <a:latin typeface="Ubuntu" pitchFamily="18"/>
-              </a:rPr>
-              <a:t>stoping</a:t>
-            </a:r>
-            <a:r>
-              <a:rPr lang="en-IN" sz="2000" b="1" dirty="0">
-                <a:latin typeface="Ubuntu" pitchFamily="18"/>
-              </a:rPr>
-              <a:t> them</a:t>
-            </a:r>
-          </a:p>
-          <a:p>
-            <a:pPr lvl="0" algn="l"/>
-            <a:r>
-              <a:rPr lang="en-IN" sz="2000" b="1" dirty="0" smtClean="0">
-                <a:latin typeface="Ubuntu" pitchFamily="18"/>
-              </a:rPr>
-              <a:t>NOTE</a:t>
-            </a:r>
-            <a:r>
-              <a:rPr lang="en-IN" sz="2000" b="1" dirty="0">
-                <a:latin typeface="Ubuntu" pitchFamily="18"/>
-              </a:rPr>
-              <a:t>: exit to stop container and exit</a:t>
-            </a:r>
-          </a:p>
-          <a:p>
-            <a:pPr lvl="0" algn="l"/>
-            <a:r>
-              <a:rPr lang="en-IN" sz="2000" dirty="0" smtClean="0">
-                <a:latin typeface="Ubuntu" pitchFamily="18"/>
-              </a:rPr>
-              <a:t>If </a:t>
-            </a:r>
-            <a:r>
-              <a:rPr lang="en-IN" sz="2000" dirty="0">
-                <a:latin typeface="Ubuntu" pitchFamily="18"/>
-              </a:rPr>
-              <a:t>we stop it we need to start it</a:t>
-            </a:r>
-          </a:p>
-          <a:p>
-            <a:pPr lvl="0" algn="l"/>
-            <a:r>
-              <a:rPr lang="en-IN" sz="2000" dirty="0" smtClean="0">
+              <a:rPr lang="en-IN" sz="2400" dirty="0">
+                <a:latin typeface="Ubuntu" pitchFamily="18"/>
+              </a:rPr>
+              <a:t> images -&gt; to see all downloaded images on system</a:t>
+            </a:r>
+          </a:p>
+          <a:p>
+            <a:pPr lvl="0" algn="l"/>
+            <a:r>
+              <a:rPr lang="en-IN" sz="2400" dirty="0" smtClean="0">
                 <a:latin typeface="Ubuntu" pitchFamily="18"/>
               </a:rPr>
               <a:t>#</a:t>
             </a:r>
             <a:r>
-              <a:rPr lang="en-IN" sz="2000" dirty="0" err="1">
+              <a:rPr lang="en-IN" sz="2400" dirty="0" err="1">
                 <a:latin typeface="Ubuntu" pitchFamily="18"/>
               </a:rPr>
               <a:t>docker</a:t>
             </a:r>
             <a:r>
-              <a:rPr lang="en-IN" sz="2000" dirty="0">
-                <a:latin typeface="Ubuntu" pitchFamily="18"/>
-              </a:rPr>
-              <a:t> start </a:t>
-            </a:r>
-            <a:r>
-              <a:rPr lang="en-IN" sz="2000" dirty="0" err="1">
-                <a:latin typeface="Ubuntu" pitchFamily="18"/>
-              </a:rPr>
-              <a:t>container_id</a:t>
-            </a:r>
-            <a:r>
-              <a:rPr lang="en-IN" sz="2000" dirty="0">
-                <a:latin typeface="Ubuntu" pitchFamily="18"/>
-              </a:rPr>
-              <a:t> and the attach with it to get shell</a:t>
-            </a:r>
-          </a:p>
-          <a:p>
-            <a:pPr lvl="0" algn="l"/>
-            <a:r>
-              <a:rPr lang="en-IN" sz="2000" dirty="0">
-                <a:latin typeface="Ubuntu" pitchFamily="18"/>
-              </a:rPr>
-              <a:t>			Or</a:t>
-            </a:r>
-          </a:p>
-          <a:p>
-            <a:pPr lvl="0" algn="l"/>
-            <a:r>
-              <a:rPr lang="en-IN" sz="2000" dirty="0">
-                <a:latin typeface="Ubuntu" pitchFamily="18"/>
-              </a:rPr>
-              <a:t>If we container is running then we need to attach from it</a:t>
-            </a:r>
-          </a:p>
-          <a:p>
-            <a:pPr lvl="0" algn="l"/>
-            <a:r>
-              <a:rPr lang="en-IN" sz="2000" dirty="0" smtClean="0">
+              <a:rPr lang="en-IN" sz="2400" dirty="0">
+                <a:latin typeface="Ubuntu" pitchFamily="18"/>
+              </a:rPr>
+              <a:t> search centos -&gt; to search all </a:t>
+            </a:r>
+            <a:r>
+              <a:rPr lang="en-IN" sz="2400" dirty="0" err="1">
+                <a:latin typeface="Ubuntu" pitchFamily="18"/>
+              </a:rPr>
+              <a:t>docker</a:t>
+            </a:r>
+            <a:r>
+              <a:rPr lang="en-IN" sz="2400" dirty="0">
+                <a:latin typeface="Ubuntu" pitchFamily="18"/>
+              </a:rPr>
+              <a:t> </a:t>
+            </a:r>
+            <a:r>
+              <a:rPr lang="en-IN" sz="2400" dirty="0" err="1">
+                <a:latin typeface="Ubuntu" pitchFamily="18"/>
+              </a:rPr>
+              <a:t>ubuntu</a:t>
+            </a:r>
+            <a:r>
+              <a:rPr lang="en-IN" sz="2400" dirty="0">
+                <a:latin typeface="Ubuntu" pitchFamily="18"/>
+              </a:rPr>
+              <a:t> images</a:t>
+            </a:r>
+          </a:p>
+          <a:p>
+            <a:pPr lvl="0" algn="l"/>
+            <a:r>
+              <a:rPr lang="en-IN" sz="2400" dirty="0" smtClean="0">
                 <a:latin typeface="Ubuntu" pitchFamily="18"/>
               </a:rPr>
               <a:t>#</a:t>
             </a:r>
             <a:r>
-              <a:rPr lang="en-IN" sz="2000" dirty="0" err="1">
+              <a:rPr lang="en-IN" sz="2400" dirty="0" err="1">
                 <a:latin typeface="Ubuntu" pitchFamily="18"/>
               </a:rPr>
               <a:t>docker</a:t>
             </a:r>
             <a:r>
-              <a:rPr lang="en-IN" sz="2000" dirty="0">
-                <a:latin typeface="Ubuntu" pitchFamily="18"/>
-              </a:rPr>
-              <a:t> attach </a:t>
-            </a:r>
-            <a:r>
-              <a:rPr lang="en-IN" sz="2000" dirty="0" err="1">
-                <a:latin typeface="Ubuntu" pitchFamily="18"/>
-              </a:rPr>
-              <a:t>container_Id</a:t>
-            </a:r>
-            <a:endParaRPr lang="en-IN" sz="2000" dirty="0">
+              <a:rPr lang="en-IN" sz="2400" dirty="0">
+                <a:latin typeface="Ubuntu" pitchFamily="18"/>
+              </a:rPr>
+              <a:t> pull centos  -&gt; downloading image of </a:t>
+            </a:r>
+            <a:r>
+              <a:rPr lang="en-IN" sz="2400" dirty="0" err="1">
+                <a:latin typeface="Ubuntu" pitchFamily="18"/>
+              </a:rPr>
+              <a:t>ubuntu</a:t>
+            </a:r>
+            <a:r>
+              <a:rPr lang="en-IN" sz="2400" dirty="0">
+                <a:latin typeface="Ubuntu" pitchFamily="18"/>
+              </a:rPr>
+              <a:t> on local machine</a:t>
+            </a:r>
+          </a:p>
+          <a:p>
+            <a:pPr lvl="0" algn="l"/>
+            <a:endParaRPr lang="en-IN" sz="2400" dirty="0" smtClean="0">
               <a:latin typeface="Ubuntu" pitchFamily="18"/>
             </a:endParaRPr>
           </a:p>
           <a:p>
             <a:pPr lvl="0" algn="l"/>
             <a:r>
-              <a:rPr lang="en-IN" sz="2000" dirty="0">
-                <a:latin typeface="Ubuntu" pitchFamily="18"/>
-              </a:rPr>
-              <a:t>  </a:t>
+              <a:rPr lang="en-IN" sz="2400" b="1" dirty="0" smtClean="0">
+                <a:latin typeface="Ubuntu" pitchFamily="18"/>
+              </a:rPr>
+              <a:t>#</a:t>
+            </a:r>
+            <a:r>
+              <a:rPr lang="en-IN" sz="2400" b="1" dirty="0" err="1">
+                <a:latin typeface="Ubuntu" pitchFamily="18"/>
+              </a:rPr>
+              <a:t>docker</a:t>
+            </a:r>
+            <a:r>
+              <a:rPr lang="en-IN" sz="2400" b="1" dirty="0">
+                <a:latin typeface="Ubuntu" pitchFamily="18"/>
+              </a:rPr>
+              <a:t> run -it –name “</a:t>
+            </a:r>
+            <a:r>
+              <a:rPr lang="en-IN" sz="2400" b="1" dirty="0" err="1">
+                <a:latin typeface="Ubuntu" pitchFamily="18"/>
+              </a:rPr>
+              <a:t>centos_test</a:t>
+            </a:r>
+            <a:r>
+              <a:rPr lang="en-IN" sz="2400" b="1" dirty="0">
+                <a:latin typeface="Ubuntu" pitchFamily="18"/>
+              </a:rPr>
+              <a:t>” centos /bin/bash</a:t>
+            </a:r>
+          </a:p>
+          <a:p>
+            <a:pPr lvl="0" algn="l"/>
+            <a:r>
+              <a:rPr lang="en-IN" sz="2400" dirty="0" smtClean="0">
+                <a:latin typeface="Ubuntu" pitchFamily="18"/>
+              </a:rPr>
+              <a:t>[</a:t>
+            </a:r>
+            <a:r>
+              <a:rPr lang="en-IN" sz="2400" dirty="0">
+                <a:latin typeface="Ubuntu" pitchFamily="18"/>
+              </a:rPr>
+              <a:t>container]#</a:t>
+            </a:r>
+            <a:r>
+              <a:rPr lang="en-IN" sz="2400" b="1" dirty="0">
+                <a:latin typeface="Ubuntu" pitchFamily="18"/>
+              </a:rPr>
+              <a:t>yum install </a:t>
+            </a:r>
+            <a:r>
+              <a:rPr lang="en-IN" sz="2400" b="1" dirty="0" err="1">
+                <a:latin typeface="Ubuntu" pitchFamily="18"/>
+              </a:rPr>
+              <a:t>httpd</a:t>
+            </a:r>
+            <a:r>
+              <a:rPr lang="en-IN" sz="2400" b="1" dirty="0">
+                <a:latin typeface="Ubuntu" pitchFamily="18"/>
+              </a:rPr>
+              <a:t> -&gt; to update container repos</a:t>
+            </a:r>
+          </a:p>
+          <a:p>
+            <a:pPr lvl="0" algn="l"/>
+            <a:r>
+              <a:rPr lang="en-IN" sz="2400" dirty="0">
+                <a:latin typeface="Ubuntu" pitchFamily="18"/>
+              </a:rPr>
+              <a:t>[container]#</a:t>
+            </a:r>
+            <a:r>
+              <a:rPr lang="en-IN" sz="2400" b="1" dirty="0">
+                <a:latin typeface="Ubuntu" pitchFamily="18"/>
+              </a:rPr>
+              <a:t>exit</a:t>
+            </a:r>
+          </a:p>
+          <a:p>
+            <a:pPr lvl="0" algn="l"/>
+            <a:r>
+              <a:rPr lang="en-IN" sz="2400" dirty="0" smtClean="0">
+                <a:latin typeface="Ubuntu" pitchFamily="18"/>
+              </a:rPr>
+              <a:t>#</a:t>
+            </a:r>
+            <a:r>
+              <a:rPr lang="en-IN" sz="2400" b="1" dirty="0" err="1">
+                <a:latin typeface="Ubuntu" pitchFamily="18"/>
+              </a:rPr>
+              <a:t>docker</a:t>
+            </a:r>
+            <a:r>
+              <a:rPr lang="en-IN" sz="2400" b="1" dirty="0">
+                <a:latin typeface="Ubuntu" pitchFamily="18"/>
+              </a:rPr>
+              <a:t> </a:t>
+            </a:r>
+            <a:r>
+              <a:rPr lang="en-IN" sz="2400" b="1" dirty="0" err="1">
+                <a:latin typeface="Ubuntu" pitchFamily="18"/>
+              </a:rPr>
+              <a:t>ps</a:t>
+            </a:r>
+            <a:r>
+              <a:rPr lang="en-IN" sz="2400" b="1" dirty="0">
+                <a:latin typeface="Ubuntu" pitchFamily="18"/>
+              </a:rPr>
+              <a:t> -a </a:t>
+            </a:r>
+            <a:r>
+              <a:rPr lang="en-IN" sz="2400" dirty="0">
+                <a:latin typeface="Ubuntu" pitchFamily="18"/>
+              </a:rPr>
+              <a:t>-&gt;  to see all </a:t>
+            </a:r>
+            <a:r>
+              <a:rPr lang="en-IN" sz="2400" dirty="0" err="1">
+                <a:latin typeface="Ubuntu" pitchFamily="18"/>
+              </a:rPr>
+              <a:t>container_id</a:t>
+            </a:r>
+            <a:endParaRPr lang="en-IN" sz="2400" dirty="0">
+              <a:latin typeface="Ubuntu" pitchFamily="18"/>
+            </a:endParaRPr>
+          </a:p>
+          <a:p>
+            <a:pPr lvl="0" algn="l"/>
+            <a:r>
+              <a:rPr lang="en-IN" sz="2400" dirty="0" smtClean="0">
+                <a:latin typeface="Ubuntu" pitchFamily="18"/>
+              </a:rPr>
+              <a:t>#</a:t>
+            </a:r>
+            <a:r>
+              <a:rPr lang="en-IN" sz="2400" b="1" dirty="0" err="1">
+                <a:latin typeface="Ubuntu" pitchFamily="18"/>
+              </a:rPr>
+              <a:t>docker</a:t>
+            </a:r>
+            <a:r>
+              <a:rPr lang="en-IN" sz="2400" b="1" dirty="0">
+                <a:latin typeface="Ubuntu" pitchFamily="18"/>
+              </a:rPr>
+              <a:t> commit -m “installed apache” </a:t>
+            </a:r>
+            <a:r>
+              <a:rPr lang="en-IN" sz="2400" b="1" dirty="0" err="1">
+                <a:latin typeface="Ubuntu" pitchFamily="18"/>
+              </a:rPr>
+              <a:t>container_ID</a:t>
+            </a:r>
+            <a:r>
+              <a:rPr lang="en-IN" sz="2400" b="1" dirty="0">
+                <a:latin typeface="Ubuntu" pitchFamily="18"/>
+              </a:rPr>
+              <a:t> IMAGENAME:TAGS</a:t>
+            </a:r>
+          </a:p>
+          <a:p>
+            <a:pPr lvl="0" algn="l"/>
+            <a:r>
+              <a:rPr lang="en-IN" sz="2400" dirty="0" smtClean="0">
+                <a:latin typeface="Ubuntu" pitchFamily="18"/>
+              </a:rPr>
+              <a:t>#</a:t>
+            </a:r>
+            <a:r>
+              <a:rPr lang="en-IN" sz="2400" b="1" dirty="0" err="1">
+                <a:latin typeface="Ubuntu" pitchFamily="18"/>
+              </a:rPr>
+              <a:t>dockers</a:t>
+            </a:r>
+            <a:r>
+              <a:rPr lang="en-IN" sz="2400" b="1" dirty="0">
+                <a:latin typeface="Ubuntu" pitchFamily="18"/>
+              </a:rPr>
+              <a:t> images </a:t>
+            </a:r>
+            <a:r>
+              <a:rPr lang="en-IN" sz="2400" dirty="0">
+                <a:latin typeface="Ubuntu" pitchFamily="18"/>
+              </a:rPr>
+              <a:t>-&gt;  Now we can see </a:t>
+            </a:r>
+            <a:r>
+              <a:rPr lang="en-IN" sz="2400" dirty="0" err="1">
+                <a:latin typeface="Ubuntu" pitchFamily="18"/>
+              </a:rPr>
+              <a:t>comited</a:t>
+            </a:r>
+            <a:r>
+              <a:rPr lang="en-IN" sz="2400" dirty="0">
+                <a:latin typeface="Ubuntu" pitchFamily="18"/>
+              </a:rPr>
+              <a:t> image</a:t>
             </a:r>
           </a:p>
         </p:txBody>
@@ -10251,7 +10698,7 @@
 
 <file path=ppt/slides/slide9.xml><?xml version="1.0" encoding="utf-8"?>
 <p:sld xmlns:a="http://schemas.openxmlformats.org/drawingml/2006/main" xmlns:r="http://schemas.openxmlformats.org/officeDocument/2006/relationships" xmlns:p="http://schemas.openxmlformats.org/presentationml/2006/main">
-  <p:cSld name="page8">
+  <p:cSld name="page7">
     <p:spTree>
       <p:nvGrpSpPr>
         <p:cNvPr id="1" name=""/>
@@ -10278,8 +10725,8 @@
         </p:nvSpPr>
         <p:spPr>
           <a:xfrm>
-            <a:off x="0" y="1"/>
-            <a:ext cx="9936000" cy="7559674"/>
+            <a:off x="216000" y="-225720"/>
+            <a:ext cx="9720000" cy="6906600"/>
           </a:xfrm>
         </p:spPr>
         <p:txBody>
@@ -10288,35 +10735,248 @@
           <a:p>
             <a:pPr lvl="0" algn="l"/>
             <a:r>
+              <a:rPr lang="en-IN" sz="2000" b="1" dirty="0">
+                <a:latin typeface="Ubuntu" pitchFamily="18"/>
+              </a:rPr>
+              <a:t>NOW RUN THE COMMITED IMAGES</a:t>
+            </a:r>
+          </a:p>
+          <a:p>
+            <a:pPr lvl="0" algn="l"/>
+            <a:r>
+              <a:rPr lang="en-IN" sz="2000" b="1" dirty="0">
+                <a:latin typeface="Ubuntu" pitchFamily="18"/>
+              </a:rPr>
+              <a:t>#</a:t>
+            </a:r>
+            <a:r>
+              <a:rPr lang="en-IN" sz="2000" b="1" dirty="0" err="1">
+                <a:latin typeface="Ubuntu" pitchFamily="18"/>
+              </a:rPr>
+              <a:t>docker</a:t>
+            </a:r>
+            <a:r>
+              <a:rPr lang="en-IN" sz="2000" b="1" dirty="0">
+                <a:latin typeface="Ubuntu" pitchFamily="18"/>
+              </a:rPr>
+              <a:t> run -it -p 80:80 --name “</a:t>
+            </a:r>
+            <a:r>
+              <a:rPr lang="en-IN" sz="2000" b="1" dirty="0" err="1">
+                <a:latin typeface="Ubuntu" pitchFamily="18"/>
+              </a:rPr>
+              <a:t>centos_test</a:t>
+            </a:r>
+            <a:r>
+              <a:rPr lang="en-IN" sz="2000" b="1" dirty="0">
+                <a:latin typeface="Ubuntu" pitchFamily="18"/>
+              </a:rPr>
+              <a:t>” IMAGENAME:TAGS /bin/bash</a:t>
+            </a:r>
+          </a:p>
+          <a:p>
+            <a:pPr lvl="0" algn="l"/>
+            <a:r>
+              <a:rPr lang="en-IN" sz="2000" dirty="0" smtClean="0">
+                <a:latin typeface="Ubuntu" pitchFamily="18"/>
+              </a:rPr>
+              <a:t>[</a:t>
+            </a:r>
+            <a:r>
               <a:rPr lang="en-IN" sz="2000" dirty="0">
                 <a:latin typeface="Ubuntu" pitchFamily="18"/>
               </a:rPr>
-              <a:t>DIFF BETWEEN </a:t>
-            </a:r>
+              <a:t>container]#</a:t>
+            </a:r>
+            <a:r>
+              <a:rPr lang="en-IN" sz="2000" b="1" dirty="0">
+                <a:latin typeface="Ubuntu" pitchFamily="18"/>
+              </a:rPr>
+              <a:t>/</a:t>
+            </a:r>
+            <a:r>
+              <a:rPr lang="en-IN" sz="2000" b="1" dirty="0" err="1">
+                <a:latin typeface="Ubuntu" pitchFamily="18"/>
+              </a:rPr>
+              <a:t>usr</a:t>
+            </a:r>
+            <a:r>
+              <a:rPr lang="en-IN" sz="2000" b="1" dirty="0">
+                <a:latin typeface="Ubuntu" pitchFamily="18"/>
+              </a:rPr>
+              <a:t>/</a:t>
+            </a:r>
+            <a:r>
+              <a:rPr lang="en-IN" sz="2000" b="1" dirty="0" err="1">
+                <a:latin typeface="Ubuntu" pitchFamily="18"/>
+              </a:rPr>
+              <a:t>sbin</a:t>
+            </a:r>
+            <a:r>
+              <a:rPr lang="en-IN" sz="2000" b="1" dirty="0">
+                <a:latin typeface="Ubuntu" pitchFamily="18"/>
+              </a:rPr>
+              <a:t>/</a:t>
+            </a:r>
+            <a:r>
+              <a:rPr lang="en-IN" sz="2000" b="1" dirty="0" err="1">
+                <a:latin typeface="Ubuntu" pitchFamily="18"/>
+              </a:rPr>
+              <a:t>apachectl</a:t>
+            </a:r>
+            <a:r>
+              <a:rPr lang="en-IN" sz="2000" b="1" dirty="0">
+                <a:latin typeface="Ubuntu" pitchFamily="18"/>
+              </a:rPr>
+              <a:t> -DFOREGROUND &amp; </a:t>
+            </a:r>
+            <a:r>
+              <a:rPr lang="en-IN" sz="2000" dirty="0">
+                <a:latin typeface="Ubuntu" pitchFamily="18"/>
+              </a:rPr>
+              <a:t>-&gt; now we hosted apache on container</a:t>
+            </a:r>
+          </a:p>
+          <a:p>
+            <a:pPr lvl="0" algn="l"/>
+            <a:r>
+              <a:rPr lang="en-IN" sz="2000" b="1" dirty="0" err="1" smtClean="0">
+                <a:latin typeface="Ubuntu" pitchFamily="18"/>
+              </a:rPr>
+              <a:t>NOTE:cnt+p,cnt+q</a:t>
+            </a:r>
+            <a:r>
+              <a:rPr lang="en-IN" sz="2000" b="1" dirty="0" smtClean="0">
+                <a:latin typeface="Ubuntu" pitchFamily="18"/>
+              </a:rPr>
+              <a:t>  </a:t>
+            </a:r>
+            <a:r>
+              <a:rPr lang="en-IN" sz="2000" b="1" dirty="0">
+                <a:latin typeface="Ubuntu" pitchFamily="18"/>
+              </a:rPr>
+              <a:t>to exit from container without </a:t>
+            </a:r>
+            <a:r>
+              <a:rPr lang="en-IN" sz="2000" b="1" dirty="0" err="1">
+                <a:latin typeface="Ubuntu" pitchFamily="18"/>
+              </a:rPr>
+              <a:t>stoping</a:t>
+            </a:r>
+            <a:r>
+              <a:rPr lang="en-IN" sz="2000" b="1" dirty="0">
+                <a:latin typeface="Ubuntu" pitchFamily="18"/>
+              </a:rPr>
+              <a:t> them</a:t>
+            </a:r>
+          </a:p>
+          <a:p>
+            <a:pPr lvl="0" algn="l"/>
+            <a:r>
+              <a:rPr lang="en-IN" sz="2000" b="1" dirty="0" smtClean="0">
+                <a:latin typeface="Ubuntu" pitchFamily="18"/>
+              </a:rPr>
+              <a:t>NOTE</a:t>
+            </a:r>
+            <a:r>
+              <a:rPr lang="en-IN" sz="2000" b="1" dirty="0">
+                <a:latin typeface="Ubuntu" pitchFamily="18"/>
+              </a:rPr>
+              <a:t>: exit to stop container and exit</a:t>
+            </a:r>
+          </a:p>
+          <a:p>
+            <a:pPr lvl="0" algn="l"/>
             <a:r>
               <a:rPr lang="en-IN" sz="2000" dirty="0" smtClean="0">
                 <a:latin typeface="Ubuntu" pitchFamily="18"/>
               </a:rPr>
-              <a:t>EXPOSE and  </a:t>
+              <a:t>If </a:t>
             </a:r>
             <a:r>
               <a:rPr lang="en-IN" sz="2000" dirty="0">
                 <a:latin typeface="Ubuntu" pitchFamily="18"/>
               </a:rPr>
-              <a:t>P</a:t>
-            </a:r>
-          </a:p>
-          <a:p>
-            <a:pPr lvl="0" algn="l"/>
+              <a:t>we stop it we need to start it</a:t>
+            </a:r>
+          </a:p>
+          <a:p>
+            <a:pPr lvl="0" algn="l"/>
+            <a:r>
+              <a:rPr lang="en-IN" sz="2000" dirty="0" smtClean="0">
+                <a:latin typeface="Ubuntu" pitchFamily="18"/>
+              </a:rPr>
+              <a:t>#</a:t>
+            </a:r>
+            <a:r>
+              <a:rPr lang="en-IN" sz="2000" dirty="0" err="1">
+                <a:latin typeface="Ubuntu" pitchFamily="18"/>
+              </a:rPr>
+              <a:t>docker</a:t>
+            </a:r>
             <a:r>
               <a:rPr lang="en-IN" sz="2000" dirty="0">
                 <a:latin typeface="Ubuntu" pitchFamily="18"/>
               </a:rPr>
-              <a:t>Basically, you have three options:</a:t>
-            </a:r>
-          </a:p>
-          <a:p>
-            <a:pPr lvl="0" algn="l"/>
+              <a:t> start </a:t>
+            </a:r>
+            <a:r>
+              <a:rPr lang="en-IN" sz="2000" dirty="0" err="1">
+                <a:latin typeface="Ubuntu" pitchFamily="18"/>
+              </a:rPr>
+              <a:t>container_id</a:t>
+            </a:r>
+            <a:r>
+              <a:rPr lang="en-IN" sz="2000" dirty="0">
+                <a:latin typeface="Ubuntu" pitchFamily="18"/>
+              </a:rPr>
+              <a:t> and the attach with it to get shell</a:t>
+            </a:r>
+          </a:p>
+          <a:p>
+            <a:pPr lvl="0" algn="l"/>
+            <a:r>
+              <a:rPr lang="en-IN" sz="2000" dirty="0">
+                <a:latin typeface="Ubuntu" pitchFamily="18"/>
+              </a:rPr>
+              <a:t>			Or</a:t>
+            </a:r>
+          </a:p>
+          <a:p>
+            <a:pPr lvl="0" algn="l"/>
+            <a:r>
+              <a:rPr lang="en-IN" sz="2000" dirty="0">
+                <a:latin typeface="Ubuntu" pitchFamily="18"/>
+              </a:rPr>
+              <a:t>If we container is running then we need to attach from it</a:t>
+            </a:r>
+          </a:p>
+          <a:p>
+            <a:pPr lvl="0" algn="l"/>
+            <a:r>
+              <a:rPr lang="en-IN" sz="2000" dirty="0" smtClean="0">
+                <a:latin typeface="Ubuntu" pitchFamily="18"/>
+              </a:rPr>
+              <a:t>#</a:t>
+            </a:r>
+            <a:r>
+              <a:rPr lang="en-IN" sz="2000" dirty="0" err="1">
+                <a:latin typeface="Ubuntu" pitchFamily="18"/>
+              </a:rPr>
+              <a:t>docker</a:t>
+            </a:r>
+            <a:r>
+              <a:rPr lang="en-IN" sz="2000" dirty="0">
+                <a:latin typeface="Ubuntu" pitchFamily="18"/>
+              </a:rPr>
+              <a:t> attach </a:t>
+            </a:r>
+            <a:r>
+              <a:rPr lang="en-IN" sz="2000" dirty="0" err="1">
+                <a:latin typeface="Ubuntu" pitchFamily="18"/>
+              </a:rPr>
+              <a:t>container_Id</a:t>
+            </a:r>
             <a:endParaRPr lang="en-IN" sz="2000" dirty="0">
               <a:latin typeface="Ubuntu" pitchFamily="18"/>
             </a:endParaRPr>
@@ -10327,106 +10987,7 @@
               <a:rPr lang="en-IN" sz="2000" dirty="0">
                 <a:latin typeface="Ubuntu" pitchFamily="18"/>
               </a:rPr>
-              <a:t>    Neither specify EXPOSE nor -p.</a:t>
-            </a:r>
-          </a:p>
-          <a:p>
-            <a:pPr lvl="0" algn="l"/>
-            <a:r>
-              <a:rPr lang="en-IN" sz="2000" dirty="0">
-                <a:latin typeface="Ubuntu" pitchFamily="18"/>
-              </a:rPr>
-              <a:t>    Only specify EXPOSE.</a:t>
-            </a:r>
-          </a:p>
-          <a:p>
-            <a:pPr lvl="0" algn="l"/>
-            <a:r>
-              <a:rPr lang="en-IN" sz="2000" dirty="0">
-                <a:latin typeface="Ubuntu" pitchFamily="18"/>
-              </a:rPr>
-              <a:t>    Specify EXPOSE and -p.</a:t>
-            </a:r>
-          </a:p>
-          <a:p>
-            <a:pPr lvl="0" algn="l"/>
-            <a:endParaRPr lang="en-IN" sz="2000" dirty="0">
-              <a:latin typeface="Ubuntu" pitchFamily="18"/>
-            </a:endParaRPr>
-          </a:p>
-          <a:p>
-            <a:pPr lvl="0" algn="l"/>
-            <a:r>
-              <a:rPr lang="en-IN" sz="2000" dirty="0">
-                <a:latin typeface="Ubuntu" pitchFamily="18"/>
-              </a:rPr>
-              <a:t>If you do not specify any of those, the service in the container will not be accessible from anywhere except from inside the container itself.</a:t>
-            </a:r>
-          </a:p>
-          <a:p>
-            <a:pPr lvl="0" algn="l"/>
-            <a:endParaRPr lang="en-IN" sz="2000" dirty="0">
-              <a:latin typeface="Ubuntu" pitchFamily="18"/>
-            </a:endParaRPr>
-          </a:p>
-          <a:p>
-            <a:pPr lvl="0" algn="l"/>
-            <a:r>
-              <a:rPr lang="en-IN" sz="2000" dirty="0">
-                <a:latin typeface="Ubuntu" pitchFamily="18"/>
-              </a:rPr>
-              <a:t>If you EXPOSE a port, the service in the container is not accessible from outside </a:t>
-            </a:r>
-            <a:r>
-              <a:rPr lang="en-IN" sz="2000" dirty="0" err="1">
-                <a:latin typeface="Ubuntu" pitchFamily="18"/>
-              </a:rPr>
-              <a:t>Docker</a:t>
-            </a:r>
-            <a:r>
-              <a:rPr lang="en-IN" sz="2000" dirty="0">
-                <a:latin typeface="Ubuntu" pitchFamily="18"/>
-              </a:rPr>
-              <a:t>, but from inside other </a:t>
-            </a:r>
-            <a:r>
-              <a:rPr lang="en-IN" sz="2000" dirty="0" err="1">
-                <a:latin typeface="Ubuntu" pitchFamily="18"/>
-              </a:rPr>
-              <a:t>Docker</a:t>
-            </a:r>
-            <a:r>
-              <a:rPr lang="en-IN" sz="2000" dirty="0">
-                <a:latin typeface="Ubuntu" pitchFamily="18"/>
-              </a:rPr>
-              <a:t> containers. So this is good for inter-container communication.</a:t>
-            </a:r>
-          </a:p>
-          <a:p>
-            <a:pPr lvl="0" algn="l"/>
-            <a:endParaRPr lang="en-IN" sz="2000" dirty="0">
-              <a:latin typeface="Ubuntu" pitchFamily="18"/>
-            </a:endParaRPr>
-          </a:p>
-          <a:p>
-            <a:pPr lvl="0" algn="l"/>
-            <a:r>
-              <a:rPr lang="en-IN" sz="2000" dirty="0">
-                <a:latin typeface="Ubuntu" pitchFamily="18"/>
-              </a:rPr>
-              <a:t>If you EXPOSE and -p a port, the service in the container is accessible from anywhere, even outside </a:t>
-            </a:r>
-            <a:r>
-              <a:rPr lang="en-IN" sz="2000" dirty="0" err="1">
-                <a:latin typeface="Ubuntu" pitchFamily="18"/>
-              </a:rPr>
-              <a:t>Docker</a:t>
-            </a:r>
-            <a:r>
-              <a:rPr lang="en-IN" sz="2000" dirty="0">
-                <a:latin typeface="Ubuntu" pitchFamily="18"/>
-              </a:rPr>
-              <a:t>.</a:t>
+              <a:t>  </a:t>
             </a:r>
           </a:p>
         </p:txBody>
